--- a/02.0 -- 首个程序 -- 第02章.pptx
+++ b/02.0 -- 首个程序 -- 第02章.pptx
@@ -1,28 +1,29 @@
 
 <file path=ppt/presentation.xml><?xml version="1.0" encoding="utf-8"?>
-<p:presentation xmlns:a="http://schemas.openxmlformats.org/drawingml/2006/main" xmlns:r="http://schemas.openxmlformats.org/officeDocument/2006/relationships" xmlns:p="http://schemas.openxmlformats.org/presentationml/2006/main" saveSubsetFonts="1">
+<p:presentation xmlns:a="http://schemas.openxmlformats.org/drawingml/2006/main" xmlns:r="http://schemas.openxmlformats.org/officeDocument/2006/relationships" xmlns:p="http://schemas.openxmlformats.org/presentationml/2006/main">
   <p:sldMasterIdLst>
-    <p:sldMasterId id="2147483675" r:id="rId1"/>
+    <p:sldMasterId id="2147483648" r:id="rId1"/>
   </p:sldMasterIdLst>
   <p:notesMasterIdLst>
-    <p:notesMasterId r:id="rId17"/>
+    <p:notesMasterId r:id="rId4"/>
   </p:notesMasterIdLst>
   <p:sldIdLst>
-    <p:sldId id="441" r:id="rId2"/>
-    <p:sldId id="422" r:id="rId3"/>
-    <p:sldId id="259" r:id="rId4"/>
-    <p:sldId id="370" r:id="rId5"/>
-    <p:sldId id="371" r:id="rId6"/>
-    <p:sldId id="372" r:id="rId7"/>
-    <p:sldId id="375" r:id="rId8"/>
-    <p:sldId id="376" r:id="rId9"/>
-    <p:sldId id="377" r:id="rId10"/>
-    <p:sldId id="378" r:id="rId11"/>
-    <p:sldId id="379" r:id="rId12"/>
-    <p:sldId id="380" r:id="rId13"/>
-    <p:sldId id="419" r:id="rId14"/>
-    <p:sldId id="382" r:id="rId15"/>
-    <p:sldId id="440" r:id="rId16"/>
+    <p:sldId id="441" r:id="rId3"/>
+    <p:sldId id="422" r:id="rId5"/>
+    <p:sldId id="259" r:id="rId6"/>
+    <p:sldId id="370" r:id="rId7"/>
+    <p:sldId id="371" r:id="rId8"/>
+    <p:sldId id="372" r:id="rId9"/>
+    <p:sldId id="375" r:id="rId10"/>
+    <p:sldId id="376" r:id="rId11"/>
+    <p:sldId id="377" r:id="rId12"/>
+    <p:sldId id="378" r:id="rId13"/>
+    <p:sldId id="379" r:id="rId14"/>
+    <p:sldId id="380" r:id="rId15"/>
+    <p:sldId id="419" r:id="rId16"/>
+    <p:sldId id="382" r:id="rId17"/>
+    <p:sldId id="456" r:id="rId18"/>
+    <p:sldId id="440" r:id="rId19"/>
   </p:sldIdLst>
   <p:sldSz cx="9144000" cy="5143500" type="screen16x9"/>
   <p:notesSz cx="6858000" cy="9144000"/>
@@ -156,22 +157,6 @@
       </a:defRPr>
     </a:lvl9pPr>
   </p:defaultTextStyle>
-  <p:extLst>
-    <p:ext uri="{EFAFB233-063F-42B5-8137-9DF3F51BA10A}">
-      <p15:sldGuideLst xmlns:p15="http://schemas.microsoft.com/office/powerpoint/2012/main">
-        <p15:guide id="1" orient="horz" pos="1623">
-          <p15:clr>
-            <a:srgbClr val="A4A3A4"/>
-          </p15:clr>
-        </p15:guide>
-        <p15:guide id="2" pos="2865">
-          <p15:clr>
-            <a:srgbClr val="A4A3A4"/>
-          </p15:clr>
-        </p15:guide>
-      </p15:sldGuideLst>
-    </p:ext>
-  </p:extLst>
 </p:presentation>
 </file>
 
@@ -202,13 +187,7 @@
       </p:grpSpPr>
       <p:sp>
         <p:nvSpPr>
-          <p:cNvPr id="2050" name="页眉占位符 1">
-            <a:extLst>
-              <a:ext uri="{FF2B5EF4-FFF2-40B4-BE49-F238E27FC236}">
-                <a16:creationId xmlns:a16="http://schemas.microsoft.com/office/drawing/2014/main" id="{145F8A4A-53CD-4A58-A7AA-33135CCA86B7}"/>
-              </a:ext>
-            </a:extLst>
-          </p:cNvPr>
+          <p:cNvPr id="2050" name="页眉占位符 1"/>
           <p:cNvSpPr>
             <a:spLocks noGrp="1" noChangeArrowheads="1"/>
           </p:cNvSpPr>
@@ -265,13 +244,7 @@
       </p:sp>
       <p:sp>
         <p:nvSpPr>
-          <p:cNvPr id="2051" name="日期占位符 2">
-            <a:extLst>
-              <a:ext uri="{FF2B5EF4-FFF2-40B4-BE49-F238E27FC236}">
-                <a16:creationId xmlns:a16="http://schemas.microsoft.com/office/drawing/2014/main" id="{EE00CC2D-3094-41B9-A5A6-1F6EDAF09F8E}"/>
-              </a:ext>
-            </a:extLst>
-          </p:cNvPr>
+          <p:cNvPr id="2051" name="日期占位符 2"/>
           <p:cNvSpPr>
             <a:spLocks noGrp="1" noChangeArrowheads="1"/>
           </p:cNvSpPr>
@@ -324,10 +297,6 @@
             </a:pPr>
             <a:fld id="{9D66B05F-D423-4A11-9FF1-F5901BEB31AC}" type="datetime1">
               <a:rPr lang="zh-CN" altLang="en-US"/>
-              <a:pPr>
-                <a:defRPr/>
-              </a:pPr>
-              <a:t>2020/9/21</a:t>
             </a:fld>
             <a:endParaRPr lang="zh-CN" altLang="en-US" sz="1200"/>
           </a:p>
@@ -335,18 +304,12 @@
       </p:sp>
       <p:sp>
         <p:nvSpPr>
-          <p:cNvPr id="7172" name="幻灯片图像占位符 3">
-            <a:extLst>
-              <a:ext uri="{FF2B5EF4-FFF2-40B4-BE49-F238E27FC236}">
-                <a16:creationId xmlns:a16="http://schemas.microsoft.com/office/drawing/2014/main" id="{0E19C664-2E1C-4D4A-A187-1FE67F6BA11C}"/>
-              </a:ext>
-            </a:extLst>
-          </p:cNvPr>
+          <p:cNvPr id="7172" name="幻灯片图像占位符 3"/>
           <p:cNvSpPr>
             <a:spLocks noGrp="1" noRot="1" noChangeAspect="1" noChangeArrowheads="1"/>
           </p:cNvSpPr>
           <p:nvPr>
-            <p:ph type="sldImg" idx="4294967295"/>
+            <p:ph type="sldImg" idx="9"/>
           </p:nvPr>
         </p:nvSpPr>
         <p:spPr bwMode="auto">
@@ -384,13 +347,7 @@
       </p:sp>
       <p:sp>
         <p:nvSpPr>
-          <p:cNvPr id="2053" name="备注占位符 4">
-            <a:extLst>
-              <a:ext uri="{FF2B5EF4-FFF2-40B4-BE49-F238E27FC236}">
-                <a16:creationId xmlns:a16="http://schemas.microsoft.com/office/drawing/2014/main" id="{4632CDDA-EA07-45C8-8490-D35A12433C22}"/>
-              </a:ext>
-            </a:extLst>
-          </p:cNvPr>
+          <p:cNvPr id="2053" name="备注占位符 4"/>
           <p:cNvSpPr>
             <a:spLocks noGrp="1" noRot="1" noChangeAspect="1" noChangeArrowheads="1"/>
           </p:cNvSpPr>
@@ -553,6 +510,9 @@
               </a:rPr>
               <a:t>单击此处编辑母版文本样式</a:t>
             </a:r>
+            <a:endParaRPr lang="zh-CN" altLang="en-US">
+              <a:sym typeface="+mn-ea"/>
+            </a:endParaRPr>
           </a:p>
           <a:p>
             <a:pPr>
@@ -566,6 +526,9 @@
               </a:rPr>
               <a:t>第二级</a:t>
             </a:r>
+            <a:endParaRPr lang="zh-CN" altLang="en-US">
+              <a:sym typeface="+mn-ea"/>
+            </a:endParaRPr>
           </a:p>
           <a:p>
             <a:pPr>
@@ -579,6 +542,9 @@
               </a:rPr>
               <a:t>第三级</a:t>
             </a:r>
+            <a:endParaRPr lang="zh-CN" altLang="en-US">
+              <a:sym typeface="+mn-ea"/>
+            </a:endParaRPr>
           </a:p>
           <a:p>
             <a:pPr>
@@ -592,6 +558,9 @@
               </a:rPr>
               <a:t>第四级</a:t>
             </a:r>
+            <a:endParaRPr lang="zh-CN" altLang="en-US">
+              <a:sym typeface="+mn-ea"/>
+            </a:endParaRPr>
           </a:p>
           <a:p>
             <a:pPr>
@@ -605,18 +574,15 @@
               </a:rPr>
               <a:t>第五级</a:t>
             </a:r>
+            <a:endParaRPr lang="zh-CN" altLang="en-US">
+              <a:sym typeface="+mn-ea"/>
+            </a:endParaRPr>
           </a:p>
         </p:txBody>
       </p:sp>
       <p:sp>
         <p:nvSpPr>
-          <p:cNvPr id="2054" name="页脚占位符 5">
-            <a:extLst>
-              <a:ext uri="{FF2B5EF4-FFF2-40B4-BE49-F238E27FC236}">
-                <a16:creationId xmlns:a16="http://schemas.microsoft.com/office/drawing/2014/main" id="{C13EC5E2-C2EA-499C-A3DD-AEC3E98EAE3D}"/>
-              </a:ext>
-            </a:extLst>
-          </p:cNvPr>
+          <p:cNvPr id="2054" name="页脚占位符 5"/>
           <p:cNvSpPr>
             <a:spLocks noGrp="1" noChangeArrowheads="1"/>
           </p:cNvSpPr>
@@ -673,13 +639,7 @@
       </p:sp>
       <p:sp>
         <p:nvSpPr>
-          <p:cNvPr id="2055" name="灯片编号占位符 6">
-            <a:extLst>
-              <a:ext uri="{FF2B5EF4-FFF2-40B4-BE49-F238E27FC236}">
-                <a16:creationId xmlns:a16="http://schemas.microsoft.com/office/drawing/2014/main" id="{4316AE8D-E275-49F0-8C1A-25431B5E00B2}"/>
-              </a:ext>
-            </a:extLst>
-          </p:cNvPr>
+          <p:cNvPr id="2055" name="灯片编号占位符 6"/>
           <p:cNvSpPr>
             <a:spLocks noGrp="1" noChangeArrowheads="1"/>
           </p:cNvSpPr>
@@ -720,11 +680,7 @@
           </a:extLst>
         </p:spPr>
         <p:txBody>
-          <a:bodyPr vert="horz" wrap="square" lIns="91440" tIns="45720" rIns="91440" bIns="45720" numCol="1" anchor="b" anchorCtr="0" compatLnSpc="1">
-            <a:prstTxWarp prst="textNoShape">
-              <a:avLst/>
-            </a:prstTxWarp>
-          </a:bodyPr>
+          <a:bodyPr vert="horz" wrap="square" lIns="91440" tIns="45720" rIns="91440" bIns="45720" numCol="1" anchor="b" anchorCtr="0" compatLnSpc="1"/>
           <a:lstStyle>
             <a:lvl1pPr algn="r">
               <a:defRPr/>
@@ -733,8 +689,6 @@
           <a:p>
             <a:fld id="{6BD299C1-4962-4C04-8AB6-24E5E225D8FF}" type="slidenum">
               <a:rPr lang="zh-CN" altLang="en-US"/>
-              <a:pPr/>
-              <a:t>‹#›</a:t>
             </a:fld>
             <a:endParaRPr lang="zh-CN" altLang="en-US" sz="1200"/>
           </a:p>
@@ -888,13 +842,7 @@
       </p:grpSpPr>
       <p:sp>
         <p:nvSpPr>
-          <p:cNvPr id="9217" name="幻灯片图像占位符 1">
-            <a:extLst>
-              <a:ext uri="{FF2B5EF4-FFF2-40B4-BE49-F238E27FC236}">
-                <a16:creationId xmlns:a16="http://schemas.microsoft.com/office/drawing/2014/main" id="{E705FADF-91AB-4104-A2AE-4F2B6900B369}"/>
-              </a:ext>
-            </a:extLst>
-          </p:cNvPr>
+          <p:cNvPr id="9217" name="幻灯片图像占位符 1"/>
           <p:cNvSpPr>
             <a:spLocks noGrp="1" noRot="1" noChangeAspect="1" noChangeArrowheads="1" noTextEdit="1"/>
           </p:cNvSpPr>
@@ -906,13 +854,7 @@
       </p:sp>
       <p:sp>
         <p:nvSpPr>
-          <p:cNvPr id="9218" name="备注占位符 2">
-            <a:extLst>
-              <a:ext uri="{FF2B5EF4-FFF2-40B4-BE49-F238E27FC236}">
-                <a16:creationId xmlns:a16="http://schemas.microsoft.com/office/drawing/2014/main" id="{0F187B4C-36C7-4386-9AED-BC8A98D79E7D}"/>
-              </a:ext>
-            </a:extLst>
-          </p:cNvPr>
+          <p:cNvPr id="9218" name="备注占位符 2"/>
           <p:cNvSpPr>
             <a:spLocks noGrp="1" noChangeArrowheads="1"/>
           </p:cNvSpPr>
@@ -929,7 +871,6 @@
             <a:avLst/>
           </a:prstGeom>
           <a:noFill/>
-          <a:ln/>
           <a:extLst>
             <a:ext uri="{909E8E84-426E-40DD-AFC4-6F175D3DCCD1}">
               <a14:hiddenFill xmlns:a14="http://schemas.microsoft.com/office/drawing/2010/main">
@@ -960,13 +901,7 @@
       </p:sp>
       <p:sp>
         <p:nvSpPr>
-          <p:cNvPr id="9219" name="灯片编号占位符 3">
-            <a:extLst>
-              <a:ext uri="{FF2B5EF4-FFF2-40B4-BE49-F238E27FC236}">
-                <a16:creationId xmlns:a16="http://schemas.microsoft.com/office/drawing/2014/main" id="{A6B6CAD2-C56C-481F-A1CD-C73DFC0F3EC7}"/>
-              </a:ext>
-            </a:extLst>
-          </p:cNvPr>
+          <p:cNvPr id="9219" name="灯片编号占位符 3"/>
           <p:cNvSpPr>
             <a:spLocks noGrp="1" noChangeArrowheads="1"/>
           </p:cNvSpPr>
@@ -985,8 +920,6 @@
               <a:rPr altLang="en-US" sz="1200" noProof="1">
                 <a:latin typeface="Calibri" panose="020F0502020204030204" pitchFamily="34" charset="0"/>
               </a:rPr>
-              <a:pPr/>
-              <a:t>1</a:t>
             </a:fld>
             <a:endParaRPr lang="zh-CN" altLang="en-US" sz="1200" noProof="1">
               <a:latin typeface="Calibri" panose="020F0502020204030204" pitchFamily="34" charset="0"/>
@@ -1021,13 +954,7 @@
       </p:grpSpPr>
       <p:sp>
         <p:nvSpPr>
-          <p:cNvPr id="11265" name="幻灯片图像占位符 1">
-            <a:extLst>
-              <a:ext uri="{FF2B5EF4-FFF2-40B4-BE49-F238E27FC236}">
-                <a16:creationId xmlns:a16="http://schemas.microsoft.com/office/drawing/2014/main" id="{724A1C47-6B73-462D-961B-F74FBD8934B2}"/>
-              </a:ext>
-            </a:extLst>
-          </p:cNvPr>
+          <p:cNvPr id="11265" name="幻灯片图像占位符 1"/>
           <p:cNvSpPr>
             <a:spLocks noGrp="1" noRot="1" noChangeAspect="1" noChangeArrowheads="1" noTextEdit="1"/>
           </p:cNvSpPr>
@@ -1039,13 +966,7 @@
       </p:sp>
       <p:sp>
         <p:nvSpPr>
-          <p:cNvPr id="11266" name="备注占位符 2">
-            <a:extLst>
-              <a:ext uri="{FF2B5EF4-FFF2-40B4-BE49-F238E27FC236}">
-                <a16:creationId xmlns:a16="http://schemas.microsoft.com/office/drawing/2014/main" id="{CC2497AB-2765-4756-BE75-92BD27D8748A}"/>
-              </a:ext>
-            </a:extLst>
-          </p:cNvPr>
+          <p:cNvPr id="11266" name="备注占位符 2"/>
           <p:cNvSpPr>
             <a:spLocks noGrp="1" noChangeArrowheads="1"/>
           </p:cNvSpPr>
@@ -1062,7 +983,6 @@
             <a:avLst/>
           </a:prstGeom>
           <a:noFill/>
-          <a:ln/>
           <a:extLst>
             <a:ext uri="{909E8E84-426E-40DD-AFC4-6F175D3DCCD1}">
               <a14:hiddenFill xmlns:a14="http://schemas.microsoft.com/office/drawing/2010/main">
@@ -1093,13 +1013,7 @@
       </p:sp>
       <p:sp>
         <p:nvSpPr>
-          <p:cNvPr id="11267" name="灯片编号占位符 3">
-            <a:extLst>
-              <a:ext uri="{FF2B5EF4-FFF2-40B4-BE49-F238E27FC236}">
-                <a16:creationId xmlns:a16="http://schemas.microsoft.com/office/drawing/2014/main" id="{946419D5-CE78-4410-87A8-F9AB4C8A1B76}"/>
-              </a:ext>
-            </a:extLst>
-          </p:cNvPr>
+          <p:cNvPr id="11267" name="灯片编号占位符 3"/>
           <p:cNvSpPr>
             <a:spLocks noGrp="1" noChangeArrowheads="1"/>
           </p:cNvSpPr>
@@ -1116,8 +1030,6 @@
           <a:p>
             <a:fld id="{BB203C55-82BD-4E27-9E65-0BD6E138363E}" type="slidenum">
               <a:rPr altLang="en-US" sz="1200" noProof="1"/>
-              <a:pPr/>
-              <a:t>2</a:t>
             </a:fld>
             <a:endParaRPr lang="zh-CN" altLang="en-US" sz="1200" noProof="1"/>
           </a:p>
@@ -1150,13 +1062,7 @@
       </p:grpSpPr>
       <p:sp>
         <p:nvSpPr>
-          <p:cNvPr id="25601" name="幻灯片图像占位符 1">
-            <a:extLst>
-              <a:ext uri="{FF2B5EF4-FFF2-40B4-BE49-F238E27FC236}">
-                <a16:creationId xmlns:a16="http://schemas.microsoft.com/office/drawing/2014/main" id="{8225A6C8-9C0B-410C-AA6D-16646442591A}"/>
-              </a:ext>
-            </a:extLst>
-          </p:cNvPr>
+          <p:cNvPr id="25601" name="幻灯片图像占位符 1"/>
           <p:cNvSpPr>
             <a:spLocks noGrp="1" noRot="1" noChangeAspect="1" noChangeArrowheads="1" noTextEdit="1"/>
           </p:cNvSpPr>
@@ -1168,13 +1074,7 @@
       </p:sp>
       <p:sp>
         <p:nvSpPr>
-          <p:cNvPr id="25602" name="备注占位符 2">
-            <a:extLst>
-              <a:ext uri="{FF2B5EF4-FFF2-40B4-BE49-F238E27FC236}">
-                <a16:creationId xmlns:a16="http://schemas.microsoft.com/office/drawing/2014/main" id="{D09442CD-D1FF-4C3A-8F60-210188D118B6}"/>
-              </a:ext>
-            </a:extLst>
-          </p:cNvPr>
+          <p:cNvPr id="25602" name="备注占位符 2"/>
           <p:cNvSpPr>
             <a:spLocks noGrp="1" noChangeArrowheads="1"/>
           </p:cNvSpPr>
@@ -1191,7 +1091,6 @@
             <a:avLst/>
           </a:prstGeom>
           <a:noFill/>
-          <a:ln/>
           <a:extLst>
             <a:ext uri="{909E8E84-426E-40DD-AFC4-6F175D3DCCD1}">
               <a14:hiddenFill xmlns:a14="http://schemas.microsoft.com/office/drawing/2010/main">
@@ -1222,13 +1121,7 @@
       </p:sp>
       <p:sp>
         <p:nvSpPr>
-          <p:cNvPr id="25603" name="灯片编号占位符 3">
-            <a:extLst>
-              <a:ext uri="{FF2B5EF4-FFF2-40B4-BE49-F238E27FC236}">
-                <a16:creationId xmlns:a16="http://schemas.microsoft.com/office/drawing/2014/main" id="{70296ACC-2B81-427F-97F9-9A75D601A936}"/>
-              </a:ext>
-            </a:extLst>
-          </p:cNvPr>
+          <p:cNvPr id="25603" name="灯片编号占位符 3"/>
           <p:cNvSpPr>
             <a:spLocks noGrp="1" noChangeArrowheads="1"/>
           </p:cNvSpPr>
@@ -1245,8 +1138,6 @@
           <a:p>
             <a:fld id="{BFE0CFC5-601A-47A1-8880-140EF9200A23}" type="slidenum">
               <a:rPr altLang="en-US" sz="1200" noProof="1"/>
-              <a:pPr/>
-              <a:t>15</a:t>
             </a:fld>
             <a:endParaRPr lang="zh-CN" altLang="en-US" sz="1200" noProof="1"/>
           </a:p>
@@ -1261,7 +1152,7 @@
 </file>
 
 <file path=ppt/slideLayouts/slideLayout1.xml><?xml version="1.0" encoding="utf-8"?>
-<p:sldLayout xmlns:a="http://schemas.openxmlformats.org/drawingml/2006/main" xmlns:r="http://schemas.openxmlformats.org/officeDocument/2006/relationships" xmlns:p="http://schemas.openxmlformats.org/presentationml/2006/main" showMasterSp="0" type="title" preserve="1">
+<p:sldLayout xmlns:a="http://schemas.openxmlformats.org/drawingml/2006/main" xmlns:r="http://schemas.openxmlformats.org/officeDocument/2006/relationships" xmlns:p="http://schemas.openxmlformats.org/presentationml/2006/main" type="title" preserve="1" showMasterSp="0">
   <p:cSld name="标题幻灯片">
     <p:spTree>
       <p:nvGrpSpPr>
@@ -1279,13 +1170,7 @@
       </p:grpSpPr>
       <p:sp>
         <p:nvSpPr>
-          <p:cNvPr id="4" name="矩形 3">
-            <a:extLst>
-              <a:ext uri="{FF2B5EF4-FFF2-40B4-BE49-F238E27FC236}">
-                <a16:creationId xmlns:a16="http://schemas.microsoft.com/office/drawing/2014/main" id="{6E43F89F-811F-40E8-A219-75E249EC337A}"/>
-              </a:ext>
-            </a:extLst>
-          </p:cNvPr>
+          <p:cNvPr id="4" name="矩形 3"/>
           <p:cNvSpPr/>
           <p:nvPr/>
         </p:nvSpPr>
@@ -1335,13 +1220,7 @@
       </p:sp>
       <p:sp>
         <p:nvSpPr>
-          <p:cNvPr id="5" name="矩形 4">
-            <a:extLst>
-              <a:ext uri="{FF2B5EF4-FFF2-40B4-BE49-F238E27FC236}">
-                <a16:creationId xmlns:a16="http://schemas.microsoft.com/office/drawing/2014/main" id="{79D986ED-42DF-4656-B3B2-50E9075BF91F}"/>
-              </a:ext>
-            </a:extLst>
-          </p:cNvPr>
+          <p:cNvPr id="5" name="矩形 4"/>
           <p:cNvSpPr/>
           <p:nvPr/>
         </p:nvSpPr>
@@ -1504,13 +1383,7 @@
       </p:sp>
       <p:sp>
         <p:nvSpPr>
-          <p:cNvPr id="6" name="Date Placeholder 3">
-            <a:extLst>
-              <a:ext uri="{FF2B5EF4-FFF2-40B4-BE49-F238E27FC236}">
-                <a16:creationId xmlns:a16="http://schemas.microsoft.com/office/drawing/2014/main" id="{3A55E7C3-D09E-4E37-8149-7081566CA87B}"/>
-              </a:ext>
-            </a:extLst>
-          </p:cNvPr>
+          <p:cNvPr id="6" name="Date Placeholder 3"/>
           <p:cNvSpPr>
             <a:spLocks noGrp="1"/>
           </p:cNvSpPr>
@@ -1536,13 +1409,7 @@
       </p:sp>
       <p:sp>
         <p:nvSpPr>
-          <p:cNvPr id="7" name="Footer Placeholder 4">
-            <a:extLst>
-              <a:ext uri="{FF2B5EF4-FFF2-40B4-BE49-F238E27FC236}">
-                <a16:creationId xmlns:a16="http://schemas.microsoft.com/office/drawing/2014/main" id="{2B51F6E0-E851-4910-8F26-B8CE6F24C53C}"/>
-              </a:ext>
-            </a:extLst>
-          </p:cNvPr>
+          <p:cNvPr id="7" name="Footer Placeholder 4"/>
           <p:cNvSpPr>
             <a:spLocks noGrp="1"/>
           </p:cNvSpPr>
@@ -1568,13 +1435,7 @@
       </p:sp>
       <p:sp>
         <p:nvSpPr>
-          <p:cNvPr id="8" name="Slide Number Placeholder 5">
-            <a:extLst>
-              <a:ext uri="{FF2B5EF4-FFF2-40B4-BE49-F238E27FC236}">
-                <a16:creationId xmlns:a16="http://schemas.microsoft.com/office/drawing/2014/main" id="{CAA09D22-5063-46AA-BE77-3CD9B16B0F93}"/>
-              </a:ext>
-            </a:extLst>
-          </p:cNvPr>
+          <p:cNvPr id="8" name="Slide Number Placeholder 5"/>
           <p:cNvSpPr>
             <a:spLocks noGrp="1"/>
           </p:cNvSpPr>
@@ -1593,19 +1454,12 @@
           <a:p>
             <a:fld id="{78F8A529-4176-4E5C-9C1D-995C99544B04}" type="slidenum">
               <a:rPr lang="zh-CN" altLang="en-US"/>
-              <a:pPr/>
-              <a:t>‹#›</a:t>
             </a:fld>
             <a:endParaRPr lang="zh-CN" altLang="en-US"/>
           </a:p>
         </p:txBody>
       </p:sp>
     </p:spTree>
-    <p:extLst>
-      <p:ext uri="{BB962C8B-B14F-4D97-AF65-F5344CB8AC3E}">
-        <p14:creationId xmlns:p14="http://schemas.microsoft.com/office/powerpoint/2010/main" val="295695702"/>
-      </p:ext>
-    </p:extLst>
   </p:cSld>
   <p:clrMapOvr>
     <a:masterClrMapping/>
@@ -1671,6 +1525,7 @@
               <a:rPr lang="zh-CN" altLang="en-US" noProof="1"/>
               <a:t>单击此处编辑母版文本样式</a:t>
             </a:r>
+            <a:endParaRPr lang="zh-CN" altLang="en-US" noProof="1"/>
           </a:p>
           <a:p>
             <a:pPr lvl="1"/>
@@ -1678,6 +1533,7 @@
               <a:rPr lang="zh-CN" altLang="en-US" noProof="1"/>
               <a:t>第二级</a:t>
             </a:r>
+            <a:endParaRPr lang="zh-CN" altLang="en-US" noProof="1"/>
           </a:p>
           <a:p>
             <a:pPr lvl="2"/>
@@ -1685,6 +1541,7 @@
               <a:rPr lang="zh-CN" altLang="en-US" noProof="1"/>
               <a:t>第三级</a:t>
             </a:r>
+            <a:endParaRPr lang="zh-CN" altLang="en-US" noProof="1"/>
           </a:p>
           <a:p>
             <a:pPr lvl="3"/>
@@ -1692,6 +1549,7 @@
               <a:rPr lang="zh-CN" altLang="en-US" noProof="1"/>
               <a:t>第四级</a:t>
             </a:r>
+            <a:endParaRPr lang="zh-CN" altLang="en-US" noProof="1"/>
           </a:p>
           <a:p>
             <a:pPr lvl="4"/>
@@ -1699,18 +1557,13 @@
               <a:rPr lang="zh-CN" altLang="en-US" noProof="1"/>
               <a:t>第五级</a:t>
             </a:r>
+            <a:endParaRPr lang="zh-CN" altLang="en-US" noProof="1"/>
           </a:p>
         </p:txBody>
       </p:sp>
       <p:sp>
         <p:nvSpPr>
-          <p:cNvPr id="4" name="Date Placeholder 3">
-            <a:extLst>
-              <a:ext uri="{FF2B5EF4-FFF2-40B4-BE49-F238E27FC236}">
-                <a16:creationId xmlns:a16="http://schemas.microsoft.com/office/drawing/2014/main" id="{43886B6E-A018-4BB6-8D81-CCD87D33F98A}"/>
-              </a:ext>
-            </a:extLst>
-          </p:cNvPr>
+          <p:cNvPr id="4" name="Date Placeholder 3"/>
           <p:cNvSpPr>
             <a:spLocks noGrp="1"/>
           </p:cNvSpPr>
@@ -1736,13 +1589,7 @@
       </p:sp>
       <p:sp>
         <p:nvSpPr>
-          <p:cNvPr id="5" name="Footer Placeholder 4">
-            <a:extLst>
-              <a:ext uri="{FF2B5EF4-FFF2-40B4-BE49-F238E27FC236}">
-                <a16:creationId xmlns:a16="http://schemas.microsoft.com/office/drawing/2014/main" id="{83A68D27-11FC-4461-9516-21845A63028D}"/>
-              </a:ext>
-            </a:extLst>
-          </p:cNvPr>
+          <p:cNvPr id="5" name="Footer Placeholder 4"/>
           <p:cNvSpPr>
             <a:spLocks noGrp="1"/>
           </p:cNvSpPr>
@@ -1768,13 +1615,7 @@
       </p:sp>
       <p:sp>
         <p:nvSpPr>
-          <p:cNvPr id="6" name="Slide Number Placeholder 5">
-            <a:extLst>
-              <a:ext uri="{FF2B5EF4-FFF2-40B4-BE49-F238E27FC236}">
-                <a16:creationId xmlns:a16="http://schemas.microsoft.com/office/drawing/2014/main" id="{B051F8D3-7754-4DAC-9999-13F612EA4376}"/>
-              </a:ext>
-            </a:extLst>
-          </p:cNvPr>
+          <p:cNvPr id="6" name="Slide Number Placeholder 5"/>
           <p:cNvSpPr>
             <a:spLocks noGrp="1"/>
           </p:cNvSpPr>
@@ -1793,19 +1634,12 @@
           <a:p>
             <a:fld id="{A59D4C57-EF0E-4E0C-85A6-F732D41B0010}" type="slidenum">
               <a:rPr lang="zh-CN" altLang="en-US"/>
-              <a:pPr/>
-              <a:t>‹#›</a:t>
             </a:fld>
             <a:endParaRPr lang="zh-CN" altLang="en-US"/>
           </a:p>
         </p:txBody>
       </p:sp>
     </p:spTree>
-    <p:extLst>
-      <p:ext uri="{BB962C8B-B14F-4D97-AF65-F5344CB8AC3E}">
-        <p14:creationId xmlns:p14="http://schemas.microsoft.com/office/powerpoint/2010/main" val="1292505987"/>
-      </p:ext>
-    </p:extLst>
   </p:cSld>
   <p:clrMapOvr>
     <a:masterClrMapping/>
@@ -1857,18 +1691,13 @@
               <a:rPr lang="zh-CN" altLang="en-US" noProof="1"/>
               <a:t>单击此处编辑母版标题样式</a:t>
             </a:r>
+            <a:endParaRPr lang="zh-CN" altLang="en-US" noProof="1"/>
           </a:p>
         </p:txBody>
       </p:sp>
       <p:sp>
         <p:nvSpPr>
-          <p:cNvPr id="3" name="Date Placeholder 3">
-            <a:extLst>
-              <a:ext uri="{FF2B5EF4-FFF2-40B4-BE49-F238E27FC236}">
-                <a16:creationId xmlns:a16="http://schemas.microsoft.com/office/drawing/2014/main" id="{1A3A8A6F-4A7B-440F-BFFC-0966224430FC}"/>
-              </a:ext>
-            </a:extLst>
-          </p:cNvPr>
+          <p:cNvPr id="3" name="Date Placeholder 3"/>
           <p:cNvSpPr>
             <a:spLocks noGrp="1"/>
           </p:cNvSpPr>
@@ -1894,13 +1723,7 @@
       </p:sp>
       <p:sp>
         <p:nvSpPr>
-          <p:cNvPr id="4" name="Footer Placeholder 4">
-            <a:extLst>
-              <a:ext uri="{FF2B5EF4-FFF2-40B4-BE49-F238E27FC236}">
-                <a16:creationId xmlns:a16="http://schemas.microsoft.com/office/drawing/2014/main" id="{F1233DB0-C88E-4B34-AE13-280A870AB3ED}"/>
-              </a:ext>
-            </a:extLst>
-          </p:cNvPr>
+          <p:cNvPr id="4" name="Footer Placeholder 4"/>
           <p:cNvSpPr>
             <a:spLocks noGrp="1"/>
           </p:cNvSpPr>
@@ -1926,13 +1749,7 @@
       </p:sp>
       <p:sp>
         <p:nvSpPr>
-          <p:cNvPr id="5" name="Slide Number Placeholder 5">
-            <a:extLst>
-              <a:ext uri="{FF2B5EF4-FFF2-40B4-BE49-F238E27FC236}">
-                <a16:creationId xmlns:a16="http://schemas.microsoft.com/office/drawing/2014/main" id="{32048D98-B809-4868-A4A5-BD9E1DD516F7}"/>
-              </a:ext>
-            </a:extLst>
-          </p:cNvPr>
+          <p:cNvPr id="5" name="Slide Number Placeholder 5"/>
           <p:cNvSpPr>
             <a:spLocks noGrp="1"/>
           </p:cNvSpPr>
@@ -1951,19 +1768,12 @@
           <a:p>
             <a:fld id="{0534C624-3E93-4B54-BC5A-A376E945EDB4}" type="slidenum">
               <a:rPr lang="zh-CN" altLang="en-US"/>
-              <a:pPr/>
-              <a:t>‹#›</a:t>
             </a:fld>
             <a:endParaRPr lang="zh-CN" altLang="en-US"/>
           </a:p>
         </p:txBody>
       </p:sp>
     </p:spTree>
-    <p:extLst>
-      <p:ext uri="{BB962C8B-B14F-4D97-AF65-F5344CB8AC3E}">
-        <p14:creationId xmlns:p14="http://schemas.microsoft.com/office/powerpoint/2010/main" val="123477741"/>
-      </p:ext>
-    </p:extLst>
   </p:cSld>
   <p:clrMapOvr>
     <a:masterClrMapping/>
@@ -1990,13 +1800,7 @@
       </p:grpSpPr>
       <p:sp>
         <p:nvSpPr>
-          <p:cNvPr id="2" name="Date Placeholder 3">
-            <a:extLst>
-              <a:ext uri="{FF2B5EF4-FFF2-40B4-BE49-F238E27FC236}">
-                <a16:creationId xmlns:a16="http://schemas.microsoft.com/office/drawing/2014/main" id="{26196D0A-7F66-40F6-BC4F-6F6D3D760BD0}"/>
-              </a:ext>
-            </a:extLst>
-          </p:cNvPr>
+          <p:cNvPr id="2" name="Date Placeholder 3"/>
           <p:cNvSpPr>
             <a:spLocks noGrp="1"/>
           </p:cNvSpPr>
@@ -2022,13 +1826,7 @@
       </p:sp>
       <p:sp>
         <p:nvSpPr>
-          <p:cNvPr id="3" name="Footer Placeholder 4">
-            <a:extLst>
-              <a:ext uri="{FF2B5EF4-FFF2-40B4-BE49-F238E27FC236}">
-                <a16:creationId xmlns:a16="http://schemas.microsoft.com/office/drawing/2014/main" id="{968AF925-EA96-4D25-B798-4E8B3F08DD34}"/>
-              </a:ext>
-            </a:extLst>
-          </p:cNvPr>
+          <p:cNvPr id="3" name="Footer Placeholder 4"/>
           <p:cNvSpPr>
             <a:spLocks noGrp="1"/>
           </p:cNvSpPr>
@@ -2054,13 +1852,7 @@
       </p:sp>
       <p:sp>
         <p:nvSpPr>
-          <p:cNvPr id="4" name="Slide Number Placeholder 5">
-            <a:extLst>
-              <a:ext uri="{FF2B5EF4-FFF2-40B4-BE49-F238E27FC236}">
-                <a16:creationId xmlns:a16="http://schemas.microsoft.com/office/drawing/2014/main" id="{412EE308-0434-4EE0-A330-F6A735DC4B23}"/>
-              </a:ext>
-            </a:extLst>
-          </p:cNvPr>
+          <p:cNvPr id="4" name="Slide Number Placeholder 5"/>
           <p:cNvSpPr>
             <a:spLocks noGrp="1"/>
           </p:cNvSpPr>
@@ -2079,19 +1871,12 @@
           <a:p>
             <a:fld id="{845868ED-6E02-4DF9-9BDE-8A5453A774FE}" type="slidenum">
               <a:rPr lang="zh-CN" altLang="en-US"/>
-              <a:pPr/>
-              <a:t>‹#›</a:t>
             </a:fld>
             <a:endParaRPr lang="zh-CN" altLang="en-US"/>
           </a:p>
         </p:txBody>
       </p:sp>
     </p:spTree>
-    <p:extLst>
-      <p:ext uri="{BB962C8B-B14F-4D97-AF65-F5344CB8AC3E}">
-        <p14:creationId xmlns:p14="http://schemas.microsoft.com/office/powerpoint/2010/main" val="2531072834"/>
-      </p:ext>
-    </p:extLst>
   </p:cSld>
   <p:clrMapOvr>
     <a:masterClrMapping/>
@@ -2118,13 +1903,7 @@
       </p:grpSpPr>
       <p:sp>
         <p:nvSpPr>
-          <p:cNvPr id="2" name="Date Placeholder 3">
-            <a:extLst>
-              <a:ext uri="{FF2B5EF4-FFF2-40B4-BE49-F238E27FC236}">
-                <a16:creationId xmlns:a16="http://schemas.microsoft.com/office/drawing/2014/main" id="{C993D33F-BACD-4CE7-8E7A-FCA0AC193419}"/>
-              </a:ext>
-            </a:extLst>
-          </p:cNvPr>
+          <p:cNvPr id="2" name="Date Placeholder 3"/>
           <p:cNvSpPr>
             <a:spLocks noGrp="1"/>
           </p:cNvSpPr>
@@ -2150,13 +1929,7 @@
       </p:sp>
       <p:sp>
         <p:nvSpPr>
-          <p:cNvPr id="3" name="Footer Placeholder 4">
-            <a:extLst>
-              <a:ext uri="{FF2B5EF4-FFF2-40B4-BE49-F238E27FC236}">
-                <a16:creationId xmlns:a16="http://schemas.microsoft.com/office/drawing/2014/main" id="{B7296933-F981-4485-BFDC-C787025BF754}"/>
-              </a:ext>
-            </a:extLst>
-          </p:cNvPr>
+          <p:cNvPr id="3" name="Footer Placeholder 4"/>
           <p:cNvSpPr>
             <a:spLocks noGrp="1"/>
           </p:cNvSpPr>
@@ -2182,13 +1955,7 @@
       </p:sp>
       <p:sp>
         <p:nvSpPr>
-          <p:cNvPr id="4" name="Slide Number Placeholder 5">
-            <a:extLst>
-              <a:ext uri="{FF2B5EF4-FFF2-40B4-BE49-F238E27FC236}">
-                <a16:creationId xmlns:a16="http://schemas.microsoft.com/office/drawing/2014/main" id="{325F7E06-D42F-4C30-8939-A73FA352C428}"/>
-              </a:ext>
-            </a:extLst>
-          </p:cNvPr>
+          <p:cNvPr id="4" name="Slide Number Placeholder 5"/>
           <p:cNvSpPr>
             <a:spLocks noGrp="1"/>
           </p:cNvSpPr>
@@ -2207,19 +1974,12 @@
           <a:p>
             <a:fld id="{97B37B71-16DC-4828-96A9-A96C47C89C54}" type="slidenum">
               <a:rPr lang="zh-CN" altLang="en-US"/>
-              <a:pPr/>
-              <a:t>‹#›</a:t>
             </a:fld>
             <a:endParaRPr lang="zh-CN" altLang="en-US"/>
           </a:p>
         </p:txBody>
       </p:sp>
     </p:spTree>
-    <p:extLst>
-      <p:ext uri="{BB962C8B-B14F-4D97-AF65-F5344CB8AC3E}">
-        <p14:creationId xmlns:p14="http://schemas.microsoft.com/office/powerpoint/2010/main" val="152825950"/>
-      </p:ext>
-    </p:extLst>
   </p:cSld>
   <p:clrMapOvr>
     <a:masterClrMapping/>
@@ -2287,6 +2047,7 @@
               <a:rPr lang="zh-CN" altLang="en-US" noProof="1"/>
               <a:t>单击此处编辑母版文本样式</a:t>
             </a:r>
+            <a:endParaRPr lang="zh-CN" altLang="en-US" noProof="1"/>
           </a:p>
           <a:p>
             <a:pPr lvl="1"/>
@@ -2294,6 +2055,7 @@
               <a:rPr lang="zh-CN" altLang="en-US" noProof="1"/>
               <a:t>第二级</a:t>
             </a:r>
+            <a:endParaRPr lang="zh-CN" altLang="en-US" noProof="1"/>
           </a:p>
           <a:p>
             <a:pPr lvl="2"/>
@@ -2301,6 +2063,7 @@
               <a:rPr lang="zh-CN" altLang="en-US" noProof="1"/>
               <a:t>第三级</a:t>
             </a:r>
+            <a:endParaRPr lang="zh-CN" altLang="en-US" noProof="1"/>
           </a:p>
           <a:p>
             <a:pPr lvl="3"/>
@@ -2308,6 +2071,7 @@
               <a:rPr lang="zh-CN" altLang="en-US" noProof="1"/>
               <a:t>第四级</a:t>
             </a:r>
+            <a:endParaRPr lang="zh-CN" altLang="en-US" noProof="1"/>
           </a:p>
           <a:p>
             <a:pPr lvl="4"/>
@@ -2321,13 +2085,7 @@
       </p:sp>
       <p:sp>
         <p:nvSpPr>
-          <p:cNvPr id="4" name="Date Placeholder 3">
-            <a:extLst>
-              <a:ext uri="{FF2B5EF4-FFF2-40B4-BE49-F238E27FC236}">
-                <a16:creationId xmlns:a16="http://schemas.microsoft.com/office/drawing/2014/main" id="{DED736FB-A53A-4B3A-BCDF-9C996F865701}"/>
-              </a:ext>
-            </a:extLst>
-          </p:cNvPr>
+          <p:cNvPr id="4" name="Date Placeholder 3"/>
           <p:cNvSpPr>
             <a:spLocks noGrp="1"/>
           </p:cNvSpPr>
@@ -2353,13 +2111,7 @@
       </p:sp>
       <p:sp>
         <p:nvSpPr>
-          <p:cNvPr id="5" name="Footer Placeholder 4">
-            <a:extLst>
-              <a:ext uri="{FF2B5EF4-FFF2-40B4-BE49-F238E27FC236}">
-                <a16:creationId xmlns:a16="http://schemas.microsoft.com/office/drawing/2014/main" id="{F85BC56F-B8E8-4F11-8ED1-2195A0C76A24}"/>
-              </a:ext>
-            </a:extLst>
-          </p:cNvPr>
+          <p:cNvPr id="5" name="Footer Placeholder 4"/>
           <p:cNvSpPr>
             <a:spLocks noGrp="1"/>
           </p:cNvSpPr>
@@ -2385,13 +2137,7 @@
       </p:sp>
       <p:sp>
         <p:nvSpPr>
-          <p:cNvPr id="6" name="Slide Number Placeholder 5">
-            <a:extLst>
-              <a:ext uri="{FF2B5EF4-FFF2-40B4-BE49-F238E27FC236}">
-                <a16:creationId xmlns:a16="http://schemas.microsoft.com/office/drawing/2014/main" id="{52BFCE93-08EA-4FB6-B4C0-4E9DF9014C0E}"/>
-              </a:ext>
-            </a:extLst>
-          </p:cNvPr>
+          <p:cNvPr id="6" name="Slide Number Placeholder 5"/>
           <p:cNvSpPr>
             <a:spLocks noGrp="1"/>
           </p:cNvSpPr>
@@ -2410,19 +2156,12 @@
           <a:p>
             <a:fld id="{1BCC1325-0A19-4281-87AB-645BDF5EDE5A}" type="slidenum">
               <a:rPr lang="zh-CN" altLang="en-US"/>
-              <a:pPr/>
-              <a:t>‹#›</a:t>
             </a:fld>
             <a:endParaRPr lang="zh-CN" altLang="en-US"/>
           </a:p>
         </p:txBody>
       </p:sp>
     </p:spTree>
-    <p:extLst>
-      <p:ext uri="{BB962C8B-B14F-4D97-AF65-F5344CB8AC3E}">
-        <p14:creationId xmlns:p14="http://schemas.microsoft.com/office/powerpoint/2010/main" val="861095244"/>
-      </p:ext>
-    </p:extLst>
   </p:cSld>
   <p:clrMapOvr>
     <a:masterClrMapping/>
@@ -2431,7 +2170,7 @@
 </file>
 
 <file path=ppt/slideLayouts/slideLayout3.xml><?xml version="1.0" encoding="utf-8"?>
-<p:sldLayout xmlns:a="http://schemas.openxmlformats.org/drawingml/2006/main" xmlns:r="http://schemas.openxmlformats.org/officeDocument/2006/relationships" xmlns:p="http://schemas.openxmlformats.org/presentationml/2006/main" showMasterSp="0" type="secHead" preserve="1">
+<p:sldLayout xmlns:a="http://schemas.openxmlformats.org/drawingml/2006/main" xmlns:r="http://schemas.openxmlformats.org/officeDocument/2006/relationships" xmlns:p="http://schemas.openxmlformats.org/presentationml/2006/main" type="secHead" preserve="1" showMasterSp="0">
   <p:cSld name="节标题">
     <p:spTree>
       <p:nvGrpSpPr>
@@ -2449,13 +2188,7 @@
       </p:grpSpPr>
       <p:sp>
         <p:nvSpPr>
-          <p:cNvPr id="4" name="矩形 3">
-            <a:extLst>
-              <a:ext uri="{FF2B5EF4-FFF2-40B4-BE49-F238E27FC236}">
-                <a16:creationId xmlns:a16="http://schemas.microsoft.com/office/drawing/2014/main" id="{BCDE369F-9402-4FCB-9D23-3E863C2DE978}"/>
-              </a:ext>
-            </a:extLst>
-          </p:cNvPr>
+          <p:cNvPr id="4" name="矩形 3"/>
           <p:cNvSpPr/>
           <p:nvPr/>
         </p:nvSpPr>
@@ -2503,13 +2236,7 @@
       </p:sp>
       <p:sp>
         <p:nvSpPr>
-          <p:cNvPr id="5" name="矩形 4">
-            <a:extLst>
-              <a:ext uri="{FF2B5EF4-FFF2-40B4-BE49-F238E27FC236}">
-                <a16:creationId xmlns:a16="http://schemas.microsoft.com/office/drawing/2014/main" id="{991F5E47-A766-45C2-8916-4C80CE5B55EF}"/>
-              </a:ext>
-            </a:extLst>
-          </p:cNvPr>
+          <p:cNvPr id="5" name="矩形 4"/>
           <p:cNvSpPr/>
           <p:nvPr/>
         </p:nvSpPr>
@@ -2706,18 +2433,13 @@
               <a:rPr lang="zh-CN" altLang="en-US" noProof="1"/>
               <a:t>单击此处编辑母版文本样式</a:t>
             </a:r>
+            <a:endParaRPr lang="zh-CN" altLang="en-US" noProof="1"/>
           </a:p>
         </p:txBody>
       </p:sp>
       <p:sp>
         <p:nvSpPr>
-          <p:cNvPr id="6" name="Date Placeholder 3">
-            <a:extLst>
-              <a:ext uri="{FF2B5EF4-FFF2-40B4-BE49-F238E27FC236}">
-                <a16:creationId xmlns:a16="http://schemas.microsoft.com/office/drawing/2014/main" id="{6B616093-23F0-4D8A-9D37-ACFB9576C659}"/>
-              </a:ext>
-            </a:extLst>
-          </p:cNvPr>
+          <p:cNvPr id="6" name="Date Placeholder 3"/>
           <p:cNvSpPr>
             <a:spLocks noGrp="1"/>
           </p:cNvSpPr>
@@ -2743,13 +2465,7 @@
       </p:sp>
       <p:sp>
         <p:nvSpPr>
-          <p:cNvPr id="7" name="Footer Placeholder 4">
-            <a:extLst>
-              <a:ext uri="{FF2B5EF4-FFF2-40B4-BE49-F238E27FC236}">
-                <a16:creationId xmlns:a16="http://schemas.microsoft.com/office/drawing/2014/main" id="{881775BE-0977-4C25-BE31-66CD0C3A89AF}"/>
-              </a:ext>
-            </a:extLst>
-          </p:cNvPr>
+          <p:cNvPr id="7" name="Footer Placeholder 4"/>
           <p:cNvSpPr>
             <a:spLocks noGrp="1"/>
           </p:cNvSpPr>
@@ -2775,13 +2491,7 @@
       </p:sp>
       <p:sp>
         <p:nvSpPr>
-          <p:cNvPr id="8" name="Slide Number Placeholder 5">
-            <a:extLst>
-              <a:ext uri="{FF2B5EF4-FFF2-40B4-BE49-F238E27FC236}">
-                <a16:creationId xmlns:a16="http://schemas.microsoft.com/office/drawing/2014/main" id="{9949D67A-4711-4EDE-B3DF-BCBC32C1BFA6}"/>
-              </a:ext>
-            </a:extLst>
-          </p:cNvPr>
+          <p:cNvPr id="8" name="Slide Number Placeholder 5"/>
           <p:cNvSpPr>
             <a:spLocks noGrp="1"/>
           </p:cNvSpPr>
@@ -2800,19 +2510,12 @@
           <a:p>
             <a:fld id="{538C1B60-BB4E-432F-9CE8-6A920F196365}" type="slidenum">
               <a:rPr lang="zh-CN" altLang="en-US"/>
-              <a:pPr/>
-              <a:t>‹#›</a:t>
             </a:fld>
             <a:endParaRPr lang="zh-CN" altLang="en-US"/>
           </a:p>
         </p:txBody>
       </p:sp>
     </p:spTree>
-    <p:extLst>
-      <p:ext uri="{BB962C8B-B14F-4D97-AF65-F5344CB8AC3E}">
-        <p14:creationId xmlns:p14="http://schemas.microsoft.com/office/powerpoint/2010/main" val="1294328343"/>
-      </p:ext>
-    </p:extLst>
   </p:cSld>
   <p:clrMapOvr>
     <a:masterClrMapping/>
@@ -2889,6 +2592,7 @@
               <a:rPr lang="zh-CN" altLang="en-US" noProof="1"/>
               <a:t>单击此处编辑母版文本样式</a:t>
             </a:r>
+            <a:endParaRPr lang="zh-CN" altLang="en-US" noProof="1"/>
           </a:p>
           <a:p>
             <a:pPr lvl="1"/>
@@ -2896,6 +2600,7 @@
               <a:rPr lang="zh-CN" altLang="en-US" noProof="1"/>
               <a:t>第二级</a:t>
             </a:r>
+            <a:endParaRPr lang="zh-CN" altLang="en-US" noProof="1"/>
           </a:p>
           <a:p>
             <a:pPr lvl="2"/>
@@ -2903,6 +2608,7 @@
               <a:rPr lang="zh-CN" altLang="en-US" noProof="1"/>
               <a:t>第三级</a:t>
             </a:r>
+            <a:endParaRPr lang="zh-CN" altLang="en-US" noProof="1"/>
           </a:p>
           <a:p>
             <a:pPr lvl="3"/>
@@ -2910,6 +2616,7 @@
               <a:rPr lang="zh-CN" altLang="en-US" noProof="1"/>
               <a:t>第四级</a:t>
             </a:r>
+            <a:endParaRPr lang="zh-CN" altLang="en-US" noProof="1"/>
           </a:p>
           <a:p>
             <a:pPr lvl="4"/>
@@ -2946,6 +2653,7 @@
               <a:rPr lang="zh-CN" altLang="en-US" noProof="1"/>
               <a:t>单击此处编辑母版文本样式</a:t>
             </a:r>
+            <a:endParaRPr lang="zh-CN" altLang="en-US" noProof="1"/>
           </a:p>
           <a:p>
             <a:pPr lvl="1"/>
@@ -2953,6 +2661,7 @@
               <a:rPr lang="zh-CN" altLang="en-US" noProof="1"/>
               <a:t>第二级</a:t>
             </a:r>
+            <a:endParaRPr lang="zh-CN" altLang="en-US" noProof="1"/>
           </a:p>
           <a:p>
             <a:pPr lvl="2"/>
@@ -2960,6 +2669,7 @@
               <a:rPr lang="zh-CN" altLang="en-US" noProof="1"/>
               <a:t>第三级</a:t>
             </a:r>
+            <a:endParaRPr lang="zh-CN" altLang="en-US" noProof="1"/>
           </a:p>
           <a:p>
             <a:pPr lvl="3"/>
@@ -2967,6 +2677,7 @@
               <a:rPr lang="zh-CN" altLang="en-US" noProof="1"/>
               <a:t>第四级</a:t>
             </a:r>
+            <a:endParaRPr lang="zh-CN" altLang="en-US" noProof="1"/>
           </a:p>
           <a:p>
             <a:pPr lvl="4"/>
@@ -2980,13 +2691,7 @@
       </p:sp>
       <p:sp>
         <p:nvSpPr>
-          <p:cNvPr id="5" name="Date Placeholder 3">
-            <a:extLst>
-              <a:ext uri="{FF2B5EF4-FFF2-40B4-BE49-F238E27FC236}">
-                <a16:creationId xmlns:a16="http://schemas.microsoft.com/office/drawing/2014/main" id="{DBFFFD72-1C4D-4C20-8895-977F7B83CF50}"/>
-              </a:ext>
-            </a:extLst>
-          </p:cNvPr>
+          <p:cNvPr id="5" name="Date Placeholder 3"/>
           <p:cNvSpPr>
             <a:spLocks noGrp="1"/>
           </p:cNvSpPr>
@@ -3012,13 +2717,7 @@
       </p:sp>
       <p:sp>
         <p:nvSpPr>
-          <p:cNvPr id="6" name="Footer Placeholder 4">
-            <a:extLst>
-              <a:ext uri="{FF2B5EF4-FFF2-40B4-BE49-F238E27FC236}">
-                <a16:creationId xmlns:a16="http://schemas.microsoft.com/office/drawing/2014/main" id="{09FA480A-4013-475C-AA84-4BDF82147920}"/>
-              </a:ext>
-            </a:extLst>
-          </p:cNvPr>
+          <p:cNvPr id="6" name="Footer Placeholder 4"/>
           <p:cNvSpPr>
             <a:spLocks noGrp="1"/>
           </p:cNvSpPr>
@@ -3044,13 +2743,7 @@
       </p:sp>
       <p:sp>
         <p:nvSpPr>
-          <p:cNvPr id="7" name="Slide Number Placeholder 5">
-            <a:extLst>
-              <a:ext uri="{FF2B5EF4-FFF2-40B4-BE49-F238E27FC236}">
-                <a16:creationId xmlns:a16="http://schemas.microsoft.com/office/drawing/2014/main" id="{2F001484-E133-42AF-83A1-64865FD5E6A2}"/>
-              </a:ext>
-            </a:extLst>
-          </p:cNvPr>
+          <p:cNvPr id="7" name="Slide Number Placeholder 5"/>
           <p:cNvSpPr>
             <a:spLocks noGrp="1"/>
           </p:cNvSpPr>
@@ -3069,19 +2762,12 @@
           <a:p>
             <a:fld id="{B3D690A8-5D42-4142-931C-B9CA8CCCFB0E}" type="slidenum">
               <a:rPr lang="zh-CN" altLang="en-US"/>
-              <a:pPr/>
-              <a:t>‹#›</a:t>
             </a:fld>
             <a:endParaRPr lang="zh-CN" altLang="en-US"/>
           </a:p>
         </p:txBody>
       </p:sp>
     </p:spTree>
-    <p:extLst>
-      <p:ext uri="{BB962C8B-B14F-4D97-AF65-F5344CB8AC3E}">
-        <p14:creationId xmlns:p14="http://schemas.microsoft.com/office/powerpoint/2010/main" val="3906020114"/>
-      </p:ext>
-    </p:extLst>
   </p:cSld>
   <p:clrMapOvr>
     <a:masterClrMapping/>
@@ -3168,6 +2854,7 @@
               <a:rPr lang="zh-CN" altLang="en-US" noProof="1"/>
               <a:t>单击此处编辑母版文本样式</a:t>
             </a:r>
+            <a:endParaRPr lang="zh-CN" altLang="en-US" noProof="1"/>
           </a:p>
         </p:txBody>
       </p:sp>
@@ -3196,6 +2883,7 @@
               <a:rPr lang="zh-CN" altLang="en-US" noProof="1"/>
               <a:t>单击此处编辑母版文本样式</a:t>
             </a:r>
+            <a:endParaRPr lang="zh-CN" altLang="en-US" noProof="1"/>
           </a:p>
           <a:p>
             <a:pPr lvl="1"/>
@@ -3203,6 +2891,7 @@
               <a:rPr lang="zh-CN" altLang="en-US" noProof="1"/>
               <a:t>第二级</a:t>
             </a:r>
+            <a:endParaRPr lang="zh-CN" altLang="en-US" noProof="1"/>
           </a:p>
           <a:p>
             <a:pPr lvl="2"/>
@@ -3210,6 +2899,7 @@
               <a:rPr lang="zh-CN" altLang="en-US" noProof="1"/>
               <a:t>第三级</a:t>
             </a:r>
+            <a:endParaRPr lang="zh-CN" altLang="en-US" noProof="1"/>
           </a:p>
           <a:p>
             <a:pPr lvl="3"/>
@@ -3217,6 +2907,7 @@
               <a:rPr lang="zh-CN" altLang="en-US" noProof="1"/>
               <a:t>第四级</a:t>
             </a:r>
+            <a:endParaRPr lang="zh-CN" altLang="en-US" noProof="1"/>
           </a:p>
           <a:p>
             <a:pPr lvl="4"/>
@@ -3290,6 +2981,7 @@
               <a:rPr lang="zh-CN" altLang="en-US" noProof="1"/>
               <a:t>单击此处编辑母版文本样式</a:t>
             </a:r>
+            <a:endParaRPr lang="zh-CN" altLang="en-US" noProof="1"/>
           </a:p>
         </p:txBody>
       </p:sp>
@@ -3318,6 +3010,7 @@
               <a:rPr lang="zh-CN" altLang="en-US" noProof="1"/>
               <a:t>单击此处编辑母版文本样式</a:t>
             </a:r>
+            <a:endParaRPr lang="zh-CN" altLang="en-US" noProof="1"/>
           </a:p>
           <a:p>
             <a:pPr lvl="1"/>
@@ -3325,6 +3018,7 @@
               <a:rPr lang="zh-CN" altLang="en-US" noProof="1"/>
               <a:t>第二级</a:t>
             </a:r>
+            <a:endParaRPr lang="zh-CN" altLang="en-US" noProof="1"/>
           </a:p>
           <a:p>
             <a:pPr lvl="2"/>
@@ -3332,6 +3026,7 @@
               <a:rPr lang="zh-CN" altLang="en-US" noProof="1"/>
               <a:t>第三级</a:t>
             </a:r>
+            <a:endParaRPr lang="zh-CN" altLang="en-US" noProof="1"/>
           </a:p>
           <a:p>
             <a:pPr lvl="3"/>
@@ -3339,6 +3034,7 @@
               <a:rPr lang="zh-CN" altLang="en-US" noProof="1"/>
               <a:t>第四级</a:t>
             </a:r>
+            <a:endParaRPr lang="zh-CN" altLang="en-US" noProof="1"/>
           </a:p>
           <a:p>
             <a:pPr lvl="4"/>
@@ -3384,13 +3080,7 @@
       </p:sp>
       <p:sp>
         <p:nvSpPr>
-          <p:cNvPr id="7" name="Date Placeholder 3">
-            <a:extLst>
-              <a:ext uri="{FF2B5EF4-FFF2-40B4-BE49-F238E27FC236}">
-                <a16:creationId xmlns:a16="http://schemas.microsoft.com/office/drawing/2014/main" id="{6D47C4D8-42C9-4D75-A722-21A7DF335505}"/>
-              </a:ext>
-            </a:extLst>
-          </p:cNvPr>
+          <p:cNvPr id="7" name="Date Placeholder 3"/>
           <p:cNvSpPr>
             <a:spLocks noGrp="1"/>
           </p:cNvSpPr>
@@ -3416,13 +3106,7 @@
       </p:sp>
       <p:sp>
         <p:nvSpPr>
-          <p:cNvPr id="8" name="Footer Placeholder 4">
-            <a:extLst>
-              <a:ext uri="{FF2B5EF4-FFF2-40B4-BE49-F238E27FC236}">
-                <a16:creationId xmlns:a16="http://schemas.microsoft.com/office/drawing/2014/main" id="{74BD4938-C9D6-4F93-B6B8-68671C3D7235}"/>
-              </a:ext>
-            </a:extLst>
-          </p:cNvPr>
+          <p:cNvPr id="8" name="Footer Placeholder 4"/>
           <p:cNvSpPr>
             <a:spLocks noGrp="1"/>
           </p:cNvSpPr>
@@ -3448,13 +3132,7 @@
       </p:sp>
       <p:sp>
         <p:nvSpPr>
-          <p:cNvPr id="9" name="Slide Number Placeholder 5">
-            <a:extLst>
-              <a:ext uri="{FF2B5EF4-FFF2-40B4-BE49-F238E27FC236}">
-                <a16:creationId xmlns:a16="http://schemas.microsoft.com/office/drawing/2014/main" id="{64BAD137-0BDD-488A-9A2D-88EC5E3DDA40}"/>
-              </a:ext>
-            </a:extLst>
-          </p:cNvPr>
+          <p:cNvPr id="9" name="Slide Number Placeholder 5"/>
           <p:cNvSpPr>
             <a:spLocks noGrp="1"/>
           </p:cNvSpPr>
@@ -3473,19 +3151,12 @@
           <a:p>
             <a:fld id="{F9292487-C82B-4726-B157-BF917C160422}" type="slidenum">
               <a:rPr lang="zh-CN" altLang="en-US"/>
-              <a:pPr/>
-              <a:t>‹#›</a:t>
             </a:fld>
             <a:endParaRPr lang="zh-CN" altLang="en-US"/>
           </a:p>
         </p:txBody>
       </p:sp>
     </p:spTree>
-    <p:extLst>
-      <p:ext uri="{BB962C8B-B14F-4D97-AF65-F5344CB8AC3E}">
-        <p14:creationId xmlns:p14="http://schemas.microsoft.com/office/powerpoint/2010/main" val="2339405378"/>
-      </p:ext>
-    </p:extLst>
   </p:cSld>
   <p:clrMapOvr>
     <a:masterClrMapping/>
@@ -3512,13 +3183,7 @@
       </p:grpSpPr>
       <p:sp>
         <p:nvSpPr>
-          <p:cNvPr id="7" name="矩形 2">
-            <a:extLst>
-              <a:ext uri="{FF2B5EF4-FFF2-40B4-BE49-F238E27FC236}">
-                <a16:creationId xmlns:a16="http://schemas.microsoft.com/office/drawing/2014/main" id="{F2A9AFD1-3EF3-4CB1-8E7D-67FAADCF9883}"/>
-              </a:ext>
-            </a:extLst>
-          </p:cNvPr>
+          <p:cNvPr id="7" name="矩形 2"/>
           <p:cNvSpPr>
             <a:spLocks noChangeArrowheads="1"/>
           </p:cNvSpPr>
@@ -3683,13 +3348,7 @@
       </p:sp>
       <p:sp>
         <p:nvSpPr>
-          <p:cNvPr id="8" name="矩形 3">
-            <a:extLst>
-              <a:ext uri="{FF2B5EF4-FFF2-40B4-BE49-F238E27FC236}">
-                <a16:creationId xmlns:a16="http://schemas.microsoft.com/office/drawing/2014/main" id="{1F369A35-9EE3-4C93-8DF3-ED70CDE7D4EF}"/>
-              </a:ext>
-            </a:extLst>
-          </p:cNvPr>
+          <p:cNvPr id="8" name="矩形 3"/>
           <p:cNvSpPr>
             <a:spLocks noChangeArrowheads="1"/>
           </p:cNvSpPr>
@@ -3854,13 +3513,7 @@
       </p:sp>
       <p:sp>
         <p:nvSpPr>
-          <p:cNvPr id="9" name="矩形 4">
-            <a:extLst>
-              <a:ext uri="{FF2B5EF4-FFF2-40B4-BE49-F238E27FC236}">
-                <a16:creationId xmlns:a16="http://schemas.microsoft.com/office/drawing/2014/main" id="{9926FA7D-007E-49F1-BCAB-35E5BCABB806}"/>
-              </a:ext>
-            </a:extLst>
-          </p:cNvPr>
+          <p:cNvPr id="9" name="矩形 4"/>
           <p:cNvSpPr>
             <a:spLocks noChangeArrowheads="1"/>
           </p:cNvSpPr>
@@ -4016,13 +3669,7 @@
       </p:sp>
       <p:sp>
         <p:nvSpPr>
-          <p:cNvPr id="10" name="矩形 5">
-            <a:extLst>
-              <a:ext uri="{FF2B5EF4-FFF2-40B4-BE49-F238E27FC236}">
-                <a16:creationId xmlns:a16="http://schemas.microsoft.com/office/drawing/2014/main" id="{E68A00C7-609C-4F37-9625-6843F9CA97AD}"/>
-              </a:ext>
-            </a:extLst>
-          </p:cNvPr>
+          <p:cNvPr id="10" name="矩形 5"/>
           <p:cNvSpPr>
             <a:spLocks noChangeArrowheads="1"/>
           </p:cNvSpPr>
@@ -4187,13 +3834,7 @@
       </p:sp>
       <p:sp>
         <p:nvSpPr>
-          <p:cNvPr id="11" name="矩形 6">
-            <a:extLst>
-              <a:ext uri="{FF2B5EF4-FFF2-40B4-BE49-F238E27FC236}">
-                <a16:creationId xmlns:a16="http://schemas.microsoft.com/office/drawing/2014/main" id="{71C607C6-2282-4940-B4B3-4DEDA13D42E6}"/>
-              </a:ext>
-            </a:extLst>
-          </p:cNvPr>
+          <p:cNvPr id="11" name="矩形 6"/>
           <p:cNvSpPr>
             <a:spLocks noChangeArrowheads="1"/>
           </p:cNvSpPr>
@@ -4350,19 +3991,13 @@
       </p:sp>
       <p:sp>
         <p:nvSpPr>
-          <p:cNvPr id="12" name="KSO_Shape">
-            <a:extLst>
-              <a:ext uri="{FF2B5EF4-FFF2-40B4-BE49-F238E27FC236}">
-                <a16:creationId xmlns:a16="http://schemas.microsoft.com/office/drawing/2014/main" id="{B71EE1AF-F537-4C7B-888B-B6E4EA33CD6F}"/>
-              </a:ext>
-            </a:extLst>
-          </p:cNvPr>
+          <p:cNvPr id="12" name="KSO_Shape"/>
           <p:cNvSpPr>
             <a:spLocks noChangeArrowheads="1"/>
           </p:cNvSpPr>
           <p:nvPr>
             <p:custDataLst>
-              <p:tags r:id="rId1"/>
+              <p:tags r:id="rId2"/>
             </p:custDataLst>
           </p:nvPr>
         </p:nvSpPr>
@@ -4672,19 +4307,13 @@
       </p:sp>
       <p:sp>
         <p:nvSpPr>
-          <p:cNvPr id="13" name="KSO_Shape">
-            <a:extLst>
-              <a:ext uri="{FF2B5EF4-FFF2-40B4-BE49-F238E27FC236}">
-                <a16:creationId xmlns:a16="http://schemas.microsoft.com/office/drawing/2014/main" id="{3CCEDE0A-7FDA-420E-A455-2D4013136216}"/>
-              </a:ext>
-            </a:extLst>
-          </p:cNvPr>
+          <p:cNvPr id="13" name="KSO_Shape"/>
           <p:cNvSpPr>
             <a:spLocks noChangeArrowheads="1"/>
           </p:cNvSpPr>
           <p:nvPr>
             <p:custDataLst>
-              <p:tags r:id="rId2"/>
+              <p:tags r:id="rId3"/>
             </p:custDataLst>
           </p:nvPr>
         </p:nvSpPr>
@@ -5189,19 +4818,13 @@
       </p:sp>
       <p:sp>
         <p:nvSpPr>
-          <p:cNvPr id="14" name="KSO_Shape">
-            <a:extLst>
-              <a:ext uri="{FF2B5EF4-FFF2-40B4-BE49-F238E27FC236}">
-                <a16:creationId xmlns:a16="http://schemas.microsoft.com/office/drawing/2014/main" id="{B99F02E1-8A8C-4668-BD31-DA27631839F3}"/>
-              </a:ext>
-            </a:extLst>
-          </p:cNvPr>
+          <p:cNvPr id="14" name="KSO_Shape"/>
           <p:cNvSpPr>
             <a:spLocks noChangeArrowheads="1"/>
           </p:cNvSpPr>
           <p:nvPr>
             <p:custDataLst>
-              <p:tags r:id="rId3"/>
+              <p:tags r:id="rId4"/>
             </p:custDataLst>
           </p:nvPr>
         </p:nvSpPr>
@@ -5636,6 +5259,7 @@
               <a:rPr lang="zh-CN" altLang="en-US" noProof="1"/>
               <a:t>单击此处编辑母版标题样式</a:t>
             </a:r>
+            <a:endParaRPr lang="zh-CN" altLang="en-US" noProof="1"/>
           </a:p>
         </p:txBody>
       </p:sp>
@@ -5675,6 +5299,7 @@
               <a:rPr lang="zh-CN" altLang="en-US" noProof="1"/>
               <a:t>编辑母版文本样式</a:t>
             </a:r>
+            <a:endParaRPr lang="zh-CN" altLang="en-US" noProof="1"/>
           </a:p>
         </p:txBody>
       </p:sp>
@@ -5714,6 +5339,7 @@
               <a:rPr lang="zh-CN" altLang="en-US" noProof="1"/>
               <a:t>编辑母版文本样式</a:t>
             </a:r>
+            <a:endParaRPr lang="zh-CN" altLang="en-US" noProof="1"/>
           </a:p>
         </p:txBody>
       </p:sp>
@@ -5753,18 +5379,13 @@
               <a:rPr lang="zh-CN" altLang="en-US" noProof="1"/>
               <a:t>编辑母版文本样式</a:t>
             </a:r>
+            <a:endParaRPr lang="zh-CN" altLang="en-US" noProof="1"/>
           </a:p>
         </p:txBody>
       </p:sp>
       <p:sp>
         <p:nvSpPr>
-          <p:cNvPr id="15" name="日期占位符 17">
-            <a:extLst>
-              <a:ext uri="{FF2B5EF4-FFF2-40B4-BE49-F238E27FC236}">
-                <a16:creationId xmlns:a16="http://schemas.microsoft.com/office/drawing/2014/main" id="{1FB36FFC-DE1E-4628-B74C-C1E1D8A9DC2C}"/>
-              </a:ext>
-            </a:extLst>
-          </p:cNvPr>
+          <p:cNvPr id="15" name="日期占位符 17"/>
           <p:cNvSpPr>
             <a:spLocks noGrp="1"/>
           </p:cNvSpPr>
@@ -5790,13 +5411,7 @@
       </p:sp>
       <p:sp>
         <p:nvSpPr>
-          <p:cNvPr id="18" name="页脚占位符 18">
-            <a:extLst>
-              <a:ext uri="{FF2B5EF4-FFF2-40B4-BE49-F238E27FC236}">
-                <a16:creationId xmlns:a16="http://schemas.microsoft.com/office/drawing/2014/main" id="{18479953-1535-4A60-A298-F90EF3EDB30D}"/>
-              </a:ext>
-            </a:extLst>
-          </p:cNvPr>
+          <p:cNvPr id="18" name="页脚占位符 18"/>
           <p:cNvSpPr>
             <a:spLocks noGrp="1"/>
           </p:cNvSpPr>
@@ -5822,13 +5437,7 @@
       </p:sp>
       <p:sp>
         <p:nvSpPr>
-          <p:cNvPr id="19" name="灯片编号占位符 19">
-            <a:extLst>
-              <a:ext uri="{FF2B5EF4-FFF2-40B4-BE49-F238E27FC236}">
-                <a16:creationId xmlns:a16="http://schemas.microsoft.com/office/drawing/2014/main" id="{EF6FBA9A-0BA4-464F-8559-BE6E2BE0DE38}"/>
-              </a:ext>
-            </a:extLst>
-          </p:cNvPr>
+          <p:cNvPr id="19" name="灯片编号占位符 19"/>
           <p:cNvSpPr>
             <a:spLocks noGrp="1"/>
           </p:cNvSpPr>
@@ -5847,19 +5456,12 @@
           <a:p>
             <a:fld id="{0F348A63-0FF9-4676-A6F6-25347D1C8912}" type="slidenum">
               <a:rPr lang="zh-CN" altLang="en-US"/>
-              <a:pPr/>
-              <a:t>‹#›</a:t>
             </a:fld>
             <a:endParaRPr lang="zh-CN" altLang="en-US"/>
           </a:p>
         </p:txBody>
       </p:sp>
     </p:spTree>
-    <p:extLst>
-      <p:ext uri="{BB962C8B-B14F-4D97-AF65-F5344CB8AC3E}">
-        <p14:creationId xmlns:p14="http://schemas.microsoft.com/office/powerpoint/2010/main" val="2578781335"/>
-      </p:ext>
-    </p:extLst>
   </p:cSld>
   <p:clrMapOvr>
     <a:masterClrMapping/>
@@ -5868,7 +5470,7 @@
 </file>
 
 <file path=ppt/slideLayouts/slideLayout7.xml><?xml version="1.0" encoding="utf-8"?>
-<p:sldLayout xmlns:a="http://schemas.openxmlformats.org/drawingml/2006/main" xmlns:r="http://schemas.openxmlformats.org/officeDocument/2006/relationships" xmlns:p="http://schemas.openxmlformats.org/presentationml/2006/main" showMasterSp="0" type="blank" preserve="1">
+<p:sldLayout xmlns:a="http://schemas.openxmlformats.org/drawingml/2006/main" xmlns:r="http://schemas.openxmlformats.org/officeDocument/2006/relationships" xmlns:p="http://schemas.openxmlformats.org/presentationml/2006/main" type="blank" preserve="1" showMasterSp="0">
   <p:cSld name="空白">
     <p:spTree>
       <p:nvGrpSpPr>
@@ -5886,13 +5488,7 @@
       </p:grpSpPr>
       <p:sp>
         <p:nvSpPr>
-          <p:cNvPr id="2" name="Date Placeholder 1">
-            <a:extLst>
-              <a:ext uri="{FF2B5EF4-FFF2-40B4-BE49-F238E27FC236}">
-                <a16:creationId xmlns:a16="http://schemas.microsoft.com/office/drawing/2014/main" id="{E3F7BB11-84A9-415F-84A7-57A1E681610A}"/>
-              </a:ext>
-            </a:extLst>
-          </p:cNvPr>
+          <p:cNvPr id="2" name="Date Placeholder 1"/>
           <p:cNvSpPr>
             <a:spLocks noGrp="1"/>
           </p:cNvSpPr>
@@ -5918,13 +5514,7 @@
       </p:sp>
       <p:sp>
         <p:nvSpPr>
-          <p:cNvPr id="3" name="Footer Placeholder 2">
-            <a:extLst>
-              <a:ext uri="{FF2B5EF4-FFF2-40B4-BE49-F238E27FC236}">
-                <a16:creationId xmlns:a16="http://schemas.microsoft.com/office/drawing/2014/main" id="{8A7AE418-9567-47B8-BAC6-737D6DF180D5}"/>
-              </a:ext>
-            </a:extLst>
-          </p:cNvPr>
+          <p:cNvPr id="3" name="Footer Placeholder 2"/>
           <p:cNvSpPr>
             <a:spLocks noGrp="1"/>
           </p:cNvSpPr>
@@ -5950,13 +5540,7 @@
       </p:sp>
       <p:sp>
         <p:nvSpPr>
-          <p:cNvPr id="4" name="Slide Number Placeholder 3">
-            <a:extLst>
-              <a:ext uri="{FF2B5EF4-FFF2-40B4-BE49-F238E27FC236}">
-                <a16:creationId xmlns:a16="http://schemas.microsoft.com/office/drawing/2014/main" id="{2568F2C6-9E0F-40C8-A15B-864E7369E5BF}"/>
-              </a:ext>
-            </a:extLst>
-          </p:cNvPr>
+          <p:cNvPr id="4" name="Slide Number Placeholder 3"/>
           <p:cNvSpPr>
             <a:spLocks noGrp="1"/>
           </p:cNvSpPr>
@@ -5975,19 +5559,12 @@
           <a:p>
             <a:fld id="{42AC8585-EA9B-4B63-AFFA-C560F4FB125A}" type="slidenum">
               <a:rPr lang="zh-CN" altLang="en-US"/>
-              <a:pPr/>
-              <a:t>‹#›</a:t>
             </a:fld>
             <a:endParaRPr lang="zh-CN" altLang="en-US"/>
           </a:p>
         </p:txBody>
       </p:sp>
     </p:spTree>
-    <p:extLst>
-      <p:ext uri="{BB962C8B-B14F-4D97-AF65-F5344CB8AC3E}">
-        <p14:creationId xmlns:p14="http://schemas.microsoft.com/office/powerpoint/2010/main" val="883864305"/>
-      </p:ext>
-    </p:extLst>
   </p:cSld>
   <p:clrMapOvr>
     <a:masterClrMapping/>
@@ -6106,13 +5683,7 @@
       </p:sp>
       <p:sp>
         <p:nvSpPr>
-          <p:cNvPr id="5" name="Date Placeholder 3">
-            <a:extLst>
-              <a:ext uri="{FF2B5EF4-FFF2-40B4-BE49-F238E27FC236}">
-                <a16:creationId xmlns:a16="http://schemas.microsoft.com/office/drawing/2014/main" id="{3CC566C0-8D58-4CDF-A9AF-E052C2B5D59D}"/>
-              </a:ext>
-            </a:extLst>
-          </p:cNvPr>
+          <p:cNvPr id="5" name="Date Placeholder 3"/>
           <p:cNvSpPr>
             <a:spLocks noGrp="1"/>
           </p:cNvSpPr>
@@ -6138,13 +5709,7 @@
       </p:sp>
       <p:sp>
         <p:nvSpPr>
-          <p:cNvPr id="6" name="Footer Placeholder 4">
-            <a:extLst>
-              <a:ext uri="{FF2B5EF4-FFF2-40B4-BE49-F238E27FC236}">
-                <a16:creationId xmlns:a16="http://schemas.microsoft.com/office/drawing/2014/main" id="{E24849AC-9EBA-4BDF-BE72-1EC74F52D475}"/>
-              </a:ext>
-            </a:extLst>
-          </p:cNvPr>
+          <p:cNvPr id="6" name="Footer Placeholder 4"/>
           <p:cNvSpPr>
             <a:spLocks noGrp="1"/>
           </p:cNvSpPr>
@@ -6170,13 +5735,7 @@
       </p:sp>
       <p:sp>
         <p:nvSpPr>
-          <p:cNvPr id="7" name="Slide Number Placeholder 5">
-            <a:extLst>
-              <a:ext uri="{FF2B5EF4-FFF2-40B4-BE49-F238E27FC236}">
-                <a16:creationId xmlns:a16="http://schemas.microsoft.com/office/drawing/2014/main" id="{6DEC9E68-2DD9-46FB-9C31-7311F8CA9F17}"/>
-              </a:ext>
-            </a:extLst>
-          </p:cNvPr>
+          <p:cNvPr id="7" name="Slide Number Placeholder 5"/>
           <p:cNvSpPr>
             <a:spLocks noGrp="1"/>
           </p:cNvSpPr>
@@ -6195,19 +5754,12 @@
           <a:p>
             <a:fld id="{8C86B12B-D871-4904-BB93-FE226C54F70E}" type="slidenum">
               <a:rPr lang="zh-CN" altLang="en-US"/>
-              <a:pPr/>
-              <a:t>‹#›</a:t>
             </a:fld>
             <a:endParaRPr lang="zh-CN" altLang="en-US"/>
           </a:p>
         </p:txBody>
       </p:sp>
     </p:spTree>
-    <p:extLst>
-      <p:ext uri="{BB962C8B-B14F-4D97-AF65-F5344CB8AC3E}">
-        <p14:creationId xmlns:p14="http://schemas.microsoft.com/office/powerpoint/2010/main" val="1669657242"/>
-      </p:ext>
-    </p:extLst>
   </p:cSld>
   <p:clrMapOvr>
     <a:masterClrMapping/>
@@ -6216,7 +5768,7 @@
 </file>
 
 <file path=ppt/slideLayouts/slideLayout9.xml><?xml version="1.0" encoding="utf-8"?>
-<p:sldLayout xmlns:a="http://schemas.openxmlformats.org/drawingml/2006/main" xmlns:r="http://schemas.openxmlformats.org/officeDocument/2006/relationships" xmlns:p="http://schemas.openxmlformats.org/presentationml/2006/main" showMasterSp="0" type="vertTitleAndTx" preserve="1">
+<p:sldLayout xmlns:a="http://schemas.openxmlformats.org/drawingml/2006/main" xmlns:r="http://schemas.openxmlformats.org/officeDocument/2006/relationships" xmlns:p="http://schemas.openxmlformats.org/presentationml/2006/main" type="vertTitleAndTx" preserve="1" showMasterSp="0">
   <p:cSld name="垂直排列标题与&#10;文本">
     <p:spTree>
       <p:nvGrpSpPr>
@@ -6295,6 +5847,7 @@
               <a:rPr lang="zh-CN" altLang="en-US" noProof="1"/>
               <a:t>单击此处编辑母版文本样式</a:t>
             </a:r>
+            <a:endParaRPr lang="zh-CN" altLang="en-US" noProof="1"/>
           </a:p>
           <a:p>
             <a:pPr lvl="1"/>
@@ -6302,6 +5855,7 @@
               <a:rPr lang="zh-CN" altLang="en-US" noProof="1"/>
               <a:t>第二级</a:t>
             </a:r>
+            <a:endParaRPr lang="zh-CN" altLang="en-US" noProof="1"/>
           </a:p>
           <a:p>
             <a:pPr lvl="2"/>
@@ -6309,6 +5863,7 @@
               <a:rPr lang="zh-CN" altLang="en-US" noProof="1"/>
               <a:t>第三级</a:t>
             </a:r>
+            <a:endParaRPr lang="zh-CN" altLang="en-US" noProof="1"/>
           </a:p>
           <a:p>
             <a:pPr lvl="3"/>
@@ -6316,6 +5871,7 @@
               <a:rPr lang="zh-CN" altLang="en-US" noProof="1"/>
               <a:t>第四级</a:t>
             </a:r>
+            <a:endParaRPr lang="zh-CN" altLang="en-US" noProof="1"/>
           </a:p>
           <a:p>
             <a:pPr lvl="4"/>
@@ -6329,13 +5885,7 @@
       </p:sp>
       <p:sp>
         <p:nvSpPr>
-          <p:cNvPr id="4" name="Date Placeholder 3">
-            <a:extLst>
-              <a:ext uri="{FF2B5EF4-FFF2-40B4-BE49-F238E27FC236}">
-                <a16:creationId xmlns:a16="http://schemas.microsoft.com/office/drawing/2014/main" id="{6AE58C79-6FBE-4E39-B944-B6B71314037F}"/>
-              </a:ext>
-            </a:extLst>
-          </p:cNvPr>
+          <p:cNvPr id="4" name="Date Placeholder 3"/>
           <p:cNvSpPr>
             <a:spLocks noGrp="1"/>
           </p:cNvSpPr>
@@ -6361,13 +5911,7 @@
       </p:sp>
       <p:sp>
         <p:nvSpPr>
-          <p:cNvPr id="5" name="Footer Placeholder 4">
-            <a:extLst>
-              <a:ext uri="{FF2B5EF4-FFF2-40B4-BE49-F238E27FC236}">
-                <a16:creationId xmlns:a16="http://schemas.microsoft.com/office/drawing/2014/main" id="{01667C15-39D4-4FCF-A692-D9CE52498FF7}"/>
-              </a:ext>
-            </a:extLst>
-          </p:cNvPr>
+          <p:cNvPr id="5" name="Footer Placeholder 4"/>
           <p:cNvSpPr>
             <a:spLocks noGrp="1"/>
           </p:cNvSpPr>
@@ -6393,13 +5937,7 @@
       </p:sp>
       <p:sp>
         <p:nvSpPr>
-          <p:cNvPr id="6" name="Slide Number Placeholder 5">
-            <a:extLst>
-              <a:ext uri="{FF2B5EF4-FFF2-40B4-BE49-F238E27FC236}">
-                <a16:creationId xmlns:a16="http://schemas.microsoft.com/office/drawing/2014/main" id="{9E8FECE8-4915-4850-8495-EA6D48CC9F47}"/>
-              </a:ext>
-            </a:extLst>
-          </p:cNvPr>
+          <p:cNvPr id="6" name="Slide Number Placeholder 5"/>
           <p:cNvSpPr>
             <a:spLocks noGrp="1"/>
           </p:cNvSpPr>
@@ -6418,19 +5956,12 @@
           <a:p>
             <a:fld id="{0086335B-0834-4C49-A44B-1A390B150407}" type="slidenum">
               <a:rPr lang="zh-CN" altLang="en-US"/>
-              <a:pPr/>
-              <a:t>‹#›</a:t>
             </a:fld>
             <a:endParaRPr lang="zh-CN" altLang="en-US"/>
           </a:p>
         </p:txBody>
       </p:sp>
     </p:spTree>
-    <p:extLst>
-      <p:ext uri="{BB962C8B-B14F-4D97-AF65-F5344CB8AC3E}">
-        <p14:creationId xmlns:p14="http://schemas.microsoft.com/office/powerpoint/2010/main" val="2844721852"/>
-      </p:ext>
-    </p:extLst>
   </p:cSld>
   <p:clrMapOvr>
     <a:masterClrMapping/>
@@ -6465,13 +5996,7 @@
       </p:grpSpPr>
       <p:sp>
         <p:nvSpPr>
-          <p:cNvPr id="7" name="矩形 6">
-            <a:extLst>
-              <a:ext uri="{FF2B5EF4-FFF2-40B4-BE49-F238E27FC236}">
-                <a16:creationId xmlns:a16="http://schemas.microsoft.com/office/drawing/2014/main" id="{D68215C9-317E-4DA2-AAD7-AED121B6BA0C}"/>
-              </a:ext>
-            </a:extLst>
-          </p:cNvPr>
+          <p:cNvPr id="7" name="矩形 6"/>
           <p:cNvSpPr/>
           <p:nvPr/>
         </p:nvSpPr>
@@ -6521,13 +6046,7 @@
       </p:sp>
       <p:sp>
         <p:nvSpPr>
-          <p:cNvPr id="8" name="矩形 7">
-            <a:extLst>
-              <a:ext uri="{FF2B5EF4-FFF2-40B4-BE49-F238E27FC236}">
-                <a16:creationId xmlns:a16="http://schemas.microsoft.com/office/drawing/2014/main" id="{D831D5F7-1752-444E-A4C9-499A28E66D88}"/>
-              </a:ext>
-            </a:extLst>
-          </p:cNvPr>
+          <p:cNvPr id="8" name="矩形 7"/>
           <p:cNvSpPr/>
           <p:nvPr/>
         </p:nvSpPr>
@@ -6540,7 +6059,7 @@
             <a:avLst/>
           </a:prstGeom>
           <a:blipFill dpi="0" rotWithShape="1">
-            <a:blip r:embed="rId17" cstate="print">
+            <a:blip r:embed="rId14" cstate="print">
               <a:extLst>
                 <a:ext uri="{28A0092B-C50C-407E-A947-70E740481C1C}">
                   <a14:useLocalDpi xmlns:a14="http://schemas.microsoft.com/office/drawing/2010/main" val="0"/>
@@ -6587,13 +6106,7 @@
       </p:sp>
       <p:sp>
         <p:nvSpPr>
-          <p:cNvPr id="1028" name="Title Placeholder 1">
-            <a:extLst>
-              <a:ext uri="{FF2B5EF4-FFF2-40B4-BE49-F238E27FC236}">
-                <a16:creationId xmlns:a16="http://schemas.microsoft.com/office/drawing/2014/main" id="{64CC0EC4-1E2C-4CD1-B44A-31D70B1BF681}"/>
-              </a:ext>
-            </a:extLst>
-          </p:cNvPr>
+          <p:cNvPr id="1028" name="Title Placeholder 1"/>
           <p:cNvSpPr>
             <a:spLocks noGrp="1" noChangeArrowheads="1"/>
           </p:cNvSpPr>
@@ -6637,11 +6150,7 @@
           </a:extLst>
         </p:spPr>
         <p:txBody>
-          <a:bodyPr vert="horz" wrap="square" lIns="91440" tIns="45720" rIns="91440" bIns="45720" numCol="1" anchor="ctr" anchorCtr="0" compatLnSpc="1">
-            <a:prstTxWarp prst="textNoShape">
-              <a:avLst/>
-            </a:prstTxWarp>
-          </a:bodyPr>
+          <a:bodyPr vert="horz" wrap="square" lIns="91440" tIns="45720" rIns="91440" bIns="45720" numCol="1" anchor="ctr" anchorCtr="0" compatLnSpc="1"/>
           <a:lstStyle/>
           <a:p>
             <a:pPr lvl="0"/>
@@ -6655,18 +6164,12 @@
       </p:sp>
       <p:sp>
         <p:nvSpPr>
-          <p:cNvPr id="1029" name="Text Placeholder 2">
-            <a:extLst>
-              <a:ext uri="{FF2B5EF4-FFF2-40B4-BE49-F238E27FC236}">
-                <a16:creationId xmlns:a16="http://schemas.microsoft.com/office/drawing/2014/main" id="{C4C3E26F-B416-4F83-901D-E86F1C204637}"/>
-              </a:ext>
-            </a:extLst>
-          </p:cNvPr>
+          <p:cNvPr id="1029" name="Text Placeholder 2"/>
           <p:cNvSpPr>
             <a:spLocks noGrp="1" noChangeArrowheads="1"/>
           </p:cNvSpPr>
           <p:nvPr>
-            <p:ph type="body" idx="4294967295"/>
+            <p:ph type="body" idx="9"/>
             <p:custDataLst>
               <p:tags r:id="rId16"/>
             </p:custDataLst>
@@ -6705,11 +6208,7 @@
           </a:extLst>
         </p:spPr>
         <p:txBody>
-          <a:bodyPr vert="horz" wrap="square" lIns="91440" tIns="45720" rIns="91440" bIns="45720" numCol="1" anchor="t" anchorCtr="0" compatLnSpc="1">
-            <a:prstTxWarp prst="textNoShape">
-              <a:avLst/>
-            </a:prstTxWarp>
-          </a:bodyPr>
+          <a:bodyPr vert="horz" wrap="square" lIns="91440" tIns="45720" rIns="91440" bIns="45720" numCol="1" anchor="t" anchorCtr="0" compatLnSpc="1"/>
           <a:lstStyle/>
           <a:p>
             <a:pPr lvl="0"/>
@@ -6717,6 +6216,7 @@
               <a:rPr lang="zh-CN" altLang="en-US" noProof="1"/>
               <a:t>单击此处编辑母版文本样式</a:t>
             </a:r>
+            <a:endParaRPr lang="zh-CN" altLang="en-US" noProof="1"/>
           </a:p>
           <a:p>
             <a:pPr lvl="1"/>
@@ -6724,6 +6224,7 @@
               <a:rPr lang="zh-CN" altLang="en-US" noProof="1"/>
               <a:t>第二级</a:t>
             </a:r>
+            <a:endParaRPr lang="zh-CN" altLang="en-US" noProof="1"/>
           </a:p>
           <a:p>
             <a:pPr lvl="2"/>
@@ -6731,6 +6232,7 @@
               <a:rPr lang="zh-CN" altLang="en-US" noProof="1"/>
               <a:t>第三级</a:t>
             </a:r>
+            <a:endParaRPr lang="zh-CN" altLang="en-US" noProof="1"/>
           </a:p>
           <a:p>
             <a:pPr lvl="3"/>
@@ -6738,6 +6240,7 @@
               <a:rPr lang="zh-CN" altLang="en-US" noProof="1"/>
               <a:t>第四级</a:t>
             </a:r>
+            <a:endParaRPr lang="zh-CN" altLang="en-US" noProof="1"/>
           </a:p>
           <a:p>
             <a:pPr lvl="4"/>
@@ -6751,13 +6254,7 @@
       </p:sp>
       <p:sp>
         <p:nvSpPr>
-          <p:cNvPr id="4" name="Date Placeholder 3">
-            <a:extLst>
-              <a:ext uri="{FF2B5EF4-FFF2-40B4-BE49-F238E27FC236}">
-                <a16:creationId xmlns:a16="http://schemas.microsoft.com/office/drawing/2014/main" id="{99C8DDA1-2403-4ACB-B52E-076F2EBB244F}"/>
-              </a:ext>
-            </a:extLst>
-          </p:cNvPr>
+          <p:cNvPr id="4" name="Date Placeholder 3"/>
           <p:cNvSpPr>
             <a:spLocks noGrp="1"/>
           </p:cNvSpPr>
@@ -6797,13 +6294,7 @@
       </p:sp>
       <p:sp>
         <p:nvSpPr>
-          <p:cNvPr id="5" name="Footer Placeholder 4">
-            <a:extLst>
-              <a:ext uri="{FF2B5EF4-FFF2-40B4-BE49-F238E27FC236}">
-                <a16:creationId xmlns:a16="http://schemas.microsoft.com/office/drawing/2014/main" id="{A99E5058-A41C-46BC-8ABC-D6274606DC3C}"/>
-              </a:ext>
-            </a:extLst>
-          </p:cNvPr>
+          <p:cNvPr id="5" name="Footer Placeholder 4"/>
           <p:cNvSpPr>
             <a:spLocks noGrp="1"/>
           </p:cNvSpPr>
@@ -6843,13 +6334,7 @@
       </p:sp>
       <p:sp>
         <p:nvSpPr>
-          <p:cNvPr id="6" name="Slide Number Placeholder 5">
-            <a:extLst>
-              <a:ext uri="{FF2B5EF4-FFF2-40B4-BE49-F238E27FC236}">
-                <a16:creationId xmlns:a16="http://schemas.microsoft.com/office/drawing/2014/main" id="{323493E1-2046-472B-945A-C685EC5E92F3}"/>
-              </a:ext>
-            </a:extLst>
-          </p:cNvPr>
+          <p:cNvPr id="6" name="Slide Number Placeholder 5"/>
           <p:cNvSpPr>
             <a:spLocks noGrp="1"/>
           </p:cNvSpPr>
@@ -6867,11 +6352,7 @@
           </a:prstGeom>
         </p:spPr>
         <p:txBody>
-          <a:bodyPr vert="horz" wrap="square" lIns="91440" tIns="45720" rIns="91440" bIns="45720" numCol="1" anchor="ctr" anchorCtr="0" compatLnSpc="1">
-            <a:prstTxWarp prst="textNoShape">
-              <a:avLst/>
-            </a:prstTxWarp>
-          </a:bodyPr>
+          <a:bodyPr vert="horz" wrap="square" lIns="91440" tIns="45720" rIns="91440" bIns="45720" numCol="1" anchor="ctr" anchorCtr="0" compatLnSpc="1"/>
           <a:lstStyle>
             <a:lvl1pPr algn="r">
               <a:defRPr sz="900">
@@ -6884,8 +6365,6 @@
           <a:p>
             <a:fld id="{37F7E787-05F0-49A3-A8D0-7EB791A82116}" type="slidenum">
               <a:rPr lang="zh-CN" altLang="en-US"/>
-              <a:pPr/>
-              <a:t>‹#›</a:t>
             </a:fld>
             <a:endParaRPr lang="zh-CN" altLang="en-US"/>
           </a:p>
@@ -6895,19 +6374,19 @@
   </p:cSld>
   <p:clrMap bg1="lt1" tx1="dk1" bg2="lt2" tx2="dk2" accent1="accent1" accent2="accent2" accent3="accent3" accent4="accent4" accent5="accent5" accent6="accent6" hlink="hlink" folHlink="folHlink"/>
   <p:sldLayoutIdLst>
-    <p:sldLayoutId id="2147483693" r:id="rId1"/>
-    <p:sldLayoutId id="2147483692" r:id="rId2"/>
-    <p:sldLayoutId id="2147483694" r:id="rId3"/>
-    <p:sldLayoutId id="2147483691" r:id="rId4"/>
-    <p:sldLayoutId id="2147483690" r:id="rId5"/>
-    <p:sldLayoutId id="2147483695" r:id="rId6"/>
-    <p:sldLayoutId id="2147483696" r:id="rId7"/>
-    <p:sldLayoutId id="2147483689" r:id="rId8"/>
-    <p:sldLayoutId id="2147483697" r:id="rId9"/>
-    <p:sldLayoutId id="2147483688" r:id="rId10"/>
-    <p:sldLayoutId id="2147483687" r:id="rId11"/>
-    <p:sldLayoutId id="2147483686" r:id="rId12"/>
-    <p:sldLayoutId id="2147483685" r:id="rId13"/>
+    <p:sldLayoutId id="2147483649" r:id="rId1"/>
+    <p:sldLayoutId id="2147483650" r:id="rId2"/>
+    <p:sldLayoutId id="2147483651" r:id="rId3"/>
+    <p:sldLayoutId id="2147483652" r:id="rId4"/>
+    <p:sldLayoutId id="2147483653" r:id="rId5"/>
+    <p:sldLayoutId id="2147483654" r:id="rId6"/>
+    <p:sldLayoutId id="2147483655" r:id="rId7"/>
+    <p:sldLayoutId id="2147483656" r:id="rId8"/>
+    <p:sldLayoutId id="2147483657" r:id="rId9"/>
+    <p:sldLayoutId id="2147483658" r:id="rId10"/>
+    <p:sldLayoutId id="2147483659" r:id="rId11"/>
+    <p:sldLayoutId id="2147483660" r:id="rId12"/>
+    <p:sldLayoutId id="2147483661" r:id="rId13"/>
   </p:sldLayoutIdLst>
   <p:txStyles>
     <p:titleStyle>
@@ -7373,13 +6852,7 @@
       </p:grpSpPr>
       <p:sp>
         <p:nvSpPr>
-          <p:cNvPr id="22" name="TextBox 21">
-            <a:extLst>
-              <a:ext uri="{FF2B5EF4-FFF2-40B4-BE49-F238E27FC236}">
-                <a16:creationId xmlns:a16="http://schemas.microsoft.com/office/drawing/2014/main" id="{AEE23F01-A58B-4E85-876A-3398C8847612}"/>
-              </a:ext>
-            </a:extLst>
-          </p:cNvPr>
+          <p:cNvPr id="22" name="TextBox 21"/>
           <p:cNvSpPr txBox="1">
             <a:spLocks noChangeArrowheads="1"/>
           </p:cNvSpPr>
@@ -7475,7 +6948,7 @@
               <p:cTn id="2" dur="indefinite" nodeType="mainSeq">
                 <p:childTnLst>
                   <p:par>
-                    <p:cTn id="3" fill="hold" nodeType="clickPar">
+                    <p:cTn id="3" fill="hold">
                       <p:stCondLst>
                         <p:cond delay="indefinite"/>
                         <p:cond evt="onBegin" delay="0">
@@ -7484,7 +6957,7 @@
                       </p:stCondLst>
                       <p:childTnLst>
                         <p:par>
-                          <p:cTn id="4" fill="hold" nodeType="withGroup">
+                          <p:cTn id="4" fill="hold">
                             <p:stCondLst>
                               <p:cond delay="0"/>
                             </p:stCondLst>
@@ -7664,16 +7137,8 @@
       </p:grpSpPr>
       <p:grpSp>
         <p:nvGrpSpPr>
-          <p:cNvPr id="14338" name="组合 16">
-            <a:extLst>
-              <a:ext uri="{FF2B5EF4-FFF2-40B4-BE49-F238E27FC236}">
-                <a16:creationId xmlns:a16="http://schemas.microsoft.com/office/drawing/2014/main" id="{DA9C0668-6707-40E6-8EFD-675CA58F73C7}"/>
-              </a:ext>
-            </a:extLst>
-          </p:cNvPr>
-          <p:cNvGrpSpPr>
-            <a:grpSpLocks/>
-          </p:cNvGrpSpPr>
+          <p:cNvPr id="14338" name="组合 16"/>
+          <p:cNvGrpSpPr/>
           <p:nvPr/>
         </p:nvGrpSpPr>
         <p:grpSpPr bwMode="auto">
@@ -7686,13 +7151,7 @@
         </p:grpSpPr>
         <p:sp>
           <p:nvSpPr>
-            <p:cNvPr id="19458" name="矩形 17">
-              <a:extLst>
-                <a:ext uri="{FF2B5EF4-FFF2-40B4-BE49-F238E27FC236}">
-                  <a16:creationId xmlns:a16="http://schemas.microsoft.com/office/drawing/2014/main" id="{CF5D003B-1860-4168-A60B-0F1AA6A4D93E}"/>
-                </a:ext>
-              </a:extLst>
-            </p:cNvPr>
+            <p:cNvPr id="19458" name="矩形 17"/>
             <p:cNvSpPr>
               <a:spLocks noChangeArrowheads="1"/>
             </p:cNvSpPr>
@@ -7776,13 +7235,7 @@
         </p:sp>
         <p:sp>
           <p:nvSpPr>
-            <p:cNvPr id="19459" name="矩形 18">
-              <a:extLst>
-                <a:ext uri="{FF2B5EF4-FFF2-40B4-BE49-F238E27FC236}">
-                  <a16:creationId xmlns:a16="http://schemas.microsoft.com/office/drawing/2014/main" id="{D6D5FDC1-E6B7-4652-98A8-C9935D31739B}"/>
-                </a:ext>
-              </a:extLst>
-            </p:cNvPr>
+            <p:cNvPr id="19459" name="矩形 18"/>
             <p:cNvSpPr>
               <a:spLocks noChangeArrowheads="1"/>
             </p:cNvSpPr>
@@ -7855,13 +7308,7 @@
       </p:grpSp>
       <p:sp>
         <p:nvSpPr>
-          <p:cNvPr id="14341" name="TextBox 108">
-            <a:extLst>
-              <a:ext uri="{FF2B5EF4-FFF2-40B4-BE49-F238E27FC236}">
-                <a16:creationId xmlns:a16="http://schemas.microsoft.com/office/drawing/2014/main" id="{4C827644-D8B7-4821-A00B-C3A3C7BEAE9C}"/>
-              </a:ext>
-            </a:extLst>
-          </p:cNvPr>
+          <p:cNvPr id="14341" name="TextBox 108"/>
           <p:cNvSpPr>
             <a:spLocks noChangeArrowheads="1"/>
           </p:cNvSpPr>
@@ -7916,21 +7363,21 @@
               </a:rPr>
               <a:t>第一个应用程序</a:t>
             </a:r>
+            <a:endParaRPr lang="zh-CN" altLang="en-US">
+              <a:solidFill>
+                <a:schemeClr val="bg1"/>
+              </a:solidFill>
+              <a:latin typeface="微软雅黑" panose="020B0503020204020204" pitchFamily="34" charset="-122"/>
+              <a:ea typeface="微软雅黑" panose="020B0503020204020204" pitchFamily="34" charset="-122"/>
+              <a:sym typeface="微软雅黑" panose="020B0503020204020204" pitchFamily="34" charset="-122"/>
+            </a:endParaRPr>
           </a:p>
         </p:txBody>
       </p:sp>
       <p:grpSp>
         <p:nvGrpSpPr>
-          <p:cNvPr id="14342" name="组合 29">
-            <a:extLst>
-              <a:ext uri="{FF2B5EF4-FFF2-40B4-BE49-F238E27FC236}">
-                <a16:creationId xmlns:a16="http://schemas.microsoft.com/office/drawing/2014/main" id="{917E7492-8857-4122-A713-17D1191E6346}"/>
-              </a:ext>
-            </a:extLst>
-          </p:cNvPr>
-          <p:cNvGrpSpPr>
-            <a:grpSpLocks/>
-          </p:cNvGrpSpPr>
+          <p:cNvPr id="14342" name="组合 29"/>
+          <p:cNvGrpSpPr/>
           <p:nvPr/>
         </p:nvGrpSpPr>
         <p:grpSpPr bwMode="auto">
@@ -7943,13 +7390,7 @@
         </p:grpSpPr>
         <p:sp>
           <p:nvSpPr>
-            <p:cNvPr id="19462" name="矩形 30">
-              <a:extLst>
-                <a:ext uri="{FF2B5EF4-FFF2-40B4-BE49-F238E27FC236}">
-                  <a16:creationId xmlns:a16="http://schemas.microsoft.com/office/drawing/2014/main" id="{3F82BC92-E119-440D-86F3-C20B09F49439}"/>
-                </a:ext>
-              </a:extLst>
-            </p:cNvPr>
+            <p:cNvPr id="19462" name="矩形 30"/>
             <p:cNvSpPr>
               <a:spLocks noChangeArrowheads="1"/>
             </p:cNvSpPr>
@@ -7999,13 +7440,7 @@
         </p:sp>
         <p:sp>
           <p:nvSpPr>
-            <p:cNvPr id="19463" name="矩形 31">
-              <a:extLst>
-                <a:ext uri="{FF2B5EF4-FFF2-40B4-BE49-F238E27FC236}">
-                  <a16:creationId xmlns:a16="http://schemas.microsoft.com/office/drawing/2014/main" id="{FC6D487D-A206-435F-A523-6ECB59B48472}"/>
-                </a:ext>
-              </a:extLst>
-            </p:cNvPr>
+            <p:cNvPr id="19463" name="矩形 31"/>
             <p:cNvSpPr>
               <a:spLocks noChangeArrowheads="1"/>
             </p:cNvSpPr>
@@ -8056,13 +7491,7 @@
       </p:grpSp>
       <p:sp>
         <p:nvSpPr>
-          <p:cNvPr id="14345" name="矩形 2">
-            <a:extLst>
-              <a:ext uri="{FF2B5EF4-FFF2-40B4-BE49-F238E27FC236}">
-                <a16:creationId xmlns:a16="http://schemas.microsoft.com/office/drawing/2014/main" id="{2CB7F2DC-8B7C-4DB9-AA44-1DD1D9162580}"/>
-              </a:ext>
-            </a:extLst>
-          </p:cNvPr>
+          <p:cNvPr id="14345" name="矩形 2"/>
           <p:cNvSpPr>
             <a:spLocks noChangeArrowheads="1"/>
           </p:cNvSpPr>
@@ -8147,13 +7576,7 @@
       </p:sp>
       <p:sp>
         <p:nvSpPr>
-          <p:cNvPr id="14348" name="矩形 12">
-            <a:extLst>
-              <a:ext uri="{FF2B5EF4-FFF2-40B4-BE49-F238E27FC236}">
-                <a16:creationId xmlns:a16="http://schemas.microsoft.com/office/drawing/2014/main" id="{2D4FC733-3082-4EE2-8A93-ABC86D5D29B3}"/>
-              </a:ext>
-            </a:extLst>
-          </p:cNvPr>
+          <p:cNvPr id="14348" name="矩形 12"/>
           <p:cNvSpPr>
             <a:spLocks noChangeArrowheads="1"/>
           </p:cNvSpPr>
@@ -8238,20 +7661,14 @@
       </p:sp>
       <p:pic>
         <p:nvPicPr>
-          <p:cNvPr id="19467" name="图片 1" descr="QQ截图20190906103605">
-            <a:extLst>
-              <a:ext uri="{FF2B5EF4-FFF2-40B4-BE49-F238E27FC236}">
-                <a16:creationId xmlns:a16="http://schemas.microsoft.com/office/drawing/2014/main" id="{04BAA7FB-95E5-44E7-9450-8AFB3972ADCB}"/>
-              </a:ext>
-            </a:extLst>
-          </p:cNvPr>
+          <p:cNvPr id="19467" name="图片 1" descr="QQ截图20190906103605"/>
           <p:cNvPicPr>
             <a:picLocks noChangeAspect="1" noChangeArrowheads="1"/>
           </p:cNvPicPr>
           <p:nvPr/>
         </p:nvPicPr>
         <p:blipFill>
-          <a:blip r:embed="rId3">
+          <a:blip r:embed="rId1">
             <a:extLst>
               <a:ext uri="{28A0092B-C50C-407E-A947-70E740481C1C}">
                 <a14:useLocalDpi xmlns:a14="http://schemas.microsoft.com/office/drawing/2010/main" val="0"/>
@@ -8298,20 +7715,14 @@
       </p:pic>
       <p:pic>
         <p:nvPicPr>
-          <p:cNvPr id="19468" name="图片 2" descr="QQ截图20190906103817">
-            <a:extLst>
-              <a:ext uri="{FF2B5EF4-FFF2-40B4-BE49-F238E27FC236}">
-                <a16:creationId xmlns:a16="http://schemas.microsoft.com/office/drawing/2014/main" id="{5D665E8F-A653-422C-A9BB-D10630E91E5D}"/>
-              </a:ext>
-            </a:extLst>
-          </p:cNvPr>
+          <p:cNvPr id="19468" name="图片 2" descr="QQ截图20190906103817"/>
           <p:cNvPicPr>
             <a:picLocks noChangeAspect="1" noChangeArrowheads="1"/>
           </p:cNvPicPr>
           <p:nvPr/>
         </p:nvPicPr>
         <p:blipFill>
-          <a:blip r:embed="rId4">
+          <a:blip r:embed="rId2">
             <a:extLst>
               <a:ext uri="{28A0092B-C50C-407E-A947-70E740481C1C}">
                 <a14:useLocalDpi xmlns:a14="http://schemas.microsoft.com/office/drawing/2010/main" val="0"/>
@@ -8358,7 +7769,7 @@
       </p:pic>
     </p:spTree>
     <p:custDataLst>
-      <p:tags r:id="rId1"/>
+      <p:tags r:id="rId3"/>
     </p:custDataLst>
   </p:cSld>
   <p:clrMapOvr>
@@ -8376,7 +7787,7 @@
               <p:cTn id="2" dur="indefinite" nodeType="mainSeq">
                 <p:childTnLst>
                   <p:par>
-                    <p:cTn id="3" fill="hold" nodeType="clickPar">
+                    <p:cTn id="3" fill="hold">
                       <p:stCondLst>
                         <p:cond delay="indefinite"/>
                         <p:cond evt="onBegin" delay="0">
@@ -8385,7 +7796,7 @@
                       </p:stCondLst>
                       <p:childTnLst>
                         <p:par>
-                          <p:cTn id="4" fill="hold" nodeType="withGroup">
+                          <p:cTn id="4" fill="hold">
                             <p:stCondLst>
                               <p:cond delay="0"/>
                             </p:stCondLst>
@@ -8467,9 +7878,9 @@
                           </p:cTn>
                         </p:par>
                         <p:par>
-                          <p:cTn id="9" fill="hold" nodeType="afterGroup">
+                          <p:cTn id="9" fill="hold">
                             <p:stCondLst>
-                              <p:cond delay="350"/>
+                              <p:cond delay="500"/>
                             </p:stCondLst>
                             <p:childTnLst>
                               <p:par>
@@ -8621,9 +8032,9 @@
                           </p:cTn>
                         </p:par>
                         <p:par>
-                          <p:cTn id="17" fill="hold" nodeType="afterGroup">
+                          <p:cTn id="17" fill="hold">
                             <p:stCondLst>
-                              <p:cond delay="990"/>
+                              <p:cond delay="639"/>
                             </p:stCondLst>
                             <p:childTnLst>
                               <p:par>
@@ -8786,16 +8197,8 @@
       </p:grpSpPr>
       <p:grpSp>
         <p:nvGrpSpPr>
-          <p:cNvPr id="15362" name="组合 16">
-            <a:extLst>
-              <a:ext uri="{FF2B5EF4-FFF2-40B4-BE49-F238E27FC236}">
-                <a16:creationId xmlns:a16="http://schemas.microsoft.com/office/drawing/2014/main" id="{4D8D1B3A-6097-4227-AA5C-EA97ACACE482}"/>
-              </a:ext>
-            </a:extLst>
-          </p:cNvPr>
-          <p:cNvGrpSpPr>
-            <a:grpSpLocks/>
-          </p:cNvGrpSpPr>
+          <p:cNvPr id="15362" name="组合 16"/>
+          <p:cNvGrpSpPr/>
           <p:nvPr/>
         </p:nvGrpSpPr>
         <p:grpSpPr bwMode="auto">
@@ -8808,13 +8211,7 @@
         </p:grpSpPr>
         <p:sp>
           <p:nvSpPr>
-            <p:cNvPr id="20482" name="矩形 17">
-              <a:extLst>
-                <a:ext uri="{FF2B5EF4-FFF2-40B4-BE49-F238E27FC236}">
-                  <a16:creationId xmlns:a16="http://schemas.microsoft.com/office/drawing/2014/main" id="{AA86F266-5B05-43CC-92BD-F4FB66AF94E5}"/>
-                </a:ext>
-              </a:extLst>
-            </p:cNvPr>
+            <p:cNvPr id="20482" name="矩形 17"/>
             <p:cNvSpPr>
               <a:spLocks noChangeArrowheads="1"/>
             </p:cNvSpPr>
@@ -8876,13 +8273,7 @@
         </p:sp>
         <p:sp>
           <p:nvSpPr>
-            <p:cNvPr id="20483" name="矩形 18">
-              <a:extLst>
-                <a:ext uri="{FF2B5EF4-FFF2-40B4-BE49-F238E27FC236}">
-                  <a16:creationId xmlns:a16="http://schemas.microsoft.com/office/drawing/2014/main" id="{E3BC1AC1-4A83-407B-8F8D-1833A1B2DF4C}"/>
-                </a:ext>
-              </a:extLst>
-            </p:cNvPr>
+            <p:cNvPr id="20483" name="矩形 18"/>
             <p:cNvSpPr>
               <a:spLocks noChangeArrowheads="1"/>
             </p:cNvSpPr>
@@ -8955,13 +8346,7 @@
       </p:grpSp>
       <p:sp>
         <p:nvSpPr>
-          <p:cNvPr id="15365" name="TextBox 108">
-            <a:extLst>
-              <a:ext uri="{FF2B5EF4-FFF2-40B4-BE49-F238E27FC236}">
-                <a16:creationId xmlns:a16="http://schemas.microsoft.com/office/drawing/2014/main" id="{DF314CC6-29BB-4EF7-8BE5-B11F880E0C13}"/>
-              </a:ext>
-            </a:extLst>
-          </p:cNvPr>
+          <p:cNvPr id="15365" name="TextBox 108"/>
           <p:cNvSpPr>
             <a:spLocks noChangeArrowheads="1"/>
           </p:cNvSpPr>
@@ -9016,21 +8401,21 @@
               </a:rPr>
               <a:t>第一个应用程序</a:t>
             </a:r>
+            <a:endParaRPr lang="zh-CN" altLang="en-US">
+              <a:solidFill>
+                <a:schemeClr val="bg1"/>
+              </a:solidFill>
+              <a:latin typeface="微软雅黑" panose="020B0503020204020204" pitchFamily="34" charset="-122"/>
+              <a:ea typeface="微软雅黑" panose="020B0503020204020204" pitchFamily="34" charset="-122"/>
+              <a:sym typeface="微软雅黑" panose="020B0503020204020204" pitchFamily="34" charset="-122"/>
+            </a:endParaRPr>
           </a:p>
         </p:txBody>
       </p:sp>
       <p:grpSp>
         <p:nvGrpSpPr>
-          <p:cNvPr id="15366" name="组合 29">
-            <a:extLst>
-              <a:ext uri="{FF2B5EF4-FFF2-40B4-BE49-F238E27FC236}">
-                <a16:creationId xmlns:a16="http://schemas.microsoft.com/office/drawing/2014/main" id="{6A86FFE2-5F89-436A-AB14-B1F99233AFD3}"/>
-              </a:ext>
-            </a:extLst>
-          </p:cNvPr>
-          <p:cNvGrpSpPr>
-            <a:grpSpLocks/>
-          </p:cNvGrpSpPr>
+          <p:cNvPr id="15366" name="组合 29"/>
+          <p:cNvGrpSpPr/>
           <p:nvPr/>
         </p:nvGrpSpPr>
         <p:grpSpPr bwMode="auto">
@@ -9043,13 +8428,7 @@
         </p:grpSpPr>
         <p:sp>
           <p:nvSpPr>
-            <p:cNvPr id="20486" name="矩形 30">
-              <a:extLst>
-                <a:ext uri="{FF2B5EF4-FFF2-40B4-BE49-F238E27FC236}">
-                  <a16:creationId xmlns:a16="http://schemas.microsoft.com/office/drawing/2014/main" id="{2415191C-A24F-4088-B574-1299AA7A96CF}"/>
-                </a:ext>
-              </a:extLst>
-            </p:cNvPr>
+            <p:cNvPr id="20486" name="矩形 30"/>
             <p:cNvSpPr>
               <a:spLocks noChangeArrowheads="1"/>
             </p:cNvSpPr>
@@ -9099,13 +8478,7 @@
         </p:sp>
         <p:sp>
           <p:nvSpPr>
-            <p:cNvPr id="20487" name="矩形 31">
-              <a:extLst>
-                <a:ext uri="{FF2B5EF4-FFF2-40B4-BE49-F238E27FC236}">
-                  <a16:creationId xmlns:a16="http://schemas.microsoft.com/office/drawing/2014/main" id="{A3B4342F-3CA6-44C0-A36F-F0B2A4C3BA44}"/>
-                </a:ext>
-              </a:extLst>
-            </p:cNvPr>
+            <p:cNvPr id="20487" name="矩形 31"/>
             <p:cNvSpPr>
               <a:spLocks noChangeArrowheads="1"/>
             </p:cNvSpPr>
@@ -9156,20 +8529,14 @@
       </p:grpSp>
       <p:pic>
         <p:nvPicPr>
-          <p:cNvPr id="20488" name="图片 4" descr="358062-20170606001901012-2080648015">
-            <a:extLst>
-              <a:ext uri="{FF2B5EF4-FFF2-40B4-BE49-F238E27FC236}">
-                <a16:creationId xmlns:a16="http://schemas.microsoft.com/office/drawing/2014/main" id="{787AB86A-797E-4222-BE25-791A09706EF8}"/>
-              </a:ext>
-            </a:extLst>
-          </p:cNvPr>
+          <p:cNvPr id="20488" name="图片 4" descr="358062-20170606001901012-2080648015"/>
           <p:cNvPicPr>
             <a:picLocks noChangeAspect="1" noChangeArrowheads="1"/>
           </p:cNvPicPr>
           <p:nvPr/>
         </p:nvPicPr>
         <p:blipFill>
-          <a:blip r:embed="rId3">
+          <a:blip r:embed="rId1">
             <a:extLst>
               <a:ext uri="{28A0092B-C50C-407E-A947-70E740481C1C}">
                 <a14:useLocalDpi xmlns:a14="http://schemas.microsoft.com/office/drawing/2010/main" val="0"/>
@@ -9216,20 +8583,14 @@
       </p:pic>
       <p:pic>
         <p:nvPicPr>
-          <p:cNvPr id="20489" name="图片 1" descr="QQ截图20190906104113">
-            <a:extLst>
-              <a:ext uri="{FF2B5EF4-FFF2-40B4-BE49-F238E27FC236}">
-                <a16:creationId xmlns:a16="http://schemas.microsoft.com/office/drawing/2014/main" id="{55C7DDD0-0656-4EAE-ABD0-E433590C8729}"/>
-              </a:ext>
-            </a:extLst>
-          </p:cNvPr>
+          <p:cNvPr id="20489" name="图片 1" descr="QQ截图20190906104113"/>
           <p:cNvPicPr>
             <a:picLocks noChangeAspect="1" noChangeArrowheads="1"/>
           </p:cNvPicPr>
           <p:nvPr/>
         </p:nvPicPr>
         <p:blipFill>
-          <a:blip r:embed="rId4">
+          <a:blip r:embed="rId2">
             <a:extLst>
               <a:ext uri="{28A0092B-C50C-407E-A947-70E740481C1C}">
                 <a14:useLocalDpi xmlns:a14="http://schemas.microsoft.com/office/drawing/2010/main" val="0"/>
@@ -9276,7 +8637,7 @@
       </p:pic>
     </p:spTree>
     <p:custDataLst>
-      <p:tags r:id="rId1"/>
+      <p:tags r:id="rId3"/>
     </p:custDataLst>
   </p:cSld>
   <p:clrMapOvr>
@@ -9294,7 +8655,7 @@
               <p:cTn id="2" dur="indefinite" nodeType="mainSeq">
                 <p:childTnLst>
                   <p:par>
-                    <p:cTn id="3" fill="hold" nodeType="clickPar">
+                    <p:cTn id="3" fill="hold">
                       <p:stCondLst>
                         <p:cond delay="indefinite"/>
                         <p:cond evt="onBegin" delay="0">
@@ -9303,7 +8664,7 @@
                       </p:stCondLst>
                       <p:childTnLst>
                         <p:par>
-                          <p:cTn id="4" fill="hold" nodeType="withGroup">
+                          <p:cTn id="4" fill="hold">
                             <p:stCondLst>
                               <p:cond delay="0"/>
                             </p:stCondLst>
@@ -9385,9 +8746,9 @@
                           </p:cTn>
                         </p:par>
                         <p:par>
-                          <p:cTn id="9" fill="hold" nodeType="afterGroup">
+                          <p:cTn id="9" fill="hold">
                             <p:stCondLst>
-                              <p:cond delay="350"/>
+                              <p:cond delay="500"/>
                             </p:stCondLst>
                             <p:childTnLst>
                               <p:par>
@@ -9539,9 +8900,9 @@
                           </p:cTn>
                         </p:par>
                         <p:par>
-                          <p:cTn id="17" fill="hold" nodeType="afterGroup">
+                          <p:cTn id="17" fill="hold">
                             <p:stCondLst>
-                              <p:cond delay="990"/>
+                              <p:cond delay="639"/>
                             </p:stCondLst>
                             <p:childTnLst>
                               <p:par>
@@ -9632,16 +8993,8 @@
       </p:grpSpPr>
       <p:grpSp>
         <p:nvGrpSpPr>
-          <p:cNvPr id="16386" name="组合 16">
-            <a:extLst>
-              <a:ext uri="{FF2B5EF4-FFF2-40B4-BE49-F238E27FC236}">
-                <a16:creationId xmlns:a16="http://schemas.microsoft.com/office/drawing/2014/main" id="{CA15EF5D-5B13-4FE1-8B49-BD773E9E794A}"/>
-              </a:ext>
-            </a:extLst>
-          </p:cNvPr>
-          <p:cNvGrpSpPr>
-            <a:grpSpLocks/>
-          </p:cNvGrpSpPr>
+          <p:cNvPr id="16386" name="组合 16"/>
+          <p:cNvGrpSpPr/>
           <p:nvPr/>
         </p:nvGrpSpPr>
         <p:grpSpPr bwMode="auto">
@@ -9654,13 +9007,7 @@
         </p:grpSpPr>
         <p:sp>
           <p:nvSpPr>
-            <p:cNvPr id="21506" name="矩形 17">
-              <a:extLst>
-                <a:ext uri="{FF2B5EF4-FFF2-40B4-BE49-F238E27FC236}">
-                  <a16:creationId xmlns:a16="http://schemas.microsoft.com/office/drawing/2014/main" id="{B8BABF45-6AAD-44C1-967E-43AC1CA0B141}"/>
-                </a:ext>
-              </a:extLst>
-            </p:cNvPr>
+            <p:cNvPr id="21506" name="矩形 17"/>
             <p:cNvSpPr>
               <a:spLocks noChangeArrowheads="1"/>
             </p:cNvSpPr>
@@ -9720,6 +9067,14 @@
                 </a:rPr>
                 <a:t>       </a:t>
               </a:r>
+              <a:endParaRPr lang="en-US" altLang="zh-CN" sz="1400">
+                <a:solidFill>
+                  <a:srgbClr val="000000"/>
+                </a:solidFill>
+                <a:latin typeface="微软雅黑" panose="020B0503020204020204" pitchFamily="34" charset="-122"/>
+                <a:ea typeface="微软雅黑" panose="020B0503020204020204" pitchFamily="34" charset="-122"/>
+                <a:sym typeface="微软雅黑" panose="020B0503020204020204" pitchFamily="34" charset="-122"/>
+              </a:endParaRPr>
             </a:p>
             <a:p>
               <a:pPr>
@@ -9782,6 +9137,14 @@
                 </a:rPr>
                 <a:t>。</a:t>
               </a:r>
+              <a:endParaRPr lang="zh-CN" altLang="en-US" sz="1400">
+                <a:solidFill>
+                  <a:srgbClr val="000000"/>
+                </a:solidFill>
+                <a:latin typeface="微软雅黑" panose="020B0503020204020204" pitchFamily="34" charset="-122"/>
+                <a:ea typeface="微软雅黑" panose="020B0503020204020204" pitchFamily="34" charset="-122"/>
+                <a:sym typeface="微软雅黑" panose="020B0503020204020204" pitchFamily="34" charset="-122"/>
+              </a:endParaRPr>
             </a:p>
             <a:p>
               <a:pPr>
@@ -9859,6 +9222,14 @@
                 </a:rPr>
                 <a:t>。</a:t>
               </a:r>
+              <a:endParaRPr lang="zh-CN" altLang="en-US" sz="1400">
+                <a:solidFill>
+                  <a:srgbClr val="000000"/>
+                </a:solidFill>
+                <a:latin typeface="微软雅黑" panose="020B0503020204020204" pitchFamily="34" charset="-122"/>
+                <a:ea typeface="微软雅黑" panose="020B0503020204020204" pitchFamily="34" charset="-122"/>
+                <a:sym typeface="微软雅黑" panose="020B0503020204020204" pitchFamily="34" charset="-122"/>
+              </a:endParaRPr>
             </a:p>
             <a:p>
               <a:pPr>
@@ -9905,13 +9276,7 @@
         </p:sp>
         <p:sp>
           <p:nvSpPr>
-            <p:cNvPr id="21507" name="矩形 18">
-              <a:extLst>
-                <a:ext uri="{FF2B5EF4-FFF2-40B4-BE49-F238E27FC236}">
-                  <a16:creationId xmlns:a16="http://schemas.microsoft.com/office/drawing/2014/main" id="{0EBE297E-E25A-40B3-8ACF-3621B2B06EFA}"/>
-                </a:ext>
-              </a:extLst>
-            </p:cNvPr>
+            <p:cNvPr id="21507" name="矩形 18"/>
             <p:cNvSpPr>
               <a:spLocks noChangeArrowheads="1"/>
             </p:cNvSpPr>
@@ -10002,13 +9367,7 @@
       </p:grpSp>
       <p:sp>
         <p:nvSpPr>
-          <p:cNvPr id="16389" name="TextBox 108">
-            <a:extLst>
-              <a:ext uri="{FF2B5EF4-FFF2-40B4-BE49-F238E27FC236}">
-                <a16:creationId xmlns:a16="http://schemas.microsoft.com/office/drawing/2014/main" id="{8F395579-2BD4-4CB3-ACCE-F3EEAD8608A5}"/>
-              </a:ext>
-            </a:extLst>
-          </p:cNvPr>
+          <p:cNvPr id="16389" name="TextBox 108"/>
           <p:cNvSpPr>
             <a:spLocks noChangeArrowheads="1"/>
           </p:cNvSpPr>
@@ -10063,21 +9422,21 @@
               </a:rPr>
               <a:t>第一个应用程序</a:t>
             </a:r>
+            <a:endParaRPr lang="zh-CN" altLang="en-US">
+              <a:solidFill>
+                <a:schemeClr val="bg1"/>
+              </a:solidFill>
+              <a:latin typeface="微软雅黑" panose="020B0503020204020204" pitchFamily="34" charset="-122"/>
+              <a:ea typeface="微软雅黑" panose="020B0503020204020204" pitchFamily="34" charset="-122"/>
+              <a:sym typeface="微软雅黑" panose="020B0503020204020204" pitchFamily="34" charset="-122"/>
+            </a:endParaRPr>
           </a:p>
         </p:txBody>
       </p:sp>
       <p:grpSp>
         <p:nvGrpSpPr>
-          <p:cNvPr id="16390" name="组合 29">
-            <a:extLst>
-              <a:ext uri="{FF2B5EF4-FFF2-40B4-BE49-F238E27FC236}">
-                <a16:creationId xmlns:a16="http://schemas.microsoft.com/office/drawing/2014/main" id="{8A00BAAE-D3FC-48EA-A033-1BFA1D40A068}"/>
-              </a:ext>
-            </a:extLst>
-          </p:cNvPr>
-          <p:cNvGrpSpPr>
-            <a:grpSpLocks/>
-          </p:cNvGrpSpPr>
+          <p:cNvPr id="16390" name="组合 29"/>
+          <p:cNvGrpSpPr/>
           <p:nvPr/>
         </p:nvGrpSpPr>
         <p:grpSpPr bwMode="auto">
@@ -10090,13 +9449,7 @@
         </p:grpSpPr>
         <p:sp>
           <p:nvSpPr>
-            <p:cNvPr id="21510" name="矩形 30">
-              <a:extLst>
-                <a:ext uri="{FF2B5EF4-FFF2-40B4-BE49-F238E27FC236}">
-                  <a16:creationId xmlns:a16="http://schemas.microsoft.com/office/drawing/2014/main" id="{39BEE6D0-C9F8-4FB3-BCF9-F0A6BEA3E5E2}"/>
-                </a:ext>
-              </a:extLst>
-            </p:cNvPr>
+            <p:cNvPr id="21510" name="矩形 30"/>
             <p:cNvSpPr>
               <a:spLocks noChangeArrowheads="1"/>
             </p:cNvSpPr>
@@ -10146,13 +9499,7 @@
         </p:sp>
         <p:sp>
           <p:nvSpPr>
-            <p:cNvPr id="21511" name="矩形 31">
-              <a:extLst>
-                <a:ext uri="{FF2B5EF4-FFF2-40B4-BE49-F238E27FC236}">
-                  <a16:creationId xmlns:a16="http://schemas.microsoft.com/office/drawing/2014/main" id="{98C82680-0723-4CB3-9D07-42AD7BAEC424}"/>
-                </a:ext>
-              </a:extLst>
-            </p:cNvPr>
+            <p:cNvPr id="21511" name="矩形 31"/>
             <p:cNvSpPr>
               <a:spLocks noChangeArrowheads="1"/>
             </p:cNvSpPr>
@@ -10203,20 +9550,14 @@
       </p:grpSp>
       <p:pic>
         <p:nvPicPr>
-          <p:cNvPr id="21512" name="图片 1" descr="timg">
-            <a:extLst>
-              <a:ext uri="{FF2B5EF4-FFF2-40B4-BE49-F238E27FC236}">
-                <a16:creationId xmlns:a16="http://schemas.microsoft.com/office/drawing/2014/main" id="{DF41C52C-02E0-475A-AFBD-6B137443AB2F}"/>
-              </a:ext>
-            </a:extLst>
-          </p:cNvPr>
+          <p:cNvPr id="21512" name="图片 1" descr="timg"/>
           <p:cNvPicPr>
             <a:picLocks noChangeAspect="1" noChangeArrowheads="1"/>
           </p:cNvPicPr>
           <p:nvPr/>
         </p:nvPicPr>
         <p:blipFill>
-          <a:blip r:embed="rId3">
+          <a:blip r:embed="rId1">
             <a:extLst>
               <a:ext uri="{28A0092B-C50C-407E-A947-70E740481C1C}">
                 <a14:useLocalDpi xmlns:a14="http://schemas.microsoft.com/office/drawing/2010/main" val="0"/>
@@ -10263,7 +9604,7 @@
       </p:pic>
     </p:spTree>
     <p:custDataLst>
-      <p:tags r:id="rId1"/>
+      <p:tags r:id="rId2"/>
     </p:custDataLst>
   </p:cSld>
   <p:clrMapOvr>
@@ -10281,7 +9622,7 @@
               <p:cTn id="2" dur="indefinite" nodeType="mainSeq">
                 <p:childTnLst>
                   <p:par>
-                    <p:cTn id="3" fill="hold" nodeType="clickPar">
+                    <p:cTn id="3" fill="hold">
                       <p:stCondLst>
                         <p:cond delay="indefinite"/>
                         <p:cond evt="onBegin" delay="0">
@@ -10290,7 +9631,7 @@
                       </p:stCondLst>
                       <p:childTnLst>
                         <p:par>
-                          <p:cTn id="4" fill="hold" nodeType="withGroup">
+                          <p:cTn id="4" fill="hold">
                             <p:stCondLst>
                               <p:cond delay="0"/>
                             </p:stCondLst>
@@ -10372,9 +9713,9 @@
                           </p:cTn>
                         </p:par>
                         <p:par>
-                          <p:cTn id="9" fill="hold" nodeType="afterGroup">
+                          <p:cTn id="9" fill="hold">
                             <p:stCondLst>
-                              <p:cond delay="350"/>
+                              <p:cond delay="500"/>
                             </p:stCondLst>
                             <p:childTnLst>
                               <p:par>
@@ -10526,9 +9867,9 @@
                           </p:cTn>
                         </p:par>
                         <p:par>
-                          <p:cTn id="17" fill="hold" nodeType="afterGroup">
+                          <p:cTn id="17" fill="hold">
                             <p:stCondLst>
-                              <p:cond delay="990"/>
+                              <p:cond delay="639"/>
                             </p:stCondLst>
                             <p:childTnLst>
                               <p:par>
@@ -10619,13 +9960,7 @@
       </p:grpSpPr>
       <p:sp>
         <p:nvSpPr>
-          <p:cNvPr id="18434" name="矩形 1">
-            <a:extLst>
-              <a:ext uri="{FF2B5EF4-FFF2-40B4-BE49-F238E27FC236}">
-                <a16:creationId xmlns:a16="http://schemas.microsoft.com/office/drawing/2014/main" id="{EF5092A8-9B14-40A2-9C6D-05E7D61ECFBC}"/>
-              </a:ext>
-            </a:extLst>
-          </p:cNvPr>
+          <p:cNvPr id="18434" name="矩形 1"/>
           <p:cNvSpPr>
             <a:spLocks noChangeArrowheads="1"/>
           </p:cNvSpPr>
@@ -10675,13 +10010,7 @@
       </p:sp>
       <p:sp>
         <p:nvSpPr>
-          <p:cNvPr id="22530" name="文本框 2">
-            <a:extLst>
-              <a:ext uri="{FF2B5EF4-FFF2-40B4-BE49-F238E27FC236}">
-                <a16:creationId xmlns:a16="http://schemas.microsoft.com/office/drawing/2014/main" id="{B0C2F95D-1022-4D6B-9B6B-304DF87D3254}"/>
-              </a:ext>
-            </a:extLst>
-          </p:cNvPr>
+          <p:cNvPr id="22530" name="文本框 2"/>
           <p:cNvSpPr>
             <a:spLocks noChangeArrowheads="1"/>
           </p:cNvSpPr>
@@ -10749,16 +10078,8 @@
       </p:sp>
       <p:grpSp>
         <p:nvGrpSpPr>
-          <p:cNvPr id="18436" name="组合 11">
-            <a:extLst>
-              <a:ext uri="{FF2B5EF4-FFF2-40B4-BE49-F238E27FC236}">
-                <a16:creationId xmlns:a16="http://schemas.microsoft.com/office/drawing/2014/main" id="{84B71193-3ABE-4090-8E0C-E94A1A0C481D}"/>
-              </a:ext>
-            </a:extLst>
-          </p:cNvPr>
-          <p:cNvGrpSpPr>
-            <a:grpSpLocks/>
-          </p:cNvGrpSpPr>
+          <p:cNvPr id="18436" name="组合 11"/>
+          <p:cNvGrpSpPr/>
           <p:nvPr/>
         </p:nvGrpSpPr>
         <p:grpSpPr bwMode="auto">
@@ -10771,13 +10092,7 @@
         </p:grpSpPr>
         <p:sp>
           <p:nvSpPr>
-            <p:cNvPr id="22532" name="TextBox 4">
-              <a:extLst>
-                <a:ext uri="{FF2B5EF4-FFF2-40B4-BE49-F238E27FC236}">
-                  <a16:creationId xmlns:a16="http://schemas.microsoft.com/office/drawing/2014/main" id="{9A28346A-51DB-4A55-A344-A5F6A6BA2B17}"/>
-                </a:ext>
-              </a:extLst>
-            </p:cNvPr>
+            <p:cNvPr id="22532" name="TextBox 4"/>
             <p:cNvSpPr>
               <a:spLocks noChangeArrowheads="1"/>
             </p:cNvSpPr>
@@ -10843,13 +10158,7 @@
         </p:sp>
         <p:sp>
           <p:nvSpPr>
-            <p:cNvPr id="22533" name="文本框 8">
-              <a:extLst>
-                <a:ext uri="{FF2B5EF4-FFF2-40B4-BE49-F238E27FC236}">
-                  <a16:creationId xmlns:a16="http://schemas.microsoft.com/office/drawing/2014/main" id="{52E7D575-25E1-4795-8DF2-4888F08AB792}"/>
-                </a:ext>
-              </a:extLst>
-            </p:cNvPr>
+            <p:cNvPr id="22533" name="文本框 8"/>
             <p:cNvSpPr>
               <a:spLocks noChangeArrowheads="1"/>
             </p:cNvSpPr>
@@ -10904,6 +10213,14 @@
                 </a:rPr>
                 <a:t>综合实验</a:t>
               </a:r>
+              <a:endParaRPr lang="zh-CN" altLang="en-US" sz="2400" b="1">
+                <a:solidFill>
+                  <a:srgbClr val="3F3F3F"/>
+                </a:solidFill>
+                <a:latin typeface="微软雅黑" panose="020B0503020204020204" pitchFamily="34" charset="-122"/>
+                <a:ea typeface="微软雅黑" panose="020B0503020204020204" pitchFamily="34" charset="-122"/>
+                <a:sym typeface="微软雅黑" panose="020B0503020204020204" pitchFamily="34" charset="-122"/>
+              </a:endParaRPr>
             </a:p>
             <a:p>
               <a:endParaRPr lang="zh-CN" altLang="en-US" sz="2400" b="1">
@@ -10920,13 +10237,7 @@
       </p:grpSp>
       <p:sp>
         <p:nvSpPr>
-          <p:cNvPr id="18439" name="矩形 9">
-            <a:extLst>
-              <a:ext uri="{FF2B5EF4-FFF2-40B4-BE49-F238E27FC236}">
-                <a16:creationId xmlns:a16="http://schemas.microsoft.com/office/drawing/2014/main" id="{FADDA05B-CB78-46E0-9673-48493B0BB8CB}"/>
-              </a:ext>
-            </a:extLst>
-          </p:cNvPr>
+          <p:cNvPr id="18439" name="矩形 9"/>
           <p:cNvSpPr>
             <a:spLocks noChangeArrowheads="1"/>
           </p:cNvSpPr>
@@ -10976,13 +10287,7 @@
       </p:sp>
       <p:sp>
         <p:nvSpPr>
-          <p:cNvPr id="18440" name="矩形 10">
-            <a:extLst>
-              <a:ext uri="{FF2B5EF4-FFF2-40B4-BE49-F238E27FC236}">
-                <a16:creationId xmlns:a16="http://schemas.microsoft.com/office/drawing/2014/main" id="{8A250E85-9E01-4301-95CC-5C1ED095186B}"/>
-              </a:ext>
-            </a:extLst>
-          </p:cNvPr>
+          <p:cNvPr id="18440" name="矩形 10"/>
           <p:cNvSpPr>
             <a:spLocks noChangeArrowheads="1"/>
           </p:cNvSpPr>
@@ -11050,7 +10355,7 @@
               <p:cTn id="2" dur="indefinite" nodeType="mainSeq">
                 <p:childTnLst>
                   <p:par>
-                    <p:cTn id="3" fill="hold" nodeType="clickPar">
+                    <p:cTn id="3" fill="hold">
                       <p:stCondLst>
                         <p:cond delay="indefinite"/>
                         <p:cond evt="onBegin" delay="0">
@@ -11059,7 +10364,7 @@
                       </p:stCondLst>
                       <p:childTnLst>
                         <p:par>
-                          <p:cTn id="4" fill="hold" nodeType="withGroup">
+                          <p:cTn id="4" fill="hold">
                             <p:stCondLst>
                               <p:cond delay="0"/>
                             </p:stCondLst>
@@ -11176,9 +10481,9 @@
                           </p:cTn>
                         </p:par>
                         <p:par>
-                          <p:cTn id="12" fill="hold" nodeType="afterGroup">
+                          <p:cTn id="12" fill="hold">
                             <p:stCondLst>
-                              <p:cond delay="700"/>
+                              <p:cond delay="500"/>
                             </p:stCondLst>
                             <p:childTnLst>
                               <p:par>
@@ -11220,9 +10525,9 @@
                           </p:cTn>
                         </p:par>
                         <p:par>
-                          <p:cTn id="16" fill="hold" nodeType="afterGroup">
+                          <p:cTn id="16" fill="hold">
                             <p:stCondLst>
-                              <p:cond delay="1200"/>
+                              <p:cond delay="1000"/>
                             </p:stCondLst>
                             <p:childTnLst>
                               <p:par>
@@ -11315,13 +10620,7 @@
       </p:grpSpPr>
       <p:sp>
         <p:nvSpPr>
-          <p:cNvPr id="19461" name="TextBox 108">
-            <a:extLst>
-              <a:ext uri="{FF2B5EF4-FFF2-40B4-BE49-F238E27FC236}">
-                <a16:creationId xmlns:a16="http://schemas.microsoft.com/office/drawing/2014/main" id="{DA67CD7F-F3B3-45C4-9710-4A83F34E8A88}"/>
-              </a:ext>
-            </a:extLst>
-          </p:cNvPr>
+          <p:cNvPr id="19461" name="TextBox 108"/>
           <p:cNvSpPr>
             <a:spLocks noChangeArrowheads="1"/>
           </p:cNvSpPr>
@@ -11330,7 +10629,7 @@
         <p:spPr bwMode="auto">
           <a:xfrm>
             <a:off x="539750" y="266700"/>
-            <a:ext cx="1096963" cy="368300"/>
+            <a:ext cx="1783080" cy="368300"/>
           </a:xfrm>
           <a:prstGeom prst="rect">
             <a:avLst/>
@@ -11374,23 +10673,23 @@
                 <a:ea typeface="微软雅黑" panose="020B0503020204020204" pitchFamily="34" charset="-122"/>
                 <a:sym typeface="微软雅黑" panose="020B0503020204020204" pitchFamily="34" charset="-122"/>
               </a:rPr>
-              <a:t>综合实验</a:t>
+              <a:t>期末：综合实验</a:t>
             </a:r>
+            <a:endParaRPr lang="zh-CN" altLang="en-US">
+              <a:solidFill>
+                <a:schemeClr val="bg1"/>
+              </a:solidFill>
+              <a:latin typeface="微软雅黑" panose="020B0503020204020204" pitchFamily="34" charset="-122"/>
+              <a:ea typeface="微软雅黑" panose="020B0503020204020204" pitchFamily="34" charset="-122"/>
+              <a:sym typeface="微软雅黑" panose="020B0503020204020204" pitchFamily="34" charset="-122"/>
+            </a:endParaRPr>
           </a:p>
         </p:txBody>
       </p:sp>
       <p:grpSp>
         <p:nvGrpSpPr>
-          <p:cNvPr id="19462" name="组合 29">
-            <a:extLst>
-              <a:ext uri="{FF2B5EF4-FFF2-40B4-BE49-F238E27FC236}">
-                <a16:creationId xmlns:a16="http://schemas.microsoft.com/office/drawing/2014/main" id="{636F8619-1CAB-4819-B216-027318D6317D}"/>
-              </a:ext>
-            </a:extLst>
-          </p:cNvPr>
-          <p:cNvGrpSpPr>
-            <a:grpSpLocks/>
-          </p:cNvGrpSpPr>
+          <p:cNvPr id="19462" name="组合 29"/>
+          <p:cNvGrpSpPr/>
           <p:nvPr/>
         </p:nvGrpSpPr>
         <p:grpSpPr bwMode="auto">
@@ -11403,13 +10702,7 @@
         </p:grpSpPr>
         <p:sp>
           <p:nvSpPr>
-            <p:cNvPr id="23555" name="矩形 30">
-              <a:extLst>
-                <a:ext uri="{FF2B5EF4-FFF2-40B4-BE49-F238E27FC236}">
-                  <a16:creationId xmlns:a16="http://schemas.microsoft.com/office/drawing/2014/main" id="{9359B1C3-CEF2-4321-923E-DE44859DE7A3}"/>
-                </a:ext>
-              </a:extLst>
-            </p:cNvPr>
+            <p:cNvPr id="23555" name="矩形 30"/>
             <p:cNvSpPr>
               <a:spLocks noChangeArrowheads="1"/>
             </p:cNvSpPr>
@@ -11459,13 +10752,7 @@
         </p:sp>
         <p:sp>
           <p:nvSpPr>
-            <p:cNvPr id="23556" name="矩形 31">
-              <a:extLst>
-                <a:ext uri="{FF2B5EF4-FFF2-40B4-BE49-F238E27FC236}">
-                  <a16:creationId xmlns:a16="http://schemas.microsoft.com/office/drawing/2014/main" id="{3B42EAF0-3081-4E84-97B3-37CF68955537}"/>
-                </a:ext>
-              </a:extLst>
-            </p:cNvPr>
+            <p:cNvPr id="23556" name="矩形 31"/>
             <p:cNvSpPr>
               <a:spLocks noChangeArrowheads="1"/>
             </p:cNvSpPr>
@@ -11516,13 +10803,7 @@
       </p:grpSp>
       <p:sp>
         <p:nvSpPr>
-          <p:cNvPr id="23557" name="椭圆 27">
-            <a:extLst>
-              <a:ext uri="{FF2B5EF4-FFF2-40B4-BE49-F238E27FC236}">
-                <a16:creationId xmlns:a16="http://schemas.microsoft.com/office/drawing/2014/main" id="{A8721ADB-AE71-4D79-A896-14E94ECE341D}"/>
-              </a:ext>
-            </a:extLst>
-          </p:cNvPr>
+          <p:cNvPr id="23557" name="椭圆 27"/>
           <p:cNvSpPr>
             <a:spLocks noChangeArrowheads="1"/>
           </p:cNvSpPr>
@@ -11549,8 +10830,6 @@
                   <a:srgbClr val="000000"/>
                 </a:solidFill>
                 <a:round/>
-                <a:headEnd/>
-                <a:tailEnd/>
               </a14:hiddenLine>
             </a:ext>
           </a:extLst>
@@ -11573,20 +10852,14 @@
       </p:sp>
       <p:pic>
         <p:nvPicPr>
-          <p:cNvPr id="23558" name="图片 1" descr="QQ图片20190906104753">
-            <a:extLst>
-              <a:ext uri="{FF2B5EF4-FFF2-40B4-BE49-F238E27FC236}">
-                <a16:creationId xmlns:a16="http://schemas.microsoft.com/office/drawing/2014/main" id="{0AF3684E-B9BC-44EF-A55C-B8AFB7DB4633}"/>
-              </a:ext>
-            </a:extLst>
-          </p:cNvPr>
+          <p:cNvPr id="23558" name="图片 1" descr="QQ图片20190906104753"/>
           <p:cNvPicPr>
             <a:picLocks noChangeAspect="1" noChangeArrowheads="1"/>
           </p:cNvPicPr>
           <p:nvPr/>
         </p:nvPicPr>
         <p:blipFill>
-          <a:blip r:embed="rId3">
+          <a:blip r:embed="rId1">
             <a:extLst>
               <a:ext uri="{28A0092B-C50C-407E-A947-70E740481C1C}">
                 <a14:useLocalDpi xmlns:a14="http://schemas.microsoft.com/office/drawing/2010/main" val="0"/>
@@ -11633,20 +10906,14 @@
       </p:pic>
       <p:pic>
         <p:nvPicPr>
-          <p:cNvPr id="23559" name="图片 2" descr="QQ截图20190906104937">
-            <a:extLst>
-              <a:ext uri="{FF2B5EF4-FFF2-40B4-BE49-F238E27FC236}">
-                <a16:creationId xmlns:a16="http://schemas.microsoft.com/office/drawing/2014/main" id="{3F1AE2B7-5A5D-42D0-84AA-3FB5FAD6389E}"/>
-              </a:ext>
-            </a:extLst>
-          </p:cNvPr>
+          <p:cNvPr id="23559" name="图片 2" descr="QQ截图20190906104937"/>
           <p:cNvPicPr>
             <a:picLocks noChangeAspect="1" noChangeArrowheads="1"/>
           </p:cNvPicPr>
           <p:nvPr/>
         </p:nvPicPr>
         <p:blipFill>
-          <a:blip r:embed="rId4">
+          <a:blip r:embed="rId2">
             <a:extLst>
               <a:ext uri="{28A0092B-C50C-407E-A947-70E740481C1C}">
                 <a14:useLocalDpi xmlns:a14="http://schemas.microsoft.com/office/drawing/2010/main" val="0"/>
@@ -11693,20 +10960,14 @@
       </p:pic>
       <p:pic>
         <p:nvPicPr>
-          <p:cNvPr id="23560" name="图片 3" descr="QQ截图20190906104958">
-            <a:extLst>
-              <a:ext uri="{FF2B5EF4-FFF2-40B4-BE49-F238E27FC236}">
-                <a16:creationId xmlns:a16="http://schemas.microsoft.com/office/drawing/2014/main" id="{B80C18FF-C57C-48AE-A711-1E811CB709C5}"/>
-              </a:ext>
-            </a:extLst>
-          </p:cNvPr>
+          <p:cNvPr id="23560" name="图片 3" descr="QQ截图20190906104958"/>
           <p:cNvPicPr>
             <a:picLocks noChangeAspect="1" noChangeArrowheads="1"/>
           </p:cNvPicPr>
           <p:nvPr/>
         </p:nvPicPr>
         <p:blipFill>
-          <a:blip r:embed="rId5">
+          <a:blip r:embed="rId3">
             <a:extLst>
               <a:ext uri="{28A0092B-C50C-407E-A947-70E740481C1C}">
                 <a14:useLocalDpi xmlns:a14="http://schemas.microsoft.com/office/drawing/2010/main" val="0"/>
@@ -11753,13 +11014,7 @@
       </p:pic>
       <p:sp>
         <p:nvSpPr>
-          <p:cNvPr id="23561" name="文本框 4">
-            <a:extLst>
-              <a:ext uri="{FF2B5EF4-FFF2-40B4-BE49-F238E27FC236}">
-                <a16:creationId xmlns:a16="http://schemas.microsoft.com/office/drawing/2014/main" id="{13E63E8D-4744-48AD-97AF-483C2B43C077}"/>
-              </a:ext>
-            </a:extLst>
-          </p:cNvPr>
+          <p:cNvPr id="23561" name="文本框 4"/>
           <p:cNvSpPr txBox="1">
             <a:spLocks noChangeArrowheads="1"/>
           </p:cNvSpPr>
@@ -11807,18 +11062,13 @@
               <a:rPr lang="zh-CN" altLang="en-US" sz="800"/>
               <a:t>https://github.com/HBU/AndroidTest/tree/master/MainGrid</a:t>
             </a:r>
+            <a:endParaRPr lang="zh-CN" altLang="en-US" sz="800"/>
           </a:p>
         </p:txBody>
       </p:sp>
       <p:sp>
         <p:nvSpPr>
-          <p:cNvPr id="23562" name="文本框 5">
-            <a:extLst>
-              <a:ext uri="{FF2B5EF4-FFF2-40B4-BE49-F238E27FC236}">
-                <a16:creationId xmlns:a16="http://schemas.microsoft.com/office/drawing/2014/main" id="{08C0D4D6-A0F0-4ED3-B9E0-EF17CCB2206B}"/>
-              </a:ext>
-            </a:extLst>
-          </p:cNvPr>
+          <p:cNvPr id="23562" name="文本框 5"/>
           <p:cNvSpPr txBox="1">
             <a:spLocks noChangeArrowheads="1"/>
           </p:cNvSpPr>
@@ -11870,12 +11120,13 @@
               <a:rPr lang="zh-CN" altLang="en-US" sz="1200"/>
               <a:t>：</a:t>
             </a:r>
+            <a:endParaRPr lang="zh-CN" altLang="en-US" sz="1200"/>
           </a:p>
         </p:txBody>
       </p:sp>
     </p:spTree>
     <p:custDataLst>
-      <p:tags r:id="rId1"/>
+      <p:tags r:id="rId4"/>
     </p:custDataLst>
   </p:cSld>
   <p:clrMapOvr>
@@ -11893,7 +11144,7 @@
               <p:cTn id="2" dur="indefinite" nodeType="mainSeq">
                 <p:childTnLst>
                   <p:par>
-                    <p:cTn id="3" fill="hold" nodeType="clickPar">
+                    <p:cTn id="3" fill="hold">
                       <p:stCondLst>
                         <p:cond delay="indefinite"/>
                         <p:cond evt="onBegin" delay="0">
@@ -11902,7 +11153,7 @@
                       </p:stCondLst>
                       <p:childTnLst>
                         <p:par>
-                          <p:cTn id="4" fill="hold" nodeType="withGroup">
+                          <p:cTn id="4" fill="hold">
                             <p:stCondLst>
                               <p:cond delay="0"/>
                             </p:stCondLst>
@@ -11984,9 +11235,9 @@
                           </p:cTn>
                         </p:par>
                         <p:par>
-                          <p:cTn id="9" fill="hold" nodeType="afterGroup">
+                          <p:cTn id="9" fill="hold">
                             <p:stCondLst>
-                              <p:cond delay="350"/>
+                              <p:cond delay="500"/>
                             </p:stCondLst>
                             <p:childTnLst>
                               <p:par>
@@ -12177,6 +11428,102 @@
         <p:cNvGrpSpPr/>
         <p:nvPr/>
       </p:nvGrpSpPr>
+      <p:grpSpPr/>
+      <p:sp>
+        <p:nvSpPr>
+          <p:cNvPr id="6" name="标题 5"/>
+          <p:cNvSpPr>
+            <a:spLocks noGrp="1"/>
+          </p:cNvSpPr>
+          <p:nvPr>
+            <p:ph type="title"/>
+          </p:nvPr>
+        </p:nvSpPr>
+        <p:spPr/>
+        <p:txBody>
+          <a:bodyPr/>
+          <a:p>
+            <a:r>
+              <a:rPr lang="zh-CN" altLang="en-US"/>
+              <a:t>第二次实验课：制作一个简易计算器</a:t>
+            </a:r>
+            <a:endParaRPr lang="zh-CN" altLang="en-US"/>
+          </a:p>
+        </p:txBody>
+      </p:sp>
+      <p:pic>
+        <p:nvPicPr>
+          <p:cNvPr id="7" name="内容占位符 6"/>
+          <p:cNvPicPr>
+            <a:picLocks noChangeAspect="1"/>
+          </p:cNvPicPr>
+          <p:nvPr>
+            <p:ph sz="half" idx="2"/>
+            <p:custDataLst>
+              <p:tags r:id="rId1"/>
+            </p:custDataLst>
+          </p:nvPr>
+        </p:nvPicPr>
+        <p:blipFill>
+          <a:blip r:embed="rId2"/>
+          <a:stretch>
+            <a:fillRect/>
+          </a:stretch>
+        </p:blipFill>
+        <p:spPr>
+          <a:xfrm>
+            <a:off x="4752340" y="805180"/>
+            <a:ext cx="2320290" cy="4121785"/>
+          </a:xfrm>
+          <a:prstGeom prst="rect">
+            <a:avLst/>
+          </a:prstGeom>
+        </p:spPr>
+      </p:pic>
+      <p:pic>
+        <p:nvPicPr>
+          <p:cNvPr id="8" name="图片 7"/>
+          <p:cNvPicPr>
+            <a:picLocks noChangeAspect="1"/>
+          </p:cNvPicPr>
+          <p:nvPr/>
+        </p:nvPicPr>
+        <p:blipFill>
+          <a:blip r:embed="rId3"/>
+          <a:stretch>
+            <a:fillRect/>
+          </a:stretch>
+        </p:blipFill>
+        <p:spPr>
+          <a:xfrm>
+            <a:off x="1487805" y="785495"/>
+            <a:ext cx="2005965" cy="4141470"/>
+          </a:xfrm>
+          <a:prstGeom prst="rect">
+            <a:avLst/>
+          </a:prstGeom>
+        </p:spPr>
+      </p:pic>
+    </p:spTree>
+    <p:custDataLst>
+      <p:tags r:id="rId4"/>
+    </p:custDataLst>
+  </p:cSld>
+  <p:clrMapOvr>
+    <a:masterClrMapping/>
+  </p:clrMapOvr>
+</p:sld>
+</file>
+
+<file path=ppt/slides/slide16.xml><?xml version="1.0" encoding="utf-8"?>
+<p:sld xmlns:a="http://schemas.openxmlformats.org/drawingml/2006/main" xmlns:r="http://schemas.openxmlformats.org/officeDocument/2006/relationships" xmlns:p="http://schemas.openxmlformats.org/presentationml/2006/main">
+  <p:cSld>
+    <p:spTree>
+      <p:nvGrpSpPr>
+        <p:cNvPr id="1" name=""/>
+        <p:cNvGrpSpPr/>
+        <p:nvPr/>
+      </p:nvGrpSpPr>
       <p:grpSpPr>
         <a:xfrm>
           <a:off x="0" y="0"/>
@@ -12187,20 +11534,14 @@
       </p:grpSpPr>
       <p:pic>
         <p:nvPicPr>
-          <p:cNvPr id="54" name="图片 4" descr="2457331_082944614000_2.jpg">
-            <a:extLst>
-              <a:ext uri="{FF2B5EF4-FFF2-40B4-BE49-F238E27FC236}">
-                <a16:creationId xmlns:a16="http://schemas.microsoft.com/office/drawing/2014/main" id="{71C8038C-16BE-4B0D-9DFD-2E54F14A95E0}"/>
-              </a:ext>
-            </a:extLst>
-          </p:cNvPr>
+          <p:cNvPr id="54" name="图片 4" descr="2457331_082944614000_2.jpg"/>
           <p:cNvPicPr>
             <a:picLocks noChangeAspect="1" noChangeArrowheads="1"/>
           </p:cNvPicPr>
           <p:nvPr/>
         </p:nvPicPr>
         <p:blipFill>
-          <a:blip r:embed="rId4">
+          <a:blip r:embed="rId1">
             <a:extLst>
               <a:ext uri="{28A0092B-C50C-407E-A947-70E740481C1C}">
                 <a14:useLocalDpi xmlns:a14="http://schemas.microsoft.com/office/drawing/2010/main" val="0"/>
@@ -12247,13 +11588,7 @@
       </p:pic>
       <p:sp>
         <p:nvSpPr>
-          <p:cNvPr id="57" name="TextBox 56">
-            <a:extLst>
-              <a:ext uri="{FF2B5EF4-FFF2-40B4-BE49-F238E27FC236}">
-                <a16:creationId xmlns:a16="http://schemas.microsoft.com/office/drawing/2014/main" id="{C47A4AD1-1B26-40A3-9743-2F24755E91F2}"/>
-              </a:ext>
-            </a:extLst>
-          </p:cNvPr>
+          <p:cNvPr id="57" name="TextBox 56"/>
           <p:cNvSpPr txBox="1">
             <a:spLocks noChangeArrowheads="1"/>
           </p:cNvSpPr>
@@ -12329,7 +11664,7 @@
       </p:sp>
     </p:spTree>
     <p:custDataLst>
-      <p:tags r:id="rId1"/>
+      <p:tags r:id="rId2"/>
     </p:custDataLst>
   </p:cSld>
   <p:clrMapOvr>
@@ -12347,7 +11682,7 @@
               <p:cTn id="2" dur="indefinite" nodeType="mainSeq">
                 <p:childTnLst>
                   <p:par>
-                    <p:cTn id="3" fill="hold" nodeType="clickPar">
+                    <p:cTn id="3" fill="hold">
                       <p:stCondLst>
                         <p:cond delay="indefinite"/>
                         <p:cond evt="onBegin" delay="0">
@@ -12356,7 +11691,7 @@
                       </p:stCondLst>
                       <p:childTnLst>
                         <p:par>
-                          <p:cTn id="4" fill="hold" nodeType="withGroup">
+                          <p:cTn id="4" fill="hold">
                             <p:stCondLst>
                               <p:cond delay="0"/>
                             </p:stCondLst>
@@ -12438,7 +11773,7 @@
                           </p:cTn>
                         </p:par>
                         <p:par>
-                          <p:cTn id="9" fill="hold" nodeType="afterGroup">
+                          <p:cTn id="9" fill="hold">
                             <p:stCondLst>
                               <p:cond delay="500"/>
                             </p:stCondLst>
@@ -12657,13 +11992,7 @@
       </p:grpSpPr>
       <p:sp>
         <p:nvSpPr>
-          <p:cNvPr id="2" name="矩形 1">
-            <a:extLst>
-              <a:ext uri="{FF2B5EF4-FFF2-40B4-BE49-F238E27FC236}">
-                <a16:creationId xmlns:a16="http://schemas.microsoft.com/office/drawing/2014/main" id="{87E17F34-6E22-49C8-A168-3D2C9BD70651}"/>
-              </a:ext>
-            </a:extLst>
-          </p:cNvPr>
+          <p:cNvPr id="2" name="矩形 1"/>
           <p:cNvSpPr/>
           <p:nvPr/>
         </p:nvSpPr>
@@ -12711,13 +12040,7 @@
       </p:sp>
       <p:sp>
         <p:nvSpPr>
-          <p:cNvPr id="3" name="文本框 2">
-            <a:extLst>
-              <a:ext uri="{FF2B5EF4-FFF2-40B4-BE49-F238E27FC236}">
-                <a16:creationId xmlns:a16="http://schemas.microsoft.com/office/drawing/2014/main" id="{84F56CC9-CAD6-445A-A111-080C468702AC}"/>
-              </a:ext>
-            </a:extLst>
-          </p:cNvPr>
+          <p:cNvPr id="3" name="文本框 2"/>
           <p:cNvSpPr txBox="1"/>
           <p:nvPr/>
         </p:nvSpPr>
@@ -12743,7 +12066,7 @@
             <a:r>
               <a:rPr lang="zh-CN" altLang="en-US" sz="3000" kern="10" noProof="1">
                 <a:blipFill dpi="0" rotWithShape="1">
-                  <a:blip r:embed="rId4"/>
+                  <a:blip r:embed="rId1"/>
                   <a:srcRect/>
                   <a:tile tx="0" ty="0" sx="100000" sy="100000" flip="none" algn="tl"/>
                 </a:blipFill>
@@ -12773,13 +12096,7 @@
       </p:sp>
       <p:sp>
         <p:nvSpPr>
-          <p:cNvPr id="5" name="TextBox 23">
-            <a:extLst>
-              <a:ext uri="{FF2B5EF4-FFF2-40B4-BE49-F238E27FC236}">
-                <a16:creationId xmlns:a16="http://schemas.microsoft.com/office/drawing/2014/main" id="{C65224DB-6CE4-4551-97DC-4707DBFC3E09}"/>
-              </a:ext>
-            </a:extLst>
-          </p:cNvPr>
+          <p:cNvPr id="5" name="TextBox 23"/>
           <p:cNvSpPr txBox="1"/>
           <p:nvPr/>
         </p:nvSpPr>
@@ -12822,6 +12139,9 @@
               </a:rPr>
               <a:t>第一个应用程序</a:t>
             </a:r>
+            <a:endParaRPr lang="zh-CN" altLang="en-US" sz="1400" b="1" dirty="0">
+              <a:sym typeface="+mn-ea"/>
+            </a:endParaRPr>
           </a:p>
           <a:p>
             <a:pPr>
@@ -12999,6 +12319,9 @@
               </a:rPr>
               <a:t> </a:t>
             </a:r>
+            <a:endParaRPr lang="en-US" altLang="zh-CN" sz="1400" b="1" dirty="0">
+              <a:sym typeface="+mn-ea"/>
+            </a:endParaRPr>
           </a:p>
           <a:p>
             <a:pPr marL="285750" indent="-285750">
@@ -13035,13 +12358,7 @@
       </p:sp>
       <p:sp>
         <p:nvSpPr>
-          <p:cNvPr id="9" name="文本框 8">
-            <a:extLst>
-              <a:ext uri="{FF2B5EF4-FFF2-40B4-BE49-F238E27FC236}">
-                <a16:creationId xmlns:a16="http://schemas.microsoft.com/office/drawing/2014/main" id="{C5FA6FC8-D1D3-4F22-91F5-D465EF64F991}"/>
-              </a:ext>
-            </a:extLst>
-          </p:cNvPr>
+          <p:cNvPr id="9" name="文本框 8"/>
           <p:cNvSpPr txBox="1"/>
           <p:nvPr/>
         </p:nvSpPr>
@@ -13100,13 +12417,7 @@
       </p:sp>
       <p:sp>
         <p:nvSpPr>
-          <p:cNvPr id="10" name="矩形 9">
-            <a:extLst>
-              <a:ext uri="{FF2B5EF4-FFF2-40B4-BE49-F238E27FC236}">
-                <a16:creationId xmlns:a16="http://schemas.microsoft.com/office/drawing/2014/main" id="{8A21C450-D66B-439A-AB58-832C884DBFA0}"/>
-              </a:ext>
-            </a:extLst>
-          </p:cNvPr>
+          <p:cNvPr id="10" name="矩形 9"/>
           <p:cNvSpPr/>
           <p:nvPr/>
         </p:nvSpPr>
@@ -13154,13 +12465,7 @@
       </p:sp>
       <p:sp>
         <p:nvSpPr>
-          <p:cNvPr id="11" name="矩形 10">
-            <a:extLst>
-              <a:ext uri="{FF2B5EF4-FFF2-40B4-BE49-F238E27FC236}">
-                <a16:creationId xmlns:a16="http://schemas.microsoft.com/office/drawing/2014/main" id="{F598AF82-8EC8-40EA-AD7A-957285BAFDBA}"/>
-              </a:ext>
-            </a:extLst>
-          </p:cNvPr>
+          <p:cNvPr id="11" name="矩形 10"/>
           <p:cNvSpPr/>
           <p:nvPr/>
         </p:nvSpPr>
@@ -13208,7 +12513,7 @@
       </p:sp>
     </p:spTree>
     <p:custDataLst>
-      <p:tags r:id="rId1"/>
+      <p:tags r:id="rId2"/>
     </p:custDataLst>
   </p:cSld>
   <p:clrMapOvr>
@@ -13226,7 +12531,7 @@
               <p:cTn id="2" dur="indefinite" nodeType="mainSeq">
                 <p:childTnLst>
                   <p:par>
-                    <p:cTn id="3" fill="hold" nodeType="clickPar">
+                    <p:cTn id="3" fill="hold">
                       <p:stCondLst>
                         <p:cond delay="indefinite"/>
                         <p:cond evt="onBegin" delay="0">
@@ -13235,7 +12540,7 @@
                       </p:stCondLst>
                       <p:childTnLst>
                         <p:par>
-                          <p:cTn id="4" fill="hold" nodeType="withGroup">
+                          <p:cTn id="4" fill="hold">
                             <p:stCondLst>
                               <p:cond delay="0"/>
                             </p:stCondLst>
@@ -13422,9 +12727,9 @@
                           </p:cTn>
                         </p:par>
                         <p:par>
-                          <p:cTn id="18" fill="hold" nodeType="afterGroup">
+                          <p:cTn id="18" fill="hold">
                             <p:stCondLst>
-                              <p:cond delay="700"/>
+                              <p:cond delay="500"/>
                             </p:stCondLst>
                             <p:childTnLst>
                               <p:par>
@@ -13504,9 +12809,9 @@
                           </p:cTn>
                         </p:par>
                         <p:par>
-                          <p:cTn id="23" fill="hold" nodeType="afterGroup">
+                          <p:cTn id="23" fill="hold">
                             <p:stCondLst>
-                              <p:cond delay="1200"/>
+                              <p:cond delay="1000"/>
                             </p:stCondLst>
                             <p:childTnLst>
                               <p:par>
@@ -13600,13 +12905,7 @@
       </p:grpSpPr>
       <p:sp>
         <p:nvSpPr>
-          <p:cNvPr id="5122" name="矩形 1">
-            <a:extLst>
-              <a:ext uri="{FF2B5EF4-FFF2-40B4-BE49-F238E27FC236}">
-                <a16:creationId xmlns:a16="http://schemas.microsoft.com/office/drawing/2014/main" id="{456A6FB8-F9B6-421F-A7EB-3F516E3D7885}"/>
-              </a:ext>
-            </a:extLst>
-          </p:cNvPr>
+          <p:cNvPr id="5122" name="矩形 1"/>
           <p:cNvSpPr>
             <a:spLocks noChangeArrowheads="1"/>
           </p:cNvSpPr>
@@ -13656,13 +12955,7 @@
       </p:sp>
       <p:sp>
         <p:nvSpPr>
-          <p:cNvPr id="12290" name="文本框 2">
-            <a:extLst>
-              <a:ext uri="{FF2B5EF4-FFF2-40B4-BE49-F238E27FC236}">
-                <a16:creationId xmlns:a16="http://schemas.microsoft.com/office/drawing/2014/main" id="{330BB6B2-E1B0-4152-8A0A-00E846656D54}"/>
-              </a:ext>
-            </a:extLst>
-          </p:cNvPr>
+          <p:cNvPr id="12290" name="文本框 2"/>
           <p:cNvSpPr>
             <a:spLocks noChangeArrowheads="1"/>
           </p:cNvSpPr>
@@ -13730,16 +13023,8 @@
       </p:sp>
       <p:grpSp>
         <p:nvGrpSpPr>
-          <p:cNvPr id="5124" name="组合 11">
-            <a:extLst>
-              <a:ext uri="{FF2B5EF4-FFF2-40B4-BE49-F238E27FC236}">
-                <a16:creationId xmlns:a16="http://schemas.microsoft.com/office/drawing/2014/main" id="{6327B50C-AC7F-4142-9B2D-89C402057AA2}"/>
-              </a:ext>
-            </a:extLst>
-          </p:cNvPr>
-          <p:cNvGrpSpPr>
-            <a:grpSpLocks/>
-          </p:cNvGrpSpPr>
+          <p:cNvPr id="5124" name="组合 11"/>
+          <p:cNvGrpSpPr/>
           <p:nvPr/>
         </p:nvGrpSpPr>
         <p:grpSpPr bwMode="auto">
@@ -13752,13 +13037,7 @@
         </p:grpSpPr>
         <p:sp>
           <p:nvSpPr>
-            <p:cNvPr id="12292" name="TextBox 4">
-              <a:extLst>
-                <a:ext uri="{FF2B5EF4-FFF2-40B4-BE49-F238E27FC236}">
-                  <a16:creationId xmlns:a16="http://schemas.microsoft.com/office/drawing/2014/main" id="{CCD1151E-3827-4CE8-8E83-2DA2B6EA965B}"/>
-                </a:ext>
-              </a:extLst>
-            </p:cNvPr>
+            <p:cNvPr id="12292" name="TextBox 4"/>
             <p:cNvSpPr>
               <a:spLocks noChangeArrowheads="1"/>
             </p:cNvSpPr>
@@ -13824,13 +13103,7 @@
         </p:sp>
         <p:sp>
           <p:nvSpPr>
-            <p:cNvPr id="12293" name="文本框 8">
-              <a:extLst>
-                <a:ext uri="{FF2B5EF4-FFF2-40B4-BE49-F238E27FC236}">
-                  <a16:creationId xmlns:a16="http://schemas.microsoft.com/office/drawing/2014/main" id="{8AE49CD8-C968-40C9-9EC1-44FC531F540C}"/>
-                </a:ext>
-              </a:extLst>
-            </p:cNvPr>
+            <p:cNvPr id="12293" name="文本框 8"/>
             <p:cNvSpPr>
               <a:spLocks noChangeArrowheads="1"/>
             </p:cNvSpPr>
@@ -13892,13 +13165,7 @@
       </p:grpSp>
       <p:sp>
         <p:nvSpPr>
-          <p:cNvPr id="5127" name="矩形 9">
-            <a:extLst>
-              <a:ext uri="{FF2B5EF4-FFF2-40B4-BE49-F238E27FC236}">
-                <a16:creationId xmlns:a16="http://schemas.microsoft.com/office/drawing/2014/main" id="{10D6E291-2273-421B-877A-AA8E241A1F31}"/>
-              </a:ext>
-            </a:extLst>
-          </p:cNvPr>
+          <p:cNvPr id="5127" name="矩形 9"/>
           <p:cNvSpPr>
             <a:spLocks noChangeArrowheads="1"/>
           </p:cNvSpPr>
@@ -13948,13 +13215,7 @@
       </p:sp>
       <p:sp>
         <p:nvSpPr>
-          <p:cNvPr id="5128" name="矩形 10">
-            <a:extLst>
-              <a:ext uri="{FF2B5EF4-FFF2-40B4-BE49-F238E27FC236}">
-                <a16:creationId xmlns:a16="http://schemas.microsoft.com/office/drawing/2014/main" id="{2EF451C3-32E0-4C67-B214-F3C7A4052C49}"/>
-              </a:ext>
-            </a:extLst>
-          </p:cNvPr>
+          <p:cNvPr id="5128" name="矩形 10"/>
           <p:cNvSpPr>
             <a:spLocks noChangeArrowheads="1"/>
           </p:cNvSpPr>
@@ -14022,7 +13283,7 @@
               <p:cTn id="2" dur="indefinite" nodeType="mainSeq">
                 <p:childTnLst>
                   <p:par>
-                    <p:cTn id="3" fill="hold" nodeType="clickPar">
+                    <p:cTn id="3" fill="hold">
                       <p:stCondLst>
                         <p:cond delay="indefinite"/>
                         <p:cond evt="onBegin" delay="0">
@@ -14031,7 +13292,7 @@
                       </p:stCondLst>
                       <p:childTnLst>
                         <p:par>
-                          <p:cTn id="4" fill="hold" nodeType="withGroup">
+                          <p:cTn id="4" fill="hold">
                             <p:stCondLst>
                               <p:cond delay="0"/>
                             </p:stCondLst>
@@ -14148,9 +13409,9 @@
                           </p:cTn>
                         </p:par>
                         <p:par>
-                          <p:cTn id="12" fill="hold" nodeType="afterGroup">
+                          <p:cTn id="12" fill="hold">
                             <p:stCondLst>
-                              <p:cond delay="700"/>
+                              <p:cond delay="500"/>
                             </p:stCondLst>
                             <p:childTnLst>
                               <p:par>
@@ -14192,9 +13453,9 @@
                           </p:cTn>
                         </p:par>
                         <p:par>
-                          <p:cTn id="16" fill="hold" nodeType="afterGroup">
+                          <p:cTn id="16" fill="hold">
                             <p:stCondLst>
-                              <p:cond delay="1200"/>
+                              <p:cond delay="1000"/>
                             </p:stCondLst>
                             <p:childTnLst>
                               <p:par>
@@ -14287,16 +13548,8 @@
       </p:grpSpPr>
       <p:grpSp>
         <p:nvGrpSpPr>
-          <p:cNvPr id="6146" name="组合 16">
-            <a:extLst>
-              <a:ext uri="{FF2B5EF4-FFF2-40B4-BE49-F238E27FC236}">
-                <a16:creationId xmlns:a16="http://schemas.microsoft.com/office/drawing/2014/main" id="{BA6D5524-DA53-4449-88CB-8F856537A32C}"/>
-              </a:ext>
-            </a:extLst>
-          </p:cNvPr>
-          <p:cNvGrpSpPr>
-            <a:grpSpLocks/>
-          </p:cNvGrpSpPr>
+          <p:cNvPr id="6146" name="组合 16"/>
+          <p:cNvGrpSpPr/>
           <p:nvPr/>
         </p:nvGrpSpPr>
         <p:grpSpPr bwMode="auto">
@@ -14309,13 +13562,7 @@
         </p:grpSpPr>
         <p:sp>
           <p:nvSpPr>
-            <p:cNvPr id="13314" name="矩形 17">
-              <a:extLst>
-                <a:ext uri="{FF2B5EF4-FFF2-40B4-BE49-F238E27FC236}">
-                  <a16:creationId xmlns:a16="http://schemas.microsoft.com/office/drawing/2014/main" id="{73759AA8-EAB6-4BB8-9FC8-6313ADE73DC8}"/>
-                </a:ext>
-              </a:extLst>
-            </p:cNvPr>
+            <p:cNvPr id="13314" name="矩形 17"/>
             <p:cNvSpPr>
               <a:spLocks noChangeArrowheads="1"/>
             </p:cNvSpPr>
@@ -14432,13 +13679,7 @@
         </p:sp>
         <p:sp>
           <p:nvSpPr>
-            <p:cNvPr id="13315" name="矩形 18">
-              <a:extLst>
-                <a:ext uri="{FF2B5EF4-FFF2-40B4-BE49-F238E27FC236}">
-                  <a16:creationId xmlns:a16="http://schemas.microsoft.com/office/drawing/2014/main" id="{D6082E81-6B35-4758-8054-C6661B9FD22E}"/>
-                </a:ext>
-              </a:extLst>
-            </p:cNvPr>
+            <p:cNvPr id="13315" name="矩形 18"/>
             <p:cNvSpPr>
               <a:spLocks noChangeArrowheads="1"/>
             </p:cNvSpPr>
@@ -14533,13 +13774,7 @@
       </p:grpSp>
       <p:sp>
         <p:nvSpPr>
-          <p:cNvPr id="6149" name="TextBox 108">
-            <a:extLst>
-              <a:ext uri="{FF2B5EF4-FFF2-40B4-BE49-F238E27FC236}">
-                <a16:creationId xmlns:a16="http://schemas.microsoft.com/office/drawing/2014/main" id="{6D1EBFE9-F183-4F8E-967F-25A2148312B1}"/>
-              </a:ext>
-            </a:extLst>
-          </p:cNvPr>
+          <p:cNvPr id="6149" name="TextBox 108"/>
           <p:cNvSpPr>
             <a:spLocks noChangeArrowheads="1"/>
           </p:cNvSpPr>
@@ -14594,21 +13829,21 @@
               </a:rPr>
               <a:t>第一个应用程序</a:t>
             </a:r>
+            <a:endParaRPr lang="zh-CN" altLang="en-US">
+              <a:solidFill>
+                <a:schemeClr val="bg1"/>
+              </a:solidFill>
+              <a:latin typeface="微软雅黑" panose="020B0503020204020204" pitchFamily="34" charset="-122"/>
+              <a:ea typeface="微软雅黑" panose="020B0503020204020204" pitchFamily="34" charset="-122"/>
+              <a:sym typeface="微软雅黑" panose="020B0503020204020204" pitchFamily="34" charset="-122"/>
+            </a:endParaRPr>
           </a:p>
         </p:txBody>
       </p:sp>
       <p:grpSp>
         <p:nvGrpSpPr>
-          <p:cNvPr id="6150" name="组合 29">
-            <a:extLst>
-              <a:ext uri="{FF2B5EF4-FFF2-40B4-BE49-F238E27FC236}">
-                <a16:creationId xmlns:a16="http://schemas.microsoft.com/office/drawing/2014/main" id="{7CDF8D3C-F52C-4DCC-AE14-0023112DC5E0}"/>
-              </a:ext>
-            </a:extLst>
-          </p:cNvPr>
-          <p:cNvGrpSpPr>
-            <a:grpSpLocks/>
-          </p:cNvGrpSpPr>
+          <p:cNvPr id="6150" name="组合 29"/>
+          <p:cNvGrpSpPr/>
           <p:nvPr/>
         </p:nvGrpSpPr>
         <p:grpSpPr bwMode="auto">
@@ -14621,13 +13856,7 @@
         </p:grpSpPr>
         <p:sp>
           <p:nvSpPr>
-            <p:cNvPr id="13318" name="矩形 30">
-              <a:extLst>
-                <a:ext uri="{FF2B5EF4-FFF2-40B4-BE49-F238E27FC236}">
-                  <a16:creationId xmlns:a16="http://schemas.microsoft.com/office/drawing/2014/main" id="{93C1AFFF-5FCF-4DF5-BCF5-0603D3B94B17}"/>
-                </a:ext>
-              </a:extLst>
-            </p:cNvPr>
+            <p:cNvPr id="13318" name="矩形 30"/>
             <p:cNvSpPr>
               <a:spLocks noChangeArrowheads="1"/>
             </p:cNvSpPr>
@@ -14677,13 +13906,7 @@
         </p:sp>
         <p:sp>
           <p:nvSpPr>
-            <p:cNvPr id="13319" name="矩形 31">
-              <a:extLst>
-                <a:ext uri="{FF2B5EF4-FFF2-40B4-BE49-F238E27FC236}">
-                  <a16:creationId xmlns:a16="http://schemas.microsoft.com/office/drawing/2014/main" id="{3CEC6978-F69E-43F2-BC31-2B67A3332DE4}"/>
-                </a:ext>
-              </a:extLst>
-            </p:cNvPr>
+            <p:cNvPr id="13319" name="矩形 31"/>
             <p:cNvSpPr>
               <a:spLocks noChangeArrowheads="1"/>
             </p:cNvSpPr>
@@ -14734,13 +13957,7 @@
       </p:grpSp>
       <p:sp>
         <p:nvSpPr>
-          <p:cNvPr id="6154" name="矩形 2">
-            <a:extLst>
-              <a:ext uri="{FF2B5EF4-FFF2-40B4-BE49-F238E27FC236}">
-                <a16:creationId xmlns:a16="http://schemas.microsoft.com/office/drawing/2014/main" id="{A5A0304F-AA54-4466-9A84-513611198E90}"/>
-              </a:ext>
-            </a:extLst>
-          </p:cNvPr>
+          <p:cNvPr id="6154" name="矩形 2"/>
           <p:cNvSpPr>
             <a:spLocks noChangeArrowheads="1"/>
           </p:cNvSpPr>
@@ -14805,13 +14022,7 @@
       </p:sp>
       <p:sp>
         <p:nvSpPr>
-          <p:cNvPr id="13321" name="文本框 1">
-            <a:extLst>
-              <a:ext uri="{FF2B5EF4-FFF2-40B4-BE49-F238E27FC236}">
-                <a16:creationId xmlns:a16="http://schemas.microsoft.com/office/drawing/2014/main" id="{C11CBA84-8936-4BCE-A6CE-236F6E989204}"/>
-              </a:ext>
-            </a:extLst>
-          </p:cNvPr>
+          <p:cNvPr id="13321" name="文本框 1"/>
           <p:cNvSpPr txBox="1">
             <a:spLocks noChangeArrowheads="1"/>
           </p:cNvSpPr>
@@ -14899,12 +14110,14 @@
               <a:rPr lang="zh-CN" altLang="en-US" sz="1200" dirty="0"/>
               <a:t> ，</a:t>
             </a:r>
+            <a:endParaRPr lang="zh-CN" altLang="en-US" sz="1200" dirty="0"/>
           </a:p>
           <a:p>
             <a:r>
               <a:rPr lang="zh-CN" altLang="en-US" sz="1200" dirty="0"/>
               <a:t>下载gradle，复制到相应文件夹也可以解决问题。</a:t>
             </a:r>
+            <a:endParaRPr lang="zh-CN" altLang="en-US" sz="1200" dirty="0"/>
           </a:p>
           <a:p>
             <a:r>
@@ -14923,6 +14136,7 @@
               <a:rPr lang="zh-CN" altLang="en-US" sz="1200" dirty="0"/>
               <a:t>为个人用户名，需相应修改为自己的用户名）</a:t>
             </a:r>
+            <a:endParaRPr lang="zh-CN" altLang="en-US" sz="1200" dirty="0"/>
           </a:p>
           <a:p>
             <a:endParaRPr lang="zh-CN" altLang="en-US" sz="1200" dirty="0"/>
@@ -14932,6 +14146,7 @@
               <a:rPr lang="zh-CN" altLang="en-US" sz="1200" dirty="0"/>
               <a:t>gradle 下载地址：http://services.gradle.org/distributions/</a:t>
             </a:r>
+            <a:endParaRPr lang="zh-CN" altLang="en-US" sz="1200" dirty="0"/>
           </a:p>
           <a:p>
             <a:endParaRPr lang="zh-CN" altLang="en-US" sz="1200" dirty="0"/>
@@ -14941,25 +14156,20 @@
               <a:rPr lang="zh-CN" altLang="en-US" sz="1200" dirty="0"/>
               <a:t>一定要注意版本号，必须要对应好。</a:t>
             </a:r>
+            <a:endParaRPr lang="zh-CN" altLang="en-US" sz="1200" dirty="0"/>
           </a:p>
         </p:txBody>
       </p:sp>
       <p:pic>
         <p:nvPicPr>
-          <p:cNvPr id="13322" name="图片 1" descr="QQ截图20190906100456">
-            <a:extLst>
-              <a:ext uri="{FF2B5EF4-FFF2-40B4-BE49-F238E27FC236}">
-                <a16:creationId xmlns:a16="http://schemas.microsoft.com/office/drawing/2014/main" id="{6C77F5E8-F6D9-47BE-931B-15139A2C352E}"/>
-              </a:ext>
-            </a:extLst>
-          </p:cNvPr>
+          <p:cNvPr id="13322" name="图片 1" descr="QQ截图20190906100456"/>
           <p:cNvPicPr>
             <a:picLocks noChangeAspect="1" noChangeArrowheads="1"/>
           </p:cNvPicPr>
           <p:nvPr/>
         </p:nvPicPr>
         <p:blipFill>
-          <a:blip r:embed="rId3">
+          <a:blip r:embed="rId1">
             <a:extLst>
               <a:ext uri="{28A0092B-C50C-407E-A947-70E740481C1C}">
                 <a14:useLocalDpi xmlns:a14="http://schemas.microsoft.com/office/drawing/2010/main" val="0"/>
@@ -15006,7 +14216,7 @@
       </p:pic>
     </p:spTree>
     <p:custDataLst>
-      <p:tags r:id="rId1"/>
+      <p:tags r:id="rId2"/>
     </p:custDataLst>
   </p:cSld>
   <p:clrMapOvr>
@@ -15024,7 +14234,7 @@
               <p:cTn id="2" dur="indefinite" nodeType="mainSeq">
                 <p:childTnLst>
                   <p:par>
-                    <p:cTn id="3" fill="hold" nodeType="clickPar">
+                    <p:cTn id="3" fill="hold">
                       <p:stCondLst>
                         <p:cond delay="indefinite"/>
                         <p:cond evt="onBegin" delay="0">
@@ -15033,7 +14243,7 @@
                       </p:stCondLst>
                       <p:childTnLst>
                         <p:par>
-                          <p:cTn id="4" fill="hold" nodeType="withGroup">
+                          <p:cTn id="4" fill="hold">
                             <p:stCondLst>
                               <p:cond delay="0"/>
                             </p:stCondLst>
@@ -15115,9 +14325,9 @@
                           </p:cTn>
                         </p:par>
                         <p:par>
-                          <p:cTn id="9" fill="hold" nodeType="afterGroup">
+                          <p:cTn id="9" fill="hold">
                             <p:stCondLst>
-                              <p:cond delay="350"/>
+                              <p:cond delay="500"/>
                             </p:stCondLst>
                             <p:childTnLst>
                               <p:par>
@@ -15269,9 +14479,9 @@
                           </p:cTn>
                         </p:par>
                         <p:par>
-                          <p:cTn id="17" fill="hold" nodeType="afterGroup">
+                          <p:cTn id="17" fill="hold">
                             <p:stCondLst>
-                              <p:cond delay="990"/>
+                              <p:cond delay="639"/>
                             </p:stCondLst>
                             <p:childTnLst>
                               <p:par>
@@ -15398,16 +14608,8 @@
       </p:grpSpPr>
       <p:grpSp>
         <p:nvGrpSpPr>
-          <p:cNvPr id="7170" name="组合 16">
-            <a:extLst>
-              <a:ext uri="{FF2B5EF4-FFF2-40B4-BE49-F238E27FC236}">
-                <a16:creationId xmlns:a16="http://schemas.microsoft.com/office/drawing/2014/main" id="{C3CEC15E-A3AA-4E8B-8BD7-5824D6836618}"/>
-              </a:ext>
-            </a:extLst>
-          </p:cNvPr>
-          <p:cNvGrpSpPr>
-            <a:grpSpLocks/>
-          </p:cNvGrpSpPr>
+          <p:cNvPr id="7170" name="组合 16"/>
+          <p:cNvGrpSpPr/>
           <p:nvPr/>
         </p:nvGrpSpPr>
         <p:grpSpPr bwMode="auto">
@@ -15420,13 +14622,7 @@
         </p:grpSpPr>
         <p:sp>
           <p:nvSpPr>
-            <p:cNvPr id="14338" name="矩形 17">
-              <a:extLst>
-                <a:ext uri="{FF2B5EF4-FFF2-40B4-BE49-F238E27FC236}">
-                  <a16:creationId xmlns:a16="http://schemas.microsoft.com/office/drawing/2014/main" id="{DCB15D83-6DBD-48C8-81B4-6F5BCC267E85}"/>
-                </a:ext>
-              </a:extLst>
-            </p:cNvPr>
+            <p:cNvPr id="14338" name="矩形 17"/>
             <p:cNvSpPr>
               <a:spLocks noChangeArrowheads="1"/>
             </p:cNvSpPr>
@@ -15521,13 +14717,7 @@
         </p:sp>
         <p:sp>
           <p:nvSpPr>
-            <p:cNvPr id="14339" name="矩形 18">
-              <a:extLst>
-                <a:ext uri="{FF2B5EF4-FFF2-40B4-BE49-F238E27FC236}">
-                  <a16:creationId xmlns:a16="http://schemas.microsoft.com/office/drawing/2014/main" id="{EE7B4C7A-032A-4F05-86FE-5EFDA59958B5}"/>
-                </a:ext>
-              </a:extLst>
-            </p:cNvPr>
+            <p:cNvPr id="14339" name="矩形 18"/>
             <p:cNvSpPr>
               <a:spLocks noChangeArrowheads="1"/>
             </p:cNvSpPr>
@@ -15622,13 +14812,7 @@
       </p:grpSp>
       <p:sp>
         <p:nvSpPr>
-          <p:cNvPr id="7173" name="TextBox 108">
-            <a:extLst>
-              <a:ext uri="{FF2B5EF4-FFF2-40B4-BE49-F238E27FC236}">
-                <a16:creationId xmlns:a16="http://schemas.microsoft.com/office/drawing/2014/main" id="{314E7CF5-705C-431C-8098-00C55D218B74}"/>
-              </a:ext>
-            </a:extLst>
-          </p:cNvPr>
+          <p:cNvPr id="7173" name="TextBox 108"/>
           <p:cNvSpPr>
             <a:spLocks noChangeArrowheads="1"/>
           </p:cNvSpPr>
@@ -15683,21 +14867,21 @@
               </a:rPr>
               <a:t>第一个应用程序</a:t>
             </a:r>
+            <a:endParaRPr lang="zh-CN" altLang="en-US">
+              <a:solidFill>
+                <a:schemeClr val="bg1"/>
+              </a:solidFill>
+              <a:latin typeface="微软雅黑" panose="020B0503020204020204" pitchFamily="34" charset="-122"/>
+              <a:ea typeface="微软雅黑" panose="020B0503020204020204" pitchFamily="34" charset="-122"/>
+              <a:sym typeface="微软雅黑" panose="020B0503020204020204" pitchFamily="34" charset="-122"/>
+            </a:endParaRPr>
           </a:p>
         </p:txBody>
       </p:sp>
       <p:grpSp>
         <p:nvGrpSpPr>
-          <p:cNvPr id="7174" name="组合 29">
-            <a:extLst>
-              <a:ext uri="{FF2B5EF4-FFF2-40B4-BE49-F238E27FC236}">
-                <a16:creationId xmlns:a16="http://schemas.microsoft.com/office/drawing/2014/main" id="{A89F20B8-2632-42FD-86B0-7AEF973EB174}"/>
-              </a:ext>
-            </a:extLst>
-          </p:cNvPr>
-          <p:cNvGrpSpPr>
-            <a:grpSpLocks/>
-          </p:cNvGrpSpPr>
+          <p:cNvPr id="7174" name="组合 29"/>
+          <p:cNvGrpSpPr/>
           <p:nvPr/>
         </p:nvGrpSpPr>
         <p:grpSpPr bwMode="auto">
@@ -15710,13 +14894,7 @@
         </p:grpSpPr>
         <p:sp>
           <p:nvSpPr>
-            <p:cNvPr id="14342" name="矩形 30">
-              <a:extLst>
-                <a:ext uri="{FF2B5EF4-FFF2-40B4-BE49-F238E27FC236}">
-                  <a16:creationId xmlns:a16="http://schemas.microsoft.com/office/drawing/2014/main" id="{00E1C94A-F65B-4B73-8ED7-1E05B518630A}"/>
-                </a:ext>
-              </a:extLst>
-            </p:cNvPr>
+            <p:cNvPr id="14342" name="矩形 30"/>
             <p:cNvSpPr>
               <a:spLocks noChangeArrowheads="1"/>
             </p:cNvSpPr>
@@ -15766,13 +14944,7 @@
         </p:sp>
         <p:sp>
           <p:nvSpPr>
-            <p:cNvPr id="14343" name="矩形 31">
-              <a:extLst>
-                <a:ext uri="{FF2B5EF4-FFF2-40B4-BE49-F238E27FC236}">
-                  <a16:creationId xmlns:a16="http://schemas.microsoft.com/office/drawing/2014/main" id="{E55BE9F2-D326-4F2E-881E-CEA2C5ECAD2B}"/>
-                </a:ext>
-              </a:extLst>
-            </p:cNvPr>
+            <p:cNvPr id="14343" name="矩形 31"/>
             <p:cNvSpPr>
               <a:spLocks noChangeArrowheads="1"/>
             </p:cNvSpPr>
@@ -15823,20 +14995,14 @@
       </p:grpSp>
       <p:pic>
         <p:nvPicPr>
-          <p:cNvPr id="14344" name="图片 1" descr="QQ截图20190906100543">
-            <a:extLst>
-              <a:ext uri="{FF2B5EF4-FFF2-40B4-BE49-F238E27FC236}">
-                <a16:creationId xmlns:a16="http://schemas.microsoft.com/office/drawing/2014/main" id="{24CE74E1-E279-4F4C-A359-8F19CAF4B40A}"/>
-              </a:ext>
-            </a:extLst>
-          </p:cNvPr>
+          <p:cNvPr id="14344" name="图片 1" descr="QQ截图20190906100543"/>
           <p:cNvPicPr>
             <a:picLocks noChangeAspect="1" noChangeArrowheads="1"/>
           </p:cNvPicPr>
           <p:nvPr/>
         </p:nvPicPr>
         <p:blipFill>
-          <a:blip r:embed="rId3">
+          <a:blip r:embed="rId1">
             <a:extLst>
               <a:ext uri="{28A0092B-C50C-407E-A947-70E740481C1C}">
                 <a14:useLocalDpi xmlns:a14="http://schemas.microsoft.com/office/drawing/2010/main" val="0"/>
@@ -15883,7 +15049,7 @@
       </p:pic>
     </p:spTree>
     <p:custDataLst>
-      <p:tags r:id="rId1"/>
+      <p:tags r:id="rId2"/>
     </p:custDataLst>
   </p:cSld>
   <p:clrMapOvr>
@@ -15901,7 +15067,7 @@
               <p:cTn id="2" dur="indefinite" nodeType="mainSeq">
                 <p:childTnLst>
                   <p:par>
-                    <p:cTn id="3" fill="hold" nodeType="clickPar">
+                    <p:cTn id="3" fill="hold">
                       <p:stCondLst>
                         <p:cond delay="indefinite"/>
                         <p:cond evt="onBegin" delay="0">
@@ -15910,7 +15076,7 @@
                       </p:stCondLst>
                       <p:childTnLst>
                         <p:par>
-                          <p:cTn id="4" fill="hold" nodeType="withGroup">
+                          <p:cTn id="4" fill="hold">
                             <p:stCondLst>
                               <p:cond delay="0"/>
                             </p:stCondLst>
@@ -15992,9 +15158,9 @@
                           </p:cTn>
                         </p:par>
                         <p:par>
-                          <p:cTn id="9" fill="hold" nodeType="afterGroup">
+                          <p:cTn id="9" fill="hold">
                             <p:stCondLst>
-                              <p:cond delay="350"/>
+                              <p:cond delay="500"/>
                             </p:stCondLst>
                             <p:childTnLst>
                               <p:par>
@@ -16146,9 +15312,9 @@
                           </p:cTn>
                         </p:par>
                         <p:par>
-                          <p:cTn id="17" fill="hold" nodeType="afterGroup">
+                          <p:cTn id="17" fill="hold">
                             <p:stCondLst>
-                              <p:cond delay="990"/>
+                              <p:cond delay="639"/>
                             </p:stCondLst>
                             <p:childTnLst>
                               <p:par>
@@ -16239,16 +15405,8 @@
       </p:grpSpPr>
       <p:grpSp>
         <p:nvGrpSpPr>
-          <p:cNvPr id="8194" name="组合 16">
-            <a:extLst>
-              <a:ext uri="{FF2B5EF4-FFF2-40B4-BE49-F238E27FC236}">
-                <a16:creationId xmlns:a16="http://schemas.microsoft.com/office/drawing/2014/main" id="{8CE9D221-92BF-4B4A-ADE8-CEE3E4E0694E}"/>
-              </a:ext>
-            </a:extLst>
-          </p:cNvPr>
-          <p:cNvGrpSpPr>
-            <a:grpSpLocks/>
-          </p:cNvGrpSpPr>
+          <p:cNvPr id="8194" name="组合 16"/>
+          <p:cNvGrpSpPr/>
           <p:nvPr/>
         </p:nvGrpSpPr>
         <p:grpSpPr bwMode="auto">
@@ -16261,13 +15419,7 @@
         </p:grpSpPr>
         <p:sp>
           <p:nvSpPr>
-            <p:cNvPr id="15362" name="矩形 17">
-              <a:extLst>
-                <a:ext uri="{FF2B5EF4-FFF2-40B4-BE49-F238E27FC236}">
-                  <a16:creationId xmlns:a16="http://schemas.microsoft.com/office/drawing/2014/main" id="{40471D39-453C-458A-80B6-3F9671CC7FF1}"/>
-                </a:ext>
-              </a:extLst>
-            </p:cNvPr>
+            <p:cNvPr id="15362" name="矩形 17"/>
             <p:cNvSpPr>
               <a:spLocks noChangeArrowheads="1"/>
             </p:cNvSpPr>
@@ -16351,13 +15503,7 @@
         </p:sp>
         <p:sp>
           <p:nvSpPr>
-            <p:cNvPr id="15363" name="矩形 18">
-              <a:extLst>
-                <a:ext uri="{FF2B5EF4-FFF2-40B4-BE49-F238E27FC236}">
-                  <a16:creationId xmlns:a16="http://schemas.microsoft.com/office/drawing/2014/main" id="{F3894301-8819-445A-89AD-9A25206989CF}"/>
-                </a:ext>
-              </a:extLst>
-            </p:cNvPr>
+            <p:cNvPr id="15363" name="矩形 18"/>
             <p:cNvSpPr>
               <a:spLocks noChangeArrowheads="1"/>
             </p:cNvSpPr>
@@ -16452,13 +15598,7 @@
       </p:grpSp>
       <p:sp>
         <p:nvSpPr>
-          <p:cNvPr id="8197" name="TextBox 108">
-            <a:extLst>
-              <a:ext uri="{FF2B5EF4-FFF2-40B4-BE49-F238E27FC236}">
-                <a16:creationId xmlns:a16="http://schemas.microsoft.com/office/drawing/2014/main" id="{B0BED8E6-C3E6-4ABB-9086-241EF137B7B2}"/>
-              </a:ext>
-            </a:extLst>
-          </p:cNvPr>
+          <p:cNvPr id="8197" name="TextBox 108"/>
           <p:cNvSpPr>
             <a:spLocks noChangeArrowheads="1"/>
           </p:cNvSpPr>
@@ -16513,21 +15653,21 @@
               </a:rPr>
               <a:t>第一个应用程序</a:t>
             </a:r>
+            <a:endParaRPr lang="zh-CN" altLang="en-US">
+              <a:solidFill>
+                <a:schemeClr val="bg1"/>
+              </a:solidFill>
+              <a:latin typeface="微软雅黑" panose="020B0503020204020204" pitchFamily="34" charset="-122"/>
+              <a:ea typeface="微软雅黑" panose="020B0503020204020204" pitchFamily="34" charset="-122"/>
+              <a:sym typeface="微软雅黑" panose="020B0503020204020204" pitchFamily="34" charset="-122"/>
+            </a:endParaRPr>
           </a:p>
         </p:txBody>
       </p:sp>
       <p:grpSp>
         <p:nvGrpSpPr>
-          <p:cNvPr id="8198" name="组合 29">
-            <a:extLst>
-              <a:ext uri="{FF2B5EF4-FFF2-40B4-BE49-F238E27FC236}">
-                <a16:creationId xmlns:a16="http://schemas.microsoft.com/office/drawing/2014/main" id="{589FA807-98FB-4C50-99D9-FFA5E15DF411}"/>
-              </a:ext>
-            </a:extLst>
-          </p:cNvPr>
-          <p:cNvGrpSpPr>
-            <a:grpSpLocks/>
-          </p:cNvGrpSpPr>
+          <p:cNvPr id="8198" name="组合 29"/>
+          <p:cNvGrpSpPr/>
           <p:nvPr/>
         </p:nvGrpSpPr>
         <p:grpSpPr bwMode="auto">
@@ -16540,13 +15680,7 @@
         </p:grpSpPr>
         <p:sp>
           <p:nvSpPr>
-            <p:cNvPr id="15366" name="矩形 30">
-              <a:extLst>
-                <a:ext uri="{FF2B5EF4-FFF2-40B4-BE49-F238E27FC236}">
-                  <a16:creationId xmlns:a16="http://schemas.microsoft.com/office/drawing/2014/main" id="{1BFEFE48-9E51-4C20-8375-277773357639}"/>
-                </a:ext>
-              </a:extLst>
-            </p:cNvPr>
+            <p:cNvPr id="15366" name="矩形 30"/>
             <p:cNvSpPr>
               <a:spLocks noChangeArrowheads="1"/>
             </p:cNvSpPr>
@@ -16596,13 +15730,7 @@
         </p:sp>
         <p:sp>
           <p:nvSpPr>
-            <p:cNvPr id="15367" name="矩形 31">
-              <a:extLst>
-                <a:ext uri="{FF2B5EF4-FFF2-40B4-BE49-F238E27FC236}">
-                  <a16:creationId xmlns:a16="http://schemas.microsoft.com/office/drawing/2014/main" id="{0BFC1FD7-DCEC-4E60-AA7C-55F12193247A}"/>
-                </a:ext>
-              </a:extLst>
-            </p:cNvPr>
+            <p:cNvPr id="15367" name="矩形 31"/>
             <p:cNvSpPr>
               <a:spLocks noChangeArrowheads="1"/>
             </p:cNvSpPr>
@@ -16653,20 +15781,14 @@
       </p:grpSp>
       <p:pic>
         <p:nvPicPr>
-          <p:cNvPr id="15368" name="图片 1" descr="QQ截图20190906100904">
-            <a:extLst>
-              <a:ext uri="{FF2B5EF4-FFF2-40B4-BE49-F238E27FC236}">
-                <a16:creationId xmlns:a16="http://schemas.microsoft.com/office/drawing/2014/main" id="{B61FE8F8-6951-4FCF-8E14-CA7C5653A418}"/>
-              </a:ext>
-            </a:extLst>
-          </p:cNvPr>
+          <p:cNvPr id="15368" name="图片 1" descr="QQ截图20190906100904"/>
           <p:cNvPicPr>
             <a:picLocks noChangeAspect="1" noChangeArrowheads="1"/>
           </p:cNvPicPr>
           <p:nvPr/>
         </p:nvPicPr>
         <p:blipFill>
-          <a:blip r:embed="rId3">
+          <a:blip r:embed="rId1">
             <a:extLst>
               <a:ext uri="{28A0092B-C50C-407E-A947-70E740481C1C}">
                 <a14:useLocalDpi xmlns:a14="http://schemas.microsoft.com/office/drawing/2010/main" val="0"/>
@@ -16713,7 +15835,7 @@
       </p:pic>
     </p:spTree>
     <p:custDataLst>
-      <p:tags r:id="rId1"/>
+      <p:tags r:id="rId2"/>
     </p:custDataLst>
   </p:cSld>
   <p:clrMapOvr>
@@ -16731,7 +15853,7 @@
               <p:cTn id="2" dur="indefinite" nodeType="mainSeq">
                 <p:childTnLst>
                   <p:par>
-                    <p:cTn id="3" fill="hold" nodeType="clickPar">
+                    <p:cTn id="3" fill="hold">
                       <p:stCondLst>
                         <p:cond delay="indefinite"/>
                         <p:cond evt="onBegin" delay="0">
@@ -16740,7 +15862,7 @@
                       </p:stCondLst>
                       <p:childTnLst>
                         <p:par>
-                          <p:cTn id="4" fill="hold" nodeType="withGroup">
+                          <p:cTn id="4" fill="hold">
                             <p:stCondLst>
                               <p:cond delay="0"/>
                             </p:stCondLst>
@@ -16822,9 +15944,9 @@
                           </p:cTn>
                         </p:par>
                         <p:par>
-                          <p:cTn id="9" fill="hold" nodeType="afterGroup">
+                          <p:cTn id="9" fill="hold">
                             <p:stCondLst>
-                              <p:cond delay="350"/>
+                              <p:cond delay="500"/>
                             </p:stCondLst>
                             <p:childTnLst>
                               <p:par>
@@ -16976,9 +16098,9 @@
                           </p:cTn>
                         </p:par>
                         <p:par>
-                          <p:cTn id="17" fill="hold" nodeType="afterGroup">
+                          <p:cTn id="17" fill="hold">
                             <p:stCondLst>
-                              <p:cond delay="990"/>
+                              <p:cond delay="639"/>
                             </p:stCondLst>
                             <p:childTnLst>
                               <p:par>
@@ -17069,13 +16191,7 @@
       </p:grpSpPr>
       <p:sp>
         <p:nvSpPr>
-          <p:cNvPr id="11269" name="TextBox 108">
-            <a:extLst>
-              <a:ext uri="{FF2B5EF4-FFF2-40B4-BE49-F238E27FC236}">
-                <a16:creationId xmlns:a16="http://schemas.microsoft.com/office/drawing/2014/main" id="{1DF14819-07C2-4A4C-B083-A6667753B662}"/>
-              </a:ext>
-            </a:extLst>
-          </p:cNvPr>
+          <p:cNvPr id="11269" name="TextBox 108"/>
           <p:cNvSpPr>
             <a:spLocks noChangeArrowheads="1"/>
           </p:cNvSpPr>
@@ -17130,21 +16246,21 @@
               </a:rPr>
               <a:t>第一个应用程序</a:t>
             </a:r>
+            <a:endParaRPr lang="zh-CN" altLang="en-US">
+              <a:solidFill>
+                <a:schemeClr val="bg1"/>
+              </a:solidFill>
+              <a:latin typeface="微软雅黑" panose="020B0503020204020204" pitchFamily="34" charset="-122"/>
+              <a:ea typeface="微软雅黑" panose="020B0503020204020204" pitchFamily="34" charset="-122"/>
+              <a:sym typeface="微软雅黑" panose="020B0503020204020204" pitchFamily="34" charset="-122"/>
+            </a:endParaRPr>
           </a:p>
         </p:txBody>
       </p:sp>
       <p:grpSp>
         <p:nvGrpSpPr>
-          <p:cNvPr id="11270" name="组合 29">
-            <a:extLst>
-              <a:ext uri="{FF2B5EF4-FFF2-40B4-BE49-F238E27FC236}">
-                <a16:creationId xmlns:a16="http://schemas.microsoft.com/office/drawing/2014/main" id="{E6E6D300-273D-484D-B67E-20DC818BB953}"/>
-              </a:ext>
-            </a:extLst>
-          </p:cNvPr>
-          <p:cNvGrpSpPr>
-            <a:grpSpLocks/>
-          </p:cNvGrpSpPr>
+          <p:cNvPr id="11270" name="组合 29"/>
+          <p:cNvGrpSpPr/>
           <p:nvPr/>
         </p:nvGrpSpPr>
         <p:grpSpPr bwMode="auto">
@@ -17157,13 +16273,7 @@
         </p:grpSpPr>
         <p:sp>
           <p:nvSpPr>
-            <p:cNvPr id="16387" name="矩形 30">
-              <a:extLst>
-                <a:ext uri="{FF2B5EF4-FFF2-40B4-BE49-F238E27FC236}">
-                  <a16:creationId xmlns:a16="http://schemas.microsoft.com/office/drawing/2014/main" id="{E98D73BD-0CB8-4481-99E3-F9116141CADD}"/>
-                </a:ext>
-              </a:extLst>
-            </p:cNvPr>
+            <p:cNvPr id="16387" name="矩形 30"/>
             <p:cNvSpPr>
               <a:spLocks noChangeArrowheads="1"/>
             </p:cNvSpPr>
@@ -17213,13 +16323,7 @@
         </p:sp>
         <p:sp>
           <p:nvSpPr>
-            <p:cNvPr id="16388" name="矩形 31">
-              <a:extLst>
-                <a:ext uri="{FF2B5EF4-FFF2-40B4-BE49-F238E27FC236}">
-                  <a16:creationId xmlns:a16="http://schemas.microsoft.com/office/drawing/2014/main" id="{5353F91C-72AF-4044-845C-CA2F45CF2BA6}"/>
-                </a:ext>
-              </a:extLst>
-            </p:cNvPr>
+            <p:cNvPr id="16388" name="矩形 31"/>
             <p:cNvSpPr>
               <a:spLocks noChangeArrowheads="1"/>
             </p:cNvSpPr>
@@ -17270,13 +16374,7 @@
       </p:grpSp>
       <p:sp>
         <p:nvSpPr>
-          <p:cNvPr id="11273" name="矩形 2">
-            <a:extLst>
-              <a:ext uri="{FF2B5EF4-FFF2-40B4-BE49-F238E27FC236}">
-                <a16:creationId xmlns:a16="http://schemas.microsoft.com/office/drawing/2014/main" id="{8E583D70-D549-4192-899B-901AABFC3B5F}"/>
-              </a:ext>
-            </a:extLst>
-          </p:cNvPr>
+          <p:cNvPr id="11273" name="矩形 2"/>
           <p:cNvSpPr>
             <a:spLocks noChangeArrowheads="1"/>
           </p:cNvSpPr>
@@ -17361,20 +16459,14 @@
       </p:sp>
       <p:pic>
         <p:nvPicPr>
-          <p:cNvPr id="16390" name="图片 1" descr="QQ截图20190906102134">
-            <a:extLst>
-              <a:ext uri="{FF2B5EF4-FFF2-40B4-BE49-F238E27FC236}">
-                <a16:creationId xmlns:a16="http://schemas.microsoft.com/office/drawing/2014/main" id="{48ECDA7D-0CBF-4FDC-8DB3-675596F72B06}"/>
-              </a:ext>
-            </a:extLst>
-          </p:cNvPr>
+          <p:cNvPr id="16390" name="图片 1" descr="QQ截图20190906102134"/>
           <p:cNvPicPr>
             <a:picLocks noChangeAspect="1" noChangeArrowheads="1"/>
           </p:cNvPicPr>
           <p:nvPr/>
         </p:nvPicPr>
         <p:blipFill>
-          <a:blip r:embed="rId3">
+          <a:blip r:embed="rId1">
             <a:extLst>
               <a:ext uri="{28A0092B-C50C-407E-A947-70E740481C1C}">
                 <a14:useLocalDpi xmlns:a14="http://schemas.microsoft.com/office/drawing/2010/main" val="0"/>
@@ -17421,7 +16513,7 @@
       </p:pic>
     </p:spTree>
     <p:custDataLst>
-      <p:tags r:id="rId1"/>
+      <p:tags r:id="rId2"/>
     </p:custDataLst>
   </p:cSld>
   <p:clrMapOvr>
@@ -17439,7 +16531,7 @@
               <p:cTn id="2" dur="indefinite" nodeType="mainSeq">
                 <p:childTnLst>
                   <p:par>
-                    <p:cTn id="3" fill="hold" nodeType="clickPar">
+                    <p:cTn id="3" fill="hold">
                       <p:stCondLst>
                         <p:cond delay="indefinite"/>
                         <p:cond evt="onBegin" delay="0">
@@ -17448,7 +16540,7 @@
                       </p:stCondLst>
                       <p:childTnLst>
                         <p:par>
-                          <p:cTn id="4" fill="hold" nodeType="withGroup">
+                          <p:cTn id="4" fill="hold">
                             <p:stCondLst>
                               <p:cond delay="0"/>
                             </p:stCondLst>
@@ -17530,9 +16622,9 @@
                           </p:cTn>
                         </p:par>
                         <p:par>
-                          <p:cTn id="9" fill="hold" nodeType="afterGroup">
+                          <p:cTn id="9" fill="hold">
                             <p:stCondLst>
-                              <p:cond delay="350"/>
+                              <p:cond delay="500"/>
                             </p:stCondLst>
                             <p:childTnLst>
                               <p:par>
@@ -17769,16 +16861,8 @@
       </p:grpSpPr>
       <p:grpSp>
         <p:nvGrpSpPr>
-          <p:cNvPr id="12290" name="组合 16">
-            <a:extLst>
-              <a:ext uri="{FF2B5EF4-FFF2-40B4-BE49-F238E27FC236}">
-                <a16:creationId xmlns:a16="http://schemas.microsoft.com/office/drawing/2014/main" id="{832031D9-73CB-435B-8CF9-4F18B3DA256D}"/>
-              </a:ext>
-            </a:extLst>
-          </p:cNvPr>
-          <p:cNvGrpSpPr>
-            <a:grpSpLocks/>
-          </p:cNvGrpSpPr>
+          <p:cNvPr id="12290" name="组合 16"/>
+          <p:cNvGrpSpPr/>
           <p:nvPr/>
         </p:nvGrpSpPr>
         <p:grpSpPr bwMode="auto">
@@ -17791,13 +16875,7 @@
         </p:grpSpPr>
         <p:sp>
           <p:nvSpPr>
-            <p:cNvPr id="10248" name="矩形 17">
-              <a:extLst>
-                <a:ext uri="{FF2B5EF4-FFF2-40B4-BE49-F238E27FC236}">
-                  <a16:creationId xmlns:a16="http://schemas.microsoft.com/office/drawing/2014/main" id="{23A70CD1-8911-47A0-A85A-26174D02F316}"/>
-                </a:ext>
-              </a:extLst>
-            </p:cNvPr>
+            <p:cNvPr id="10248" name="矩形 17"/>
             <p:cNvSpPr/>
             <p:nvPr/>
           </p:nvSpPr>
@@ -17859,6 +16937,14 @@
                 </a:rPr>
                 <a:t>项目：</a:t>
               </a:r>
+              <a:endParaRPr lang="zh-CN" altLang="en-US" sz="1400" noProof="1">
+                <a:solidFill>
+                  <a:srgbClr val="000000"/>
+                </a:solidFill>
+                <a:latin typeface="微软雅黑" panose="020B0503020204020204" pitchFamily="34" charset="-122"/>
+                <a:ea typeface="微软雅黑" panose="020B0503020204020204" pitchFamily="34" charset="-122"/>
+                <a:sym typeface="微软雅黑" panose="020B0503020204020204" pitchFamily="34" charset="-122"/>
+              </a:endParaRPr>
             </a:p>
             <a:p>
               <a:pPr marL="285750" indent="-285750">
@@ -17880,6 +16966,14 @@
                 </a:rPr>
                 <a:t>选择安卓设备</a:t>
               </a:r>
+              <a:endParaRPr lang="zh-CN" altLang="en-US" sz="1400" noProof="1">
+                <a:solidFill>
+                  <a:srgbClr val="000000"/>
+                </a:solidFill>
+                <a:latin typeface="微软雅黑" panose="020B0503020204020204" pitchFamily="34" charset="-122"/>
+                <a:ea typeface="微软雅黑" panose="020B0503020204020204" pitchFamily="34" charset="-122"/>
+                <a:sym typeface="微软雅黑" panose="020B0503020204020204" pitchFamily="34" charset="-122"/>
+              </a:endParaRPr>
             </a:p>
             <a:p>
               <a:pPr marL="285750" indent="-285750">
@@ -17914,13 +17008,7 @@
         </p:sp>
         <p:sp>
           <p:nvSpPr>
-            <p:cNvPr id="17411" name="矩形 18">
-              <a:extLst>
-                <a:ext uri="{FF2B5EF4-FFF2-40B4-BE49-F238E27FC236}">
-                  <a16:creationId xmlns:a16="http://schemas.microsoft.com/office/drawing/2014/main" id="{D4DB8A5C-4249-42C0-A91E-62D15328DDAA}"/>
-                </a:ext>
-              </a:extLst>
-            </p:cNvPr>
+            <p:cNvPr id="17411" name="矩形 18"/>
             <p:cNvSpPr>
               <a:spLocks noChangeArrowheads="1"/>
             </p:cNvSpPr>
@@ -18015,13 +17103,7 @@
       </p:grpSp>
       <p:sp>
         <p:nvSpPr>
-          <p:cNvPr id="12293" name="TextBox 108">
-            <a:extLst>
-              <a:ext uri="{FF2B5EF4-FFF2-40B4-BE49-F238E27FC236}">
-                <a16:creationId xmlns:a16="http://schemas.microsoft.com/office/drawing/2014/main" id="{5B08CBBB-59FB-4F5C-8110-FC6E0A733E73}"/>
-              </a:ext>
-            </a:extLst>
-          </p:cNvPr>
+          <p:cNvPr id="12293" name="TextBox 108"/>
           <p:cNvSpPr>
             <a:spLocks noChangeArrowheads="1"/>
           </p:cNvSpPr>
@@ -18076,21 +17158,21 @@
               </a:rPr>
               <a:t>第一个应用程序</a:t>
             </a:r>
+            <a:endParaRPr lang="zh-CN" altLang="en-US">
+              <a:solidFill>
+                <a:schemeClr val="bg1"/>
+              </a:solidFill>
+              <a:latin typeface="微软雅黑" panose="020B0503020204020204" pitchFamily="34" charset="-122"/>
+              <a:ea typeface="微软雅黑" panose="020B0503020204020204" pitchFamily="34" charset="-122"/>
+              <a:sym typeface="微软雅黑" panose="020B0503020204020204" pitchFamily="34" charset="-122"/>
+            </a:endParaRPr>
           </a:p>
         </p:txBody>
       </p:sp>
       <p:grpSp>
         <p:nvGrpSpPr>
-          <p:cNvPr id="12294" name="组合 29">
-            <a:extLst>
-              <a:ext uri="{FF2B5EF4-FFF2-40B4-BE49-F238E27FC236}">
-                <a16:creationId xmlns:a16="http://schemas.microsoft.com/office/drawing/2014/main" id="{DE8D6FA0-8FC9-459A-8F36-0C1F707CDD91}"/>
-              </a:ext>
-            </a:extLst>
-          </p:cNvPr>
-          <p:cNvGrpSpPr>
-            <a:grpSpLocks/>
-          </p:cNvGrpSpPr>
+          <p:cNvPr id="12294" name="组合 29"/>
+          <p:cNvGrpSpPr/>
           <p:nvPr/>
         </p:nvGrpSpPr>
         <p:grpSpPr bwMode="auto">
@@ -18103,13 +17185,7 @@
         </p:grpSpPr>
         <p:sp>
           <p:nvSpPr>
-            <p:cNvPr id="17414" name="矩形 30">
-              <a:extLst>
-                <a:ext uri="{FF2B5EF4-FFF2-40B4-BE49-F238E27FC236}">
-                  <a16:creationId xmlns:a16="http://schemas.microsoft.com/office/drawing/2014/main" id="{06A5CFC0-985A-4337-B68E-3427D5789054}"/>
-                </a:ext>
-              </a:extLst>
-            </p:cNvPr>
+            <p:cNvPr id="17414" name="矩形 30"/>
             <p:cNvSpPr>
               <a:spLocks noChangeArrowheads="1"/>
             </p:cNvSpPr>
@@ -18159,13 +17235,7 @@
         </p:sp>
         <p:sp>
           <p:nvSpPr>
-            <p:cNvPr id="17415" name="矩形 31">
-              <a:extLst>
-                <a:ext uri="{FF2B5EF4-FFF2-40B4-BE49-F238E27FC236}">
-                  <a16:creationId xmlns:a16="http://schemas.microsoft.com/office/drawing/2014/main" id="{CDECF859-C999-4402-B28B-6AC615E3EF6D}"/>
-                </a:ext>
-              </a:extLst>
-            </p:cNvPr>
+            <p:cNvPr id="17415" name="矩形 31"/>
             <p:cNvSpPr>
               <a:spLocks noChangeArrowheads="1"/>
             </p:cNvSpPr>
@@ -18216,20 +17286,14 @@
       </p:grpSp>
       <p:pic>
         <p:nvPicPr>
-          <p:cNvPr id="17416" name="图片 1" descr="QQ截图20190906102856">
-            <a:extLst>
-              <a:ext uri="{FF2B5EF4-FFF2-40B4-BE49-F238E27FC236}">
-                <a16:creationId xmlns:a16="http://schemas.microsoft.com/office/drawing/2014/main" id="{CFF8B451-6D8C-4613-9EE9-48A76571AB96}"/>
-              </a:ext>
-            </a:extLst>
-          </p:cNvPr>
+          <p:cNvPr id="17416" name="图片 1" descr="QQ截图20190906102856"/>
           <p:cNvPicPr>
             <a:picLocks noChangeAspect="1" noChangeArrowheads="1"/>
           </p:cNvPicPr>
           <p:nvPr/>
         </p:nvPicPr>
         <p:blipFill>
-          <a:blip r:embed="rId3">
+          <a:blip r:embed="rId1">
             <a:extLst>
               <a:ext uri="{28A0092B-C50C-407E-A947-70E740481C1C}">
                 <a14:useLocalDpi xmlns:a14="http://schemas.microsoft.com/office/drawing/2010/main" val="0"/>
@@ -18276,7 +17340,7 @@
       </p:pic>
     </p:spTree>
     <p:custDataLst>
-      <p:tags r:id="rId1"/>
+      <p:tags r:id="rId2"/>
     </p:custDataLst>
   </p:cSld>
   <p:clrMapOvr>
@@ -18294,7 +17358,7 @@
               <p:cTn id="2" dur="indefinite" nodeType="mainSeq">
                 <p:childTnLst>
                   <p:par>
-                    <p:cTn id="3" fill="hold" nodeType="clickPar">
+                    <p:cTn id="3" fill="hold">
                       <p:stCondLst>
                         <p:cond delay="indefinite"/>
                         <p:cond evt="onBegin" delay="0">
@@ -18303,7 +17367,7 @@
                       </p:stCondLst>
                       <p:childTnLst>
                         <p:par>
-                          <p:cTn id="4" fill="hold" nodeType="withGroup">
+                          <p:cTn id="4" fill="hold">
                             <p:stCondLst>
                               <p:cond delay="0"/>
                             </p:stCondLst>
@@ -18385,9 +17449,9 @@
                           </p:cTn>
                         </p:par>
                         <p:par>
-                          <p:cTn id="9" fill="hold" nodeType="afterGroup">
+                          <p:cTn id="9" fill="hold">
                             <p:stCondLst>
-                              <p:cond delay="350"/>
+                              <p:cond delay="500"/>
                             </p:stCondLst>
                             <p:childTnLst>
                               <p:par>
@@ -18539,9 +17603,9 @@
                           </p:cTn>
                         </p:par>
                         <p:par>
-                          <p:cTn id="17" fill="hold" nodeType="afterGroup">
+                          <p:cTn id="17" fill="hold">
                             <p:stCondLst>
-                              <p:cond delay="990"/>
+                              <p:cond delay="639"/>
                             </p:stCondLst>
                             <p:childTnLst>
                               <p:par>
@@ -18632,16 +17696,8 @@
       </p:grpSpPr>
       <p:grpSp>
         <p:nvGrpSpPr>
-          <p:cNvPr id="13314" name="组合 16">
-            <a:extLst>
-              <a:ext uri="{FF2B5EF4-FFF2-40B4-BE49-F238E27FC236}">
-                <a16:creationId xmlns:a16="http://schemas.microsoft.com/office/drawing/2014/main" id="{1119ADA0-765B-4B74-852E-EA2905969504}"/>
-              </a:ext>
-            </a:extLst>
-          </p:cNvPr>
-          <p:cNvGrpSpPr>
-            <a:grpSpLocks/>
-          </p:cNvGrpSpPr>
+          <p:cNvPr id="13314" name="组合 16"/>
+          <p:cNvGrpSpPr/>
           <p:nvPr/>
         </p:nvGrpSpPr>
         <p:grpSpPr bwMode="auto">
@@ -18654,13 +17710,7 @@
         </p:grpSpPr>
         <p:sp>
           <p:nvSpPr>
-            <p:cNvPr id="18434" name="矩形 17">
-              <a:extLst>
-                <a:ext uri="{FF2B5EF4-FFF2-40B4-BE49-F238E27FC236}">
-                  <a16:creationId xmlns:a16="http://schemas.microsoft.com/office/drawing/2014/main" id="{68303147-6BED-43E2-8CCE-7B5521B9672D}"/>
-                </a:ext>
-              </a:extLst>
-            </p:cNvPr>
+            <p:cNvPr id="18434" name="矩形 17"/>
             <p:cNvSpPr>
               <a:spLocks noChangeArrowheads="1"/>
             </p:cNvSpPr>
@@ -18722,13 +17772,7 @@
         </p:sp>
         <p:sp>
           <p:nvSpPr>
-            <p:cNvPr id="18435" name="矩形 18">
-              <a:extLst>
-                <a:ext uri="{FF2B5EF4-FFF2-40B4-BE49-F238E27FC236}">
-                  <a16:creationId xmlns:a16="http://schemas.microsoft.com/office/drawing/2014/main" id="{5976091B-7005-4D34-9197-532CC357EA2A}"/>
-                </a:ext>
-              </a:extLst>
-            </p:cNvPr>
+            <p:cNvPr id="18435" name="矩形 18"/>
             <p:cNvSpPr>
               <a:spLocks noChangeArrowheads="1"/>
             </p:cNvSpPr>
@@ -18783,6 +17827,14 @@
                 </a:rPr>
                 <a:t>模拟器启动，显示界面如图所示。</a:t>
               </a:r>
+              <a:endParaRPr lang="zh-CN" altLang="en-US" sz="1600" dirty="0">
+                <a:solidFill>
+                  <a:srgbClr val="000000"/>
+                </a:solidFill>
+                <a:latin typeface="微软雅黑" panose="020B0503020204020204" pitchFamily="34" charset="-122"/>
+                <a:ea typeface="微软雅黑" panose="020B0503020204020204" pitchFamily="34" charset="-122"/>
+                <a:sym typeface="微软雅黑" panose="020B0503020204020204" pitchFamily="34" charset="-122"/>
+              </a:endParaRPr>
             </a:p>
             <a:p>
               <a:endParaRPr lang="zh-CN" altLang="en-US" sz="1600" dirty="0">
@@ -18828,6 +17880,14 @@
                 </a:rPr>
                 <a:t>！</a:t>
               </a:r>
+              <a:endParaRPr lang="zh-CN" altLang="en-US" sz="1600" dirty="0">
+                <a:solidFill>
+                  <a:srgbClr val="000000"/>
+                </a:solidFill>
+                <a:latin typeface="微软雅黑" panose="020B0503020204020204" pitchFamily="34" charset="-122"/>
+                <a:ea typeface="微软雅黑" panose="020B0503020204020204" pitchFamily="34" charset="-122"/>
+                <a:sym typeface="微软雅黑" panose="020B0503020204020204" pitchFamily="34" charset="-122"/>
+              </a:endParaRPr>
             </a:p>
             <a:p>
               <a:endParaRPr lang="zh-CN" altLang="en-US" dirty="0"/>
@@ -18837,13 +17897,7 @@
       </p:grpSp>
       <p:sp>
         <p:nvSpPr>
-          <p:cNvPr id="13317" name="TextBox 108">
-            <a:extLst>
-              <a:ext uri="{FF2B5EF4-FFF2-40B4-BE49-F238E27FC236}">
-                <a16:creationId xmlns:a16="http://schemas.microsoft.com/office/drawing/2014/main" id="{962702AB-36C6-4400-BC33-DF5B75DB3CC7}"/>
-              </a:ext>
-            </a:extLst>
-          </p:cNvPr>
+          <p:cNvPr id="13317" name="TextBox 108"/>
           <p:cNvSpPr>
             <a:spLocks noChangeArrowheads="1"/>
           </p:cNvSpPr>
@@ -18898,21 +17952,21 @@
               </a:rPr>
               <a:t>第一个应用程序</a:t>
             </a:r>
+            <a:endParaRPr lang="zh-CN" altLang="en-US">
+              <a:solidFill>
+                <a:schemeClr val="bg1"/>
+              </a:solidFill>
+              <a:latin typeface="微软雅黑" panose="020B0503020204020204" pitchFamily="34" charset="-122"/>
+              <a:ea typeface="微软雅黑" panose="020B0503020204020204" pitchFamily="34" charset="-122"/>
+              <a:sym typeface="微软雅黑" panose="020B0503020204020204" pitchFamily="34" charset="-122"/>
+            </a:endParaRPr>
           </a:p>
         </p:txBody>
       </p:sp>
       <p:grpSp>
         <p:nvGrpSpPr>
-          <p:cNvPr id="13318" name="组合 29">
-            <a:extLst>
-              <a:ext uri="{FF2B5EF4-FFF2-40B4-BE49-F238E27FC236}">
-                <a16:creationId xmlns:a16="http://schemas.microsoft.com/office/drawing/2014/main" id="{88AE4BE2-4549-48BB-BB14-2CA449F91B7C}"/>
-              </a:ext>
-            </a:extLst>
-          </p:cNvPr>
-          <p:cNvGrpSpPr>
-            <a:grpSpLocks/>
-          </p:cNvGrpSpPr>
+          <p:cNvPr id="13318" name="组合 29"/>
+          <p:cNvGrpSpPr/>
           <p:nvPr/>
         </p:nvGrpSpPr>
         <p:grpSpPr bwMode="auto">
@@ -18925,13 +17979,7 @@
         </p:grpSpPr>
         <p:sp>
           <p:nvSpPr>
-            <p:cNvPr id="18438" name="矩形 30">
-              <a:extLst>
-                <a:ext uri="{FF2B5EF4-FFF2-40B4-BE49-F238E27FC236}">
-                  <a16:creationId xmlns:a16="http://schemas.microsoft.com/office/drawing/2014/main" id="{374592FD-5740-4463-A313-989335247377}"/>
-                </a:ext>
-              </a:extLst>
-            </p:cNvPr>
+            <p:cNvPr id="18438" name="矩形 30"/>
             <p:cNvSpPr>
               <a:spLocks noChangeArrowheads="1"/>
             </p:cNvSpPr>
@@ -18981,13 +18029,7 @@
         </p:sp>
         <p:sp>
           <p:nvSpPr>
-            <p:cNvPr id="18439" name="矩形 31">
-              <a:extLst>
-                <a:ext uri="{FF2B5EF4-FFF2-40B4-BE49-F238E27FC236}">
-                  <a16:creationId xmlns:a16="http://schemas.microsoft.com/office/drawing/2014/main" id="{611BCDBE-5B1B-4BCD-BC4B-478AF2DC68C3}"/>
-                </a:ext>
-              </a:extLst>
-            </p:cNvPr>
+            <p:cNvPr id="18439" name="矩形 31"/>
             <p:cNvSpPr>
               <a:spLocks noChangeArrowheads="1"/>
             </p:cNvSpPr>
@@ -19038,13 +18080,7 @@
       </p:grpSp>
       <p:sp>
         <p:nvSpPr>
-          <p:cNvPr id="18440" name="文本框 2">
-            <a:extLst>
-              <a:ext uri="{FF2B5EF4-FFF2-40B4-BE49-F238E27FC236}">
-                <a16:creationId xmlns:a16="http://schemas.microsoft.com/office/drawing/2014/main" id="{54F4C830-3301-444D-8F2B-BB6E1B5BB402}"/>
-              </a:ext>
-            </a:extLst>
-          </p:cNvPr>
+          <p:cNvPr id="18440" name="文本框 2"/>
           <p:cNvSpPr txBox="1">
             <a:spLocks noChangeArrowheads="1"/>
           </p:cNvSpPr>
@@ -19095,6 +18131,11 @@
               </a:rPr>
               <a:t>【实验】</a:t>
             </a:r>
+            <a:endParaRPr lang="zh-CN" altLang="en-US" dirty="0">
+              <a:solidFill>
+                <a:srgbClr val="FF0000"/>
+              </a:solidFill>
+            </a:endParaRPr>
           </a:p>
           <a:p>
             <a:r>
@@ -19129,6 +18170,11 @@
               </a:rPr>
               <a:t>！</a:t>
             </a:r>
+            <a:endParaRPr lang="zh-CN" altLang="en-US" dirty="0">
+              <a:solidFill>
+                <a:srgbClr val="FF0000"/>
+              </a:solidFill>
+            </a:endParaRPr>
           </a:p>
           <a:p>
             <a:r>
@@ -19147,6 +18193,11 @@
               </a:rPr>
               <a:t>更改里面的文字。</a:t>
             </a:r>
+            <a:endParaRPr lang="zh-CN" altLang="en-US" dirty="0">
+              <a:solidFill>
+                <a:srgbClr val="FF0000"/>
+              </a:solidFill>
+            </a:endParaRPr>
           </a:p>
           <a:p>
             <a:r>
@@ -19165,18 +18216,17 @@
               </a:rPr>
               <a:t>手机连接计算机，在手机上测试。</a:t>
             </a:r>
+            <a:endParaRPr lang="zh-CN" altLang="en-US" dirty="0">
+              <a:solidFill>
+                <a:srgbClr val="FF0000"/>
+              </a:solidFill>
+            </a:endParaRPr>
           </a:p>
         </p:txBody>
       </p:sp>
       <p:sp>
         <p:nvSpPr>
-          <p:cNvPr id="18441" name="文本框 3">
-            <a:extLst>
-              <a:ext uri="{FF2B5EF4-FFF2-40B4-BE49-F238E27FC236}">
-                <a16:creationId xmlns:a16="http://schemas.microsoft.com/office/drawing/2014/main" id="{E44D207B-3AAB-4425-B91D-6B074C1BEE41}"/>
-              </a:ext>
-            </a:extLst>
-          </p:cNvPr>
+          <p:cNvPr id="18441" name="文本框 3"/>
           <p:cNvSpPr txBox="1">
             <a:spLocks noChangeArrowheads="1"/>
           </p:cNvSpPr>
@@ -19232,25 +18282,20 @@
               <a:rPr lang="zh-CN" altLang="en-US" sz="1200" dirty="0"/>
               <a:t>调试。）</a:t>
             </a:r>
+            <a:endParaRPr lang="zh-CN" altLang="en-US" sz="1200" dirty="0"/>
           </a:p>
         </p:txBody>
       </p:sp>
       <p:pic>
         <p:nvPicPr>
-          <p:cNvPr id="18442" name="图片 1" descr="QQ截图20190906103436">
-            <a:extLst>
-              <a:ext uri="{FF2B5EF4-FFF2-40B4-BE49-F238E27FC236}">
-                <a16:creationId xmlns:a16="http://schemas.microsoft.com/office/drawing/2014/main" id="{C130D986-6D6D-4BE7-BC35-4BE412E1302B}"/>
-              </a:ext>
-            </a:extLst>
-          </p:cNvPr>
+          <p:cNvPr id="18442" name="图片 1" descr="QQ截图20190906103436"/>
           <p:cNvPicPr>
             <a:picLocks noChangeAspect="1" noChangeArrowheads="1"/>
           </p:cNvPicPr>
           <p:nvPr/>
         </p:nvPicPr>
         <p:blipFill>
-          <a:blip r:embed="rId3">
+          <a:blip r:embed="rId1">
             <a:extLst>
               <a:ext uri="{28A0092B-C50C-407E-A947-70E740481C1C}">
                 <a14:useLocalDpi xmlns:a14="http://schemas.microsoft.com/office/drawing/2010/main" val="0"/>
@@ -19297,7 +18342,7 @@
       </p:pic>
     </p:spTree>
     <p:custDataLst>
-      <p:tags r:id="rId1"/>
+      <p:tags r:id="rId2"/>
     </p:custDataLst>
   </p:cSld>
   <p:clrMapOvr>
@@ -19315,7 +18360,7 @@
               <p:cTn id="2" dur="indefinite" nodeType="mainSeq">
                 <p:childTnLst>
                   <p:par>
-                    <p:cTn id="3" fill="hold" nodeType="clickPar">
+                    <p:cTn id="3" fill="hold">
                       <p:stCondLst>
                         <p:cond delay="indefinite"/>
                         <p:cond evt="onBegin" delay="0">
@@ -19324,7 +18369,7 @@
                       </p:stCondLst>
                       <p:childTnLst>
                         <p:par>
-                          <p:cTn id="4" fill="hold" nodeType="withGroup">
+                          <p:cTn id="4" fill="hold">
                             <p:stCondLst>
                               <p:cond delay="0"/>
                             </p:stCondLst>
@@ -19406,9 +18451,9 @@
                           </p:cTn>
                         </p:par>
                         <p:par>
-                          <p:cTn id="9" fill="hold" nodeType="afterGroup">
+                          <p:cTn id="9" fill="hold">
                             <p:stCondLst>
-                              <p:cond delay="350"/>
+                              <p:cond delay="500"/>
                             </p:stCondLst>
                             <p:childTnLst>
                               <p:par>
@@ -19560,9 +18605,9 @@
                           </p:cTn>
                         </p:par>
                         <p:par>
-                          <p:cTn id="17" fill="hold" nodeType="afterGroup">
+                          <p:cTn id="17" fill="hold">
                             <p:stCondLst>
-                              <p:cond delay="990"/>
+                              <p:cond delay="639"/>
                             </p:stCondLst>
                             <p:childTnLst>
                               <p:par>
@@ -19635,100 +18680,7 @@
 </file>
 
 <file path=ppt/tags/tag1.xml><?xml version="1.0" encoding="utf-8"?>
-<p:tagLst xmlns:a="http://schemas.openxmlformats.org/drawingml/2006/main" xmlns:r="http://schemas.openxmlformats.org/officeDocument/2006/relationships" xmlns:p="http://schemas.openxmlformats.org/presentationml/2006/main">
-  <p:tag name="KSO_WM_TAG_VERSION" val="1.0"/>
-  <p:tag name="KSO_WM_TEMPLATE_CATEGORY" val="custom"/>
-  <p:tag name="KSO_WM_TEMPLATE_INDEX" val="160404"/>
-</p:tagLst>
-</file>
-
-<file path=ppt/tags/tag10.xml><?xml version="1.0" encoding="utf-8"?>
-<p:tagLst xmlns:a="http://schemas.openxmlformats.org/drawingml/2006/main" xmlns:r="http://schemas.openxmlformats.org/officeDocument/2006/relationships" xmlns:p="http://schemas.openxmlformats.org/presentationml/2006/main">
-  <p:tag name="KSO_WM_TEMPLATE_CATEGORY" val="custom"/>
-  <p:tag name="KSO_WM_TEMPLATE_INDEX" val="160404"/>
-</p:tagLst>
-</file>
-
-<file path=ppt/tags/tag11.xml><?xml version="1.0" encoding="utf-8"?>
-<p:tagLst xmlns:a="http://schemas.openxmlformats.org/drawingml/2006/main" xmlns:r="http://schemas.openxmlformats.org/officeDocument/2006/relationships" xmlns:p="http://schemas.openxmlformats.org/presentationml/2006/main">
-  <p:tag name="KSO_WM_TEMPLATE_CATEGORY" val="custom"/>
-  <p:tag name="KSO_WM_TEMPLATE_INDEX" val="160404"/>
-</p:tagLst>
-</file>
-
-<file path=ppt/tags/tag12.xml><?xml version="1.0" encoding="utf-8"?>
-<p:tagLst xmlns:a="http://schemas.openxmlformats.org/drawingml/2006/main" xmlns:r="http://schemas.openxmlformats.org/officeDocument/2006/relationships" xmlns:p="http://schemas.openxmlformats.org/presentationml/2006/main">
-  <p:tag name="KSO_WM_TEMPLATE_CATEGORY" val="custom"/>
-  <p:tag name="KSO_WM_TEMPLATE_INDEX" val="160404"/>
-</p:tagLst>
-</file>
-
-<file path=ppt/tags/tag13.xml><?xml version="1.0" encoding="utf-8"?>
-<p:tagLst xmlns:a="http://schemas.openxmlformats.org/drawingml/2006/main" xmlns:r="http://schemas.openxmlformats.org/officeDocument/2006/relationships" xmlns:p="http://schemas.openxmlformats.org/presentationml/2006/main">
-  <p:tag name="KSO_WM_TEMPLATE_CATEGORY" val="custom"/>
-  <p:tag name="KSO_WM_TEMPLATE_INDEX" val="160404"/>
-</p:tagLst>
-</file>
-
-<file path=ppt/tags/tag14.xml><?xml version="1.0" encoding="utf-8"?>
-<p:tagLst xmlns:a="http://schemas.openxmlformats.org/drawingml/2006/main" xmlns:r="http://schemas.openxmlformats.org/officeDocument/2006/relationships" xmlns:p="http://schemas.openxmlformats.org/presentationml/2006/main">
-  <p:tag name="KSO_WM_TEMPLATE_CATEGORY" val="custom"/>
-  <p:tag name="KSO_WM_TEMPLATE_INDEX" val="160404"/>
-</p:tagLst>
-</file>
-
-<file path=ppt/tags/tag15.xml><?xml version="1.0" encoding="utf-8"?>
-<p:tagLst xmlns:a="http://schemas.openxmlformats.org/drawingml/2006/main" xmlns:r="http://schemas.openxmlformats.org/officeDocument/2006/relationships" xmlns:p="http://schemas.openxmlformats.org/presentationml/2006/main">
-  <p:tag name="KSO_WM_TEMPLATE_CATEGORY" val="custom"/>
-  <p:tag name="KSO_WM_TEMPLATE_INDEX" val="160404"/>
-</p:tagLst>
-</file>
-
-<file path=ppt/tags/tag16.xml><?xml version="1.0" encoding="utf-8"?>
-<p:tagLst xmlns:a="http://schemas.openxmlformats.org/drawingml/2006/main" xmlns:r="http://schemas.openxmlformats.org/officeDocument/2006/relationships" xmlns:p="http://schemas.openxmlformats.org/presentationml/2006/main">
-  <p:tag name="KSO_WM_TEMPLATE_CATEGORY" val="custom"/>
-  <p:tag name="KSO_WM_TEMPLATE_INDEX" val="160404"/>
-</p:tagLst>
-</file>
-
-<file path=ppt/tags/tag17.xml><?xml version="1.0" encoding="utf-8"?>
-<p:tagLst xmlns:a="http://schemas.openxmlformats.org/drawingml/2006/main" xmlns:r="http://schemas.openxmlformats.org/officeDocument/2006/relationships" xmlns:p="http://schemas.openxmlformats.org/presentationml/2006/main">
-  <p:tag name="KSO_WM_TEMPLATE_CATEGORY" val="custom"/>
-  <p:tag name="KSO_WM_TEMPLATE_INDEX" val="160404"/>
-</p:tagLst>
-</file>
-
-<file path=ppt/tags/tag18.xml><?xml version="1.0" encoding="utf-8"?>
-<p:tagLst xmlns:a="http://schemas.openxmlformats.org/drawingml/2006/main" xmlns:r="http://schemas.openxmlformats.org/officeDocument/2006/relationships" xmlns:p="http://schemas.openxmlformats.org/presentationml/2006/main">
-  <p:tag name="KSO_WM_TEMPLATE_CATEGORY" val="custom"/>
-  <p:tag name="KSO_WM_TEMPLATE_INDEX" val="160404"/>
-</p:tagLst>
-</file>
-
-<file path=ppt/tags/tag19.xml><?xml version="1.0" encoding="utf-8"?>
-<p:tagLst xmlns:a="http://schemas.openxmlformats.org/drawingml/2006/main" xmlns:r="http://schemas.openxmlformats.org/officeDocument/2006/relationships" xmlns:p="http://schemas.openxmlformats.org/presentationml/2006/main">
-  <p:tag name="KSO_WM_TEMPLATE_CATEGORY" val="custom"/>
-  <p:tag name="KSO_WM_TEMPLATE_INDEX" val="160404"/>
-</p:tagLst>
-</file>
-
-<file path=ppt/tags/tag2.xml><?xml version="1.0" encoding="utf-8"?>
-<p:tagLst xmlns:a="http://schemas.openxmlformats.org/drawingml/2006/main" xmlns:r="http://schemas.openxmlformats.org/officeDocument/2006/relationships" xmlns:p="http://schemas.openxmlformats.org/presentationml/2006/main">
-  <p:tag name="KSO_WM_TAG_VERSION" val="1.0"/>
-  <p:tag name="KSO_WM_TEMPLATE_CATEGORY" val="custom"/>
-  <p:tag name="KSO_WM_TEMPLATE_INDEX" val="160404"/>
-</p:tagLst>
-</file>
-
-<file path=ppt/tags/tag20.xml><?xml version="1.0" encoding="utf-8"?>
-<p:tagLst xmlns:a="http://schemas.openxmlformats.org/drawingml/2006/main" xmlns:r="http://schemas.openxmlformats.org/officeDocument/2006/relationships" xmlns:p="http://schemas.openxmlformats.org/presentationml/2006/main">
-  <p:tag name="KSO_WM_TEMPLATE_CATEGORY" val="custom"/>
-  <p:tag name="KSO_WM_TEMPLATE_INDEX" val="160404"/>
-</p:tagLst>
-</file>
-
-<file path=ppt/tags/tag3.xml><?xml version="1.0" encoding="utf-8"?>
-<p:tagLst xmlns:a="http://schemas.openxmlformats.org/drawingml/2006/main" xmlns:r="http://schemas.openxmlformats.org/officeDocument/2006/relationships" xmlns:p="http://schemas.openxmlformats.org/presentationml/2006/main">
+<p:tagLst xmlns:p="http://schemas.openxmlformats.org/presentationml/2006/main">
   <p:tag name="KSO_WM_TAG_VERSION" val="1.0"/>
   <p:tag name="KSO_WM_BEAUTIFY_FLAG" val="#wm#"/>
   <p:tag name="KSO_WM_UNIT_TYPE" val="i"/>
@@ -19738,8 +18690,78 @@
 </p:tagLst>
 </file>
 
-<file path=ppt/tags/tag4.xml><?xml version="1.0" encoding="utf-8"?>
-<p:tagLst xmlns:a="http://schemas.openxmlformats.org/drawingml/2006/main" xmlns:r="http://schemas.openxmlformats.org/officeDocument/2006/relationships" xmlns:p="http://schemas.openxmlformats.org/presentationml/2006/main">
+<file path=ppt/tags/tag10.xml><?xml version="1.0" encoding="utf-8"?>
+<p:tagLst xmlns:p="http://schemas.openxmlformats.org/presentationml/2006/main">
+  <p:tag name="KSO_WM_TEMPLATE_CATEGORY" val="custom"/>
+  <p:tag name="KSO_WM_TEMPLATE_INDEX" val="160404"/>
+</p:tagLst>
+</file>
+
+<file path=ppt/tags/tag11.xml><?xml version="1.0" encoding="utf-8"?>
+<p:tagLst xmlns:p="http://schemas.openxmlformats.org/presentationml/2006/main">
+  <p:tag name="KSO_WM_TEMPLATE_CATEGORY" val="custom"/>
+  <p:tag name="KSO_WM_TEMPLATE_INDEX" val="160404"/>
+</p:tagLst>
+</file>
+
+<file path=ppt/tags/tag12.xml><?xml version="1.0" encoding="utf-8"?>
+<p:tagLst xmlns:p="http://schemas.openxmlformats.org/presentationml/2006/main">
+  <p:tag name="KSO_WM_TEMPLATE_CATEGORY" val="custom"/>
+  <p:tag name="KSO_WM_TEMPLATE_INDEX" val="160404"/>
+</p:tagLst>
+</file>
+
+<file path=ppt/tags/tag13.xml><?xml version="1.0" encoding="utf-8"?>
+<p:tagLst xmlns:p="http://schemas.openxmlformats.org/presentationml/2006/main">
+  <p:tag name="KSO_WM_TEMPLATE_CATEGORY" val="custom"/>
+  <p:tag name="KSO_WM_TEMPLATE_INDEX" val="160404"/>
+</p:tagLst>
+</file>
+
+<file path=ppt/tags/tag14.xml><?xml version="1.0" encoding="utf-8"?>
+<p:tagLst xmlns:p="http://schemas.openxmlformats.org/presentationml/2006/main">
+  <p:tag name="KSO_WM_TEMPLATE_CATEGORY" val="custom"/>
+  <p:tag name="KSO_WM_TEMPLATE_INDEX" val="160404"/>
+</p:tagLst>
+</file>
+
+<file path=ppt/tags/tag15.xml><?xml version="1.0" encoding="utf-8"?>
+<p:tagLst xmlns:p="http://schemas.openxmlformats.org/presentationml/2006/main">
+  <p:tag name="KSO_WM_TEMPLATE_CATEGORY" val="custom"/>
+  <p:tag name="KSO_WM_TEMPLATE_INDEX" val="160404"/>
+</p:tagLst>
+</file>
+
+<file path=ppt/tags/tag16.xml><?xml version="1.0" encoding="utf-8"?>
+<p:tagLst xmlns:p="http://schemas.openxmlformats.org/presentationml/2006/main">
+  <p:tag name="KSO_WM_TEMPLATE_CATEGORY" val="custom"/>
+  <p:tag name="KSO_WM_TEMPLATE_INDEX" val="160404"/>
+</p:tagLst>
+</file>
+
+<file path=ppt/tags/tag17.xml><?xml version="1.0" encoding="utf-8"?>
+<p:tagLst xmlns:p="http://schemas.openxmlformats.org/presentationml/2006/main">
+  <p:tag name="KSO_WM_TEMPLATE_CATEGORY" val="custom"/>
+  <p:tag name="KSO_WM_TEMPLATE_INDEX" val="160404"/>
+</p:tagLst>
+</file>
+
+<file path=ppt/tags/tag18.xml><?xml version="1.0" encoding="utf-8"?>
+<p:tagLst xmlns:p="http://schemas.openxmlformats.org/presentationml/2006/main">
+  <p:tag name="KSO_WM_TEMPLATE_CATEGORY" val="custom"/>
+  <p:tag name="KSO_WM_TEMPLATE_INDEX" val="160404"/>
+</p:tagLst>
+</file>
+
+<file path=ppt/tags/tag19.xml><?xml version="1.0" encoding="utf-8"?>
+<p:tagLst xmlns:p="http://schemas.openxmlformats.org/presentationml/2006/main">
+  <p:tag name="KSO_WM_TEMPLATE_CATEGORY" val="custom"/>
+  <p:tag name="KSO_WM_TEMPLATE_INDEX" val="160404"/>
+</p:tagLst>
+</file>
+
+<file path=ppt/tags/tag2.xml><?xml version="1.0" encoding="utf-8"?>
+<p:tagLst xmlns:p="http://schemas.openxmlformats.org/presentationml/2006/main">
   <p:tag name="KSO_WM_TAG_VERSION" val="1.0"/>
   <p:tag name="KSO_WM_BEAUTIFY_FLAG" val="#wm#"/>
   <p:tag name="KSO_WM_UNIT_TYPE" val="i"/>
@@ -19749,8 +18771,29 @@
 </p:tagLst>
 </file>
 
-<file path=ppt/tags/tag5.xml><?xml version="1.0" encoding="utf-8"?>
-<p:tagLst xmlns:a="http://schemas.openxmlformats.org/drawingml/2006/main" xmlns:r="http://schemas.openxmlformats.org/officeDocument/2006/relationships" xmlns:p="http://schemas.openxmlformats.org/presentationml/2006/main">
+<file path=ppt/tags/tag20.xml><?xml version="1.0" encoding="utf-8"?>
+<p:tagLst xmlns:p="http://schemas.openxmlformats.org/presentationml/2006/main">
+  <p:tag name="KSO_WM_UNIT_PLACING_PICTURE_USER_VIEWPORT" val="{&quot;height&quot;:4624,&quot;width&quot;:2603}"/>
+</p:tagLst>
+</file>
+
+<file path=ppt/tags/tag21.xml><?xml version="1.0" encoding="utf-8"?>
+<p:tagLst xmlns:p="http://schemas.openxmlformats.org/presentationml/2006/main">
+  <p:tag name="KSO_WM_BEAUTIFY_FLAG" val="#wm#"/>
+  <p:tag name="KSO_WM_TEMPLATE_CATEGORY" val="custom"/>
+  <p:tag name="KSO_WM_TEMPLATE_INDEX" val="160404"/>
+</p:tagLst>
+</file>
+
+<file path=ppt/tags/tag22.xml><?xml version="1.0" encoding="utf-8"?>
+<p:tagLst xmlns:p="http://schemas.openxmlformats.org/presentationml/2006/main">
+  <p:tag name="KSO_WM_TEMPLATE_CATEGORY" val="custom"/>
+  <p:tag name="KSO_WM_TEMPLATE_INDEX" val="160404"/>
+</p:tagLst>
+</file>
+
+<file path=ppt/tags/tag3.xml><?xml version="1.0" encoding="utf-8"?>
+<p:tagLst xmlns:p="http://schemas.openxmlformats.org/presentationml/2006/main">
   <p:tag name="KSO_WM_TAG_VERSION" val="1.0"/>
   <p:tag name="KSO_WM_BEAUTIFY_FLAG" val="#wm#"/>
   <p:tag name="KSO_WM_UNIT_TYPE" val="i"/>
@@ -19760,29 +18803,45 @@
 </p:tagLst>
 </file>
 
+<file path=ppt/tags/tag4.xml><?xml version="1.0" encoding="utf-8"?>
+<p:tagLst xmlns:p="http://schemas.openxmlformats.org/presentationml/2006/main">
+  <p:tag name="KSO_WM_TAG_VERSION" val="1.0"/>
+  <p:tag name="KSO_WM_TEMPLATE_CATEGORY" val="custom"/>
+  <p:tag name="KSO_WM_TEMPLATE_INDEX" val="160404"/>
+</p:tagLst>
+</file>
+
+<file path=ppt/tags/tag5.xml><?xml version="1.0" encoding="utf-8"?>
+<p:tagLst xmlns:p="http://schemas.openxmlformats.org/presentationml/2006/main">
+  <p:tag name="KSO_WM_TAG_VERSION" val="1.0"/>
+  <p:tag name="KSO_WM_TEMPLATE_CATEGORY" val="custom"/>
+  <p:tag name="KSO_WM_TEMPLATE_INDEX" val="160404"/>
+</p:tagLst>
+</file>
+
 <file path=ppt/tags/tag6.xml><?xml version="1.0" encoding="utf-8"?>
-<p:tagLst xmlns:a="http://schemas.openxmlformats.org/drawingml/2006/main" xmlns:r="http://schemas.openxmlformats.org/officeDocument/2006/relationships" xmlns:p="http://schemas.openxmlformats.org/presentationml/2006/main">
+<p:tagLst xmlns:p="http://schemas.openxmlformats.org/presentationml/2006/main">
   <p:tag name="KSO_WM_TEMPLATE_CATEGORY" val="custom"/>
   <p:tag name="KSO_WM_TEMPLATE_INDEX" val="160404"/>
 </p:tagLst>
 </file>
 
 <file path=ppt/tags/tag7.xml><?xml version="1.0" encoding="utf-8"?>
-<p:tagLst xmlns:a="http://schemas.openxmlformats.org/drawingml/2006/main" xmlns:r="http://schemas.openxmlformats.org/officeDocument/2006/relationships" xmlns:p="http://schemas.openxmlformats.org/presentationml/2006/main">
+<p:tagLst xmlns:p="http://schemas.openxmlformats.org/presentationml/2006/main">
   <p:tag name="KSO_WM_TEMPLATE_CATEGORY" val="custom"/>
   <p:tag name="KSO_WM_TEMPLATE_INDEX" val="160404"/>
 </p:tagLst>
 </file>
 
 <file path=ppt/tags/tag8.xml><?xml version="1.0" encoding="utf-8"?>
-<p:tagLst xmlns:a="http://schemas.openxmlformats.org/drawingml/2006/main" xmlns:r="http://schemas.openxmlformats.org/officeDocument/2006/relationships" xmlns:p="http://schemas.openxmlformats.org/presentationml/2006/main">
+<p:tagLst xmlns:p="http://schemas.openxmlformats.org/presentationml/2006/main">
   <p:tag name="KSO_WM_TEMPLATE_CATEGORY" val="custom"/>
   <p:tag name="KSO_WM_TEMPLATE_INDEX" val="160404"/>
 </p:tagLst>
 </file>
 
 <file path=ppt/tags/tag9.xml><?xml version="1.0" encoding="utf-8"?>
-<p:tagLst xmlns:a="http://schemas.openxmlformats.org/drawingml/2006/main" xmlns:r="http://schemas.openxmlformats.org/officeDocument/2006/relationships" xmlns:p="http://schemas.openxmlformats.org/presentationml/2006/main">
+<p:tagLst xmlns:p="http://schemas.openxmlformats.org/presentationml/2006/main">
   <p:tag name="KSO_WM_TEMPLATE_CATEGORY" val="custom"/>
   <p:tag name="KSO_WM_TEMPLATE_INDEX" val="160404"/>
 </p:tagLst>
@@ -20039,8 +19098,6 @@
       </a:bgFillStyleLst>
     </a:fmtScheme>
   </a:themeElements>
-  <a:objectDefaults/>
-  <a:extraClrSchemeLst/>
   <a:extLst>
     <a:ext uri="{05A4C25C-085E-4340-85A3-A5531E510DB2}">
       <thm15:themeFamily xmlns:thm15="http://schemas.microsoft.com/office/thememl/2012/main" name="Office Theme" id="{62F939B6-93AF-4DB8-9C6B-D6C7DFDC589F}" vid="{4A3C46E8-61CC-4603-A589-7422A47A8E4A}"/>
@@ -20329,8 +19386,6 @@
       </a:bgFillStyleLst>
     </a:fmtScheme>
   </a:themeElements>
-  <a:objectDefaults/>
-  <a:extraClrSchemeLst/>
   <a:extLst>
     <a:ext uri="{05A4C25C-085E-4340-85A3-A5531E510DB2}">
       <thm15:themeFamily xmlns:thm15="http://schemas.microsoft.com/office/thememl/2012/main" name="Office Theme" id="{62F939B6-93AF-4DB8-9C6B-D6C7DFDC589F}" vid="{4A3C46E8-61CC-4603-A589-7422A47A8E4A}"/>

--- a/02.0 -- 首个程序 -- 第02章.pptx
+++ b/02.0 -- 首个程序 -- 第02章.pptx
@@ -5,25 +5,25 @@
     <p:sldMasterId id="2147483648" r:id="rId1"/>
   </p:sldMasterIdLst>
   <p:notesMasterIdLst>
-    <p:notesMasterId r:id="rId4"/>
+    <p:notesMasterId r:id="rId18"/>
   </p:notesMasterIdLst>
   <p:sldIdLst>
-    <p:sldId id="441" r:id="rId3"/>
-    <p:sldId id="422" r:id="rId5"/>
-    <p:sldId id="259" r:id="rId6"/>
-    <p:sldId id="370" r:id="rId7"/>
-    <p:sldId id="371" r:id="rId8"/>
-    <p:sldId id="372" r:id="rId9"/>
-    <p:sldId id="375" r:id="rId10"/>
-    <p:sldId id="376" r:id="rId11"/>
-    <p:sldId id="377" r:id="rId12"/>
-    <p:sldId id="378" r:id="rId13"/>
-    <p:sldId id="379" r:id="rId14"/>
-    <p:sldId id="380" r:id="rId15"/>
-    <p:sldId id="419" r:id="rId16"/>
-    <p:sldId id="382" r:id="rId17"/>
-    <p:sldId id="456" r:id="rId18"/>
-    <p:sldId id="440" r:id="rId19"/>
+    <p:sldId id="441" r:id="rId2"/>
+    <p:sldId id="422" r:id="rId3"/>
+    <p:sldId id="259" r:id="rId4"/>
+    <p:sldId id="370" r:id="rId5"/>
+    <p:sldId id="371" r:id="rId6"/>
+    <p:sldId id="372" r:id="rId7"/>
+    <p:sldId id="375" r:id="rId8"/>
+    <p:sldId id="376" r:id="rId9"/>
+    <p:sldId id="377" r:id="rId10"/>
+    <p:sldId id="378" r:id="rId11"/>
+    <p:sldId id="379" r:id="rId12"/>
+    <p:sldId id="380" r:id="rId13"/>
+    <p:sldId id="419" r:id="rId14"/>
+    <p:sldId id="382" r:id="rId15"/>
+    <p:sldId id="456" r:id="rId16"/>
+    <p:sldId id="440" r:id="rId17"/>
   </p:sldIdLst>
   <p:sldSz cx="9144000" cy="5143500" type="screen16x9"/>
   <p:notesSz cx="6858000" cy="9144000"/>
@@ -157,6 +157,22 @@
       </a:defRPr>
     </a:lvl9pPr>
   </p:defaultTextStyle>
+  <p:extLst>
+    <p:ext uri="{EFAFB233-063F-42B5-8137-9DF3F51BA10A}">
+      <p15:sldGuideLst xmlns:p15="http://schemas.microsoft.com/office/powerpoint/2012/main">
+        <p15:guide id="1" orient="horz" pos="1623">
+          <p15:clr>
+            <a:srgbClr val="A4A3A4"/>
+          </p15:clr>
+        </p15:guide>
+        <p15:guide id="2" pos="2865">
+          <p15:clr>
+            <a:srgbClr val="A4A3A4"/>
+          </p15:clr>
+        </p15:guide>
+      </p15:sldGuideLst>
+    </p:ext>
+  </p:extLst>
 </p:presentation>
 </file>
 
@@ -297,6 +313,7 @@
             </a:pPr>
             <a:fld id="{9D66B05F-D423-4A11-9FF1-F5901BEB31AC}" type="datetime1">
               <a:rPr lang="zh-CN" altLang="en-US"/>
+              <a:t>2021/8/30</a:t>
             </a:fld>
             <a:endParaRPr lang="zh-CN" altLang="en-US" sz="1200"/>
           </a:p>
@@ -510,9 +527,6 @@
               </a:rPr>
               <a:t>单击此处编辑母版文本样式</a:t>
             </a:r>
-            <a:endParaRPr lang="zh-CN" altLang="en-US">
-              <a:sym typeface="+mn-ea"/>
-            </a:endParaRPr>
           </a:p>
           <a:p>
             <a:pPr>
@@ -526,9 +540,6 @@
               </a:rPr>
               <a:t>第二级</a:t>
             </a:r>
-            <a:endParaRPr lang="zh-CN" altLang="en-US">
-              <a:sym typeface="+mn-ea"/>
-            </a:endParaRPr>
           </a:p>
           <a:p>
             <a:pPr>
@@ -542,9 +553,6 @@
               </a:rPr>
               <a:t>第三级</a:t>
             </a:r>
-            <a:endParaRPr lang="zh-CN" altLang="en-US">
-              <a:sym typeface="+mn-ea"/>
-            </a:endParaRPr>
           </a:p>
           <a:p>
             <a:pPr>
@@ -558,9 +566,6 @@
               </a:rPr>
               <a:t>第四级</a:t>
             </a:r>
-            <a:endParaRPr lang="zh-CN" altLang="en-US">
-              <a:sym typeface="+mn-ea"/>
-            </a:endParaRPr>
           </a:p>
           <a:p>
             <a:pPr>
@@ -574,9 +579,6 @@
               </a:rPr>
               <a:t>第五级</a:t>
             </a:r>
-            <a:endParaRPr lang="zh-CN" altLang="en-US">
-              <a:sym typeface="+mn-ea"/>
-            </a:endParaRPr>
           </a:p>
         </p:txBody>
       </p:sp>
@@ -689,6 +691,7 @@
           <a:p>
             <a:fld id="{6BD299C1-4962-4C04-8AB6-24E5E225D8FF}" type="slidenum">
               <a:rPr lang="zh-CN" altLang="en-US"/>
+              <a:t>‹#›</a:t>
             </a:fld>
             <a:endParaRPr lang="zh-CN" altLang="en-US" sz="1200"/>
           </a:p>
@@ -920,6 +923,7 @@
               <a:rPr altLang="en-US" sz="1200" noProof="1">
                 <a:latin typeface="Calibri" panose="020F0502020204030204" pitchFamily="34" charset="0"/>
               </a:rPr>
+              <a:t>1</a:t>
             </a:fld>
             <a:endParaRPr lang="zh-CN" altLang="en-US" sz="1200" noProof="1">
               <a:latin typeface="Calibri" panose="020F0502020204030204" pitchFamily="34" charset="0"/>
@@ -1030,6 +1034,7 @@
           <a:p>
             <a:fld id="{BB203C55-82BD-4E27-9E65-0BD6E138363E}" type="slidenum">
               <a:rPr altLang="en-US" sz="1200" noProof="1"/>
+              <a:t>2</a:t>
             </a:fld>
             <a:endParaRPr lang="zh-CN" altLang="en-US" sz="1200" noProof="1"/>
           </a:p>
@@ -1138,6 +1143,7 @@
           <a:p>
             <a:fld id="{BFE0CFC5-601A-47A1-8880-140EF9200A23}" type="slidenum">
               <a:rPr altLang="en-US" sz="1200" noProof="1"/>
+              <a:t>16</a:t>
             </a:fld>
             <a:endParaRPr lang="zh-CN" altLang="en-US" sz="1200" noProof="1"/>
           </a:p>
@@ -1152,7 +1158,7 @@
 </file>
 
 <file path=ppt/slideLayouts/slideLayout1.xml><?xml version="1.0" encoding="utf-8"?>
-<p:sldLayout xmlns:a="http://schemas.openxmlformats.org/drawingml/2006/main" xmlns:r="http://schemas.openxmlformats.org/officeDocument/2006/relationships" xmlns:p="http://schemas.openxmlformats.org/presentationml/2006/main" type="title" preserve="1" showMasterSp="0">
+<p:sldLayout xmlns:a="http://schemas.openxmlformats.org/drawingml/2006/main" xmlns:r="http://schemas.openxmlformats.org/officeDocument/2006/relationships" xmlns:p="http://schemas.openxmlformats.org/presentationml/2006/main" showMasterSp="0" type="title" preserve="1">
   <p:cSld name="标题幻灯片">
     <p:spTree>
       <p:nvGrpSpPr>
@@ -1454,6 +1460,7 @@
           <a:p>
             <a:fld id="{78F8A529-4176-4E5C-9C1D-995C99544B04}" type="slidenum">
               <a:rPr lang="zh-CN" altLang="en-US"/>
+              <a:t>‹#›</a:t>
             </a:fld>
             <a:endParaRPr lang="zh-CN" altLang="en-US"/>
           </a:p>
@@ -1525,7 +1532,6 @@
               <a:rPr lang="zh-CN" altLang="en-US" noProof="1"/>
               <a:t>单击此处编辑母版文本样式</a:t>
             </a:r>
-            <a:endParaRPr lang="zh-CN" altLang="en-US" noProof="1"/>
           </a:p>
           <a:p>
             <a:pPr lvl="1"/>
@@ -1533,7 +1539,6 @@
               <a:rPr lang="zh-CN" altLang="en-US" noProof="1"/>
               <a:t>第二级</a:t>
             </a:r>
-            <a:endParaRPr lang="zh-CN" altLang="en-US" noProof="1"/>
           </a:p>
           <a:p>
             <a:pPr lvl="2"/>
@@ -1541,7 +1546,6 @@
               <a:rPr lang="zh-CN" altLang="en-US" noProof="1"/>
               <a:t>第三级</a:t>
             </a:r>
-            <a:endParaRPr lang="zh-CN" altLang="en-US" noProof="1"/>
           </a:p>
           <a:p>
             <a:pPr lvl="3"/>
@@ -1549,7 +1553,6 @@
               <a:rPr lang="zh-CN" altLang="en-US" noProof="1"/>
               <a:t>第四级</a:t>
             </a:r>
-            <a:endParaRPr lang="zh-CN" altLang="en-US" noProof="1"/>
           </a:p>
           <a:p>
             <a:pPr lvl="4"/>
@@ -1557,7 +1560,6 @@
               <a:rPr lang="zh-CN" altLang="en-US" noProof="1"/>
               <a:t>第五级</a:t>
             </a:r>
-            <a:endParaRPr lang="zh-CN" altLang="en-US" noProof="1"/>
           </a:p>
         </p:txBody>
       </p:sp>
@@ -1634,6 +1636,7 @@
           <a:p>
             <a:fld id="{A59D4C57-EF0E-4E0C-85A6-F732D41B0010}" type="slidenum">
               <a:rPr lang="zh-CN" altLang="en-US"/>
+              <a:t>‹#›</a:t>
             </a:fld>
             <a:endParaRPr lang="zh-CN" altLang="en-US"/>
           </a:p>
@@ -1691,7 +1694,6 @@
               <a:rPr lang="zh-CN" altLang="en-US" noProof="1"/>
               <a:t>单击此处编辑母版标题样式</a:t>
             </a:r>
-            <a:endParaRPr lang="zh-CN" altLang="en-US" noProof="1"/>
           </a:p>
         </p:txBody>
       </p:sp>
@@ -1768,6 +1770,7 @@
           <a:p>
             <a:fld id="{0534C624-3E93-4B54-BC5A-A376E945EDB4}" type="slidenum">
               <a:rPr lang="zh-CN" altLang="en-US"/>
+              <a:t>‹#›</a:t>
             </a:fld>
             <a:endParaRPr lang="zh-CN" altLang="en-US"/>
           </a:p>
@@ -1871,6 +1874,7 @@
           <a:p>
             <a:fld id="{845868ED-6E02-4DF9-9BDE-8A5453A774FE}" type="slidenum">
               <a:rPr lang="zh-CN" altLang="en-US"/>
+              <a:t>‹#›</a:t>
             </a:fld>
             <a:endParaRPr lang="zh-CN" altLang="en-US"/>
           </a:p>
@@ -1974,6 +1978,7 @@
           <a:p>
             <a:fld id="{97B37B71-16DC-4828-96A9-A96C47C89C54}" type="slidenum">
               <a:rPr lang="zh-CN" altLang="en-US"/>
+              <a:t>‹#›</a:t>
             </a:fld>
             <a:endParaRPr lang="zh-CN" altLang="en-US"/>
           </a:p>
@@ -2047,7 +2052,6 @@
               <a:rPr lang="zh-CN" altLang="en-US" noProof="1"/>
               <a:t>单击此处编辑母版文本样式</a:t>
             </a:r>
-            <a:endParaRPr lang="zh-CN" altLang="en-US" noProof="1"/>
           </a:p>
           <a:p>
             <a:pPr lvl="1"/>
@@ -2055,7 +2059,6 @@
               <a:rPr lang="zh-CN" altLang="en-US" noProof="1"/>
               <a:t>第二级</a:t>
             </a:r>
-            <a:endParaRPr lang="zh-CN" altLang="en-US" noProof="1"/>
           </a:p>
           <a:p>
             <a:pPr lvl="2"/>
@@ -2063,7 +2066,6 @@
               <a:rPr lang="zh-CN" altLang="en-US" noProof="1"/>
               <a:t>第三级</a:t>
             </a:r>
-            <a:endParaRPr lang="zh-CN" altLang="en-US" noProof="1"/>
           </a:p>
           <a:p>
             <a:pPr lvl="3"/>
@@ -2071,7 +2073,6 @@
               <a:rPr lang="zh-CN" altLang="en-US" noProof="1"/>
               <a:t>第四级</a:t>
             </a:r>
-            <a:endParaRPr lang="zh-CN" altLang="en-US" noProof="1"/>
           </a:p>
           <a:p>
             <a:pPr lvl="4"/>
@@ -2156,6 +2157,7 @@
           <a:p>
             <a:fld id="{1BCC1325-0A19-4281-87AB-645BDF5EDE5A}" type="slidenum">
               <a:rPr lang="zh-CN" altLang="en-US"/>
+              <a:t>‹#›</a:t>
             </a:fld>
             <a:endParaRPr lang="zh-CN" altLang="en-US"/>
           </a:p>
@@ -2170,7 +2172,7 @@
 </file>
 
 <file path=ppt/slideLayouts/slideLayout3.xml><?xml version="1.0" encoding="utf-8"?>
-<p:sldLayout xmlns:a="http://schemas.openxmlformats.org/drawingml/2006/main" xmlns:r="http://schemas.openxmlformats.org/officeDocument/2006/relationships" xmlns:p="http://schemas.openxmlformats.org/presentationml/2006/main" type="secHead" preserve="1" showMasterSp="0">
+<p:sldLayout xmlns:a="http://schemas.openxmlformats.org/drawingml/2006/main" xmlns:r="http://schemas.openxmlformats.org/officeDocument/2006/relationships" xmlns:p="http://schemas.openxmlformats.org/presentationml/2006/main" showMasterSp="0" type="secHead" preserve="1">
   <p:cSld name="节标题">
     <p:spTree>
       <p:nvGrpSpPr>
@@ -2433,7 +2435,6 @@
               <a:rPr lang="zh-CN" altLang="en-US" noProof="1"/>
               <a:t>单击此处编辑母版文本样式</a:t>
             </a:r>
-            <a:endParaRPr lang="zh-CN" altLang="en-US" noProof="1"/>
           </a:p>
         </p:txBody>
       </p:sp>
@@ -2510,6 +2511,7 @@
           <a:p>
             <a:fld id="{538C1B60-BB4E-432F-9CE8-6A920F196365}" type="slidenum">
               <a:rPr lang="zh-CN" altLang="en-US"/>
+              <a:t>‹#›</a:t>
             </a:fld>
             <a:endParaRPr lang="zh-CN" altLang="en-US"/>
           </a:p>
@@ -2592,7 +2594,6 @@
               <a:rPr lang="zh-CN" altLang="en-US" noProof="1"/>
               <a:t>单击此处编辑母版文本样式</a:t>
             </a:r>
-            <a:endParaRPr lang="zh-CN" altLang="en-US" noProof="1"/>
           </a:p>
           <a:p>
             <a:pPr lvl="1"/>
@@ -2600,7 +2601,6 @@
               <a:rPr lang="zh-CN" altLang="en-US" noProof="1"/>
               <a:t>第二级</a:t>
             </a:r>
-            <a:endParaRPr lang="zh-CN" altLang="en-US" noProof="1"/>
           </a:p>
           <a:p>
             <a:pPr lvl="2"/>
@@ -2608,7 +2608,6 @@
               <a:rPr lang="zh-CN" altLang="en-US" noProof="1"/>
               <a:t>第三级</a:t>
             </a:r>
-            <a:endParaRPr lang="zh-CN" altLang="en-US" noProof="1"/>
           </a:p>
           <a:p>
             <a:pPr lvl="3"/>
@@ -2616,7 +2615,6 @@
               <a:rPr lang="zh-CN" altLang="en-US" noProof="1"/>
               <a:t>第四级</a:t>
             </a:r>
-            <a:endParaRPr lang="zh-CN" altLang="en-US" noProof="1"/>
           </a:p>
           <a:p>
             <a:pPr lvl="4"/>
@@ -2653,7 +2651,6 @@
               <a:rPr lang="zh-CN" altLang="en-US" noProof="1"/>
               <a:t>单击此处编辑母版文本样式</a:t>
             </a:r>
-            <a:endParaRPr lang="zh-CN" altLang="en-US" noProof="1"/>
           </a:p>
           <a:p>
             <a:pPr lvl="1"/>
@@ -2661,7 +2658,6 @@
               <a:rPr lang="zh-CN" altLang="en-US" noProof="1"/>
               <a:t>第二级</a:t>
             </a:r>
-            <a:endParaRPr lang="zh-CN" altLang="en-US" noProof="1"/>
           </a:p>
           <a:p>
             <a:pPr lvl="2"/>
@@ -2669,7 +2665,6 @@
               <a:rPr lang="zh-CN" altLang="en-US" noProof="1"/>
               <a:t>第三级</a:t>
             </a:r>
-            <a:endParaRPr lang="zh-CN" altLang="en-US" noProof="1"/>
           </a:p>
           <a:p>
             <a:pPr lvl="3"/>
@@ -2677,7 +2672,6 @@
               <a:rPr lang="zh-CN" altLang="en-US" noProof="1"/>
               <a:t>第四级</a:t>
             </a:r>
-            <a:endParaRPr lang="zh-CN" altLang="en-US" noProof="1"/>
           </a:p>
           <a:p>
             <a:pPr lvl="4"/>
@@ -2762,6 +2756,7 @@
           <a:p>
             <a:fld id="{B3D690A8-5D42-4142-931C-B9CA8CCCFB0E}" type="slidenum">
               <a:rPr lang="zh-CN" altLang="en-US"/>
+              <a:t>‹#›</a:t>
             </a:fld>
             <a:endParaRPr lang="zh-CN" altLang="en-US"/>
           </a:p>
@@ -2854,7 +2849,6 @@
               <a:rPr lang="zh-CN" altLang="en-US" noProof="1"/>
               <a:t>单击此处编辑母版文本样式</a:t>
             </a:r>
-            <a:endParaRPr lang="zh-CN" altLang="en-US" noProof="1"/>
           </a:p>
         </p:txBody>
       </p:sp>
@@ -2883,7 +2877,6 @@
               <a:rPr lang="zh-CN" altLang="en-US" noProof="1"/>
               <a:t>单击此处编辑母版文本样式</a:t>
             </a:r>
-            <a:endParaRPr lang="zh-CN" altLang="en-US" noProof="1"/>
           </a:p>
           <a:p>
             <a:pPr lvl="1"/>
@@ -2891,7 +2884,6 @@
               <a:rPr lang="zh-CN" altLang="en-US" noProof="1"/>
               <a:t>第二级</a:t>
             </a:r>
-            <a:endParaRPr lang="zh-CN" altLang="en-US" noProof="1"/>
           </a:p>
           <a:p>
             <a:pPr lvl="2"/>
@@ -2899,7 +2891,6 @@
               <a:rPr lang="zh-CN" altLang="en-US" noProof="1"/>
               <a:t>第三级</a:t>
             </a:r>
-            <a:endParaRPr lang="zh-CN" altLang="en-US" noProof="1"/>
           </a:p>
           <a:p>
             <a:pPr lvl="3"/>
@@ -2907,7 +2898,6 @@
               <a:rPr lang="zh-CN" altLang="en-US" noProof="1"/>
               <a:t>第四级</a:t>
             </a:r>
-            <a:endParaRPr lang="zh-CN" altLang="en-US" noProof="1"/>
           </a:p>
           <a:p>
             <a:pPr lvl="4"/>
@@ -2981,7 +2971,6 @@
               <a:rPr lang="zh-CN" altLang="en-US" noProof="1"/>
               <a:t>单击此处编辑母版文本样式</a:t>
             </a:r>
-            <a:endParaRPr lang="zh-CN" altLang="en-US" noProof="1"/>
           </a:p>
         </p:txBody>
       </p:sp>
@@ -3010,7 +2999,6 @@
               <a:rPr lang="zh-CN" altLang="en-US" noProof="1"/>
               <a:t>单击此处编辑母版文本样式</a:t>
             </a:r>
-            <a:endParaRPr lang="zh-CN" altLang="en-US" noProof="1"/>
           </a:p>
           <a:p>
             <a:pPr lvl="1"/>
@@ -3018,7 +3006,6 @@
               <a:rPr lang="zh-CN" altLang="en-US" noProof="1"/>
               <a:t>第二级</a:t>
             </a:r>
-            <a:endParaRPr lang="zh-CN" altLang="en-US" noProof="1"/>
           </a:p>
           <a:p>
             <a:pPr lvl="2"/>
@@ -3026,7 +3013,6 @@
               <a:rPr lang="zh-CN" altLang="en-US" noProof="1"/>
               <a:t>第三级</a:t>
             </a:r>
-            <a:endParaRPr lang="zh-CN" altLang="en-US" noProof="1"/>
           </a:p>
           <a:p>
             <a:pPr lvl="3"/>
@@ -3034,7 +3020,6 @@
               <a:rPr lang="zh-CN" altLang="en-US" noProof="1"/>
               <a:t>第四级</a:t>
             </a:r>
-            <a:endParaRPr lang="zh-CN" altLang="en-US" noProof="1"/>
           </a:p>
           <a:p>
             <a:pPr lvl="4"/>
@@ -3151,6 +3136,7 @@
           <a:p>
             <a:fld id="{F9292487-C82B-4726-B157-BF917C160422}" type="slidenum">
               <a:rPr lang="zh-CN" altLang="en-US"/>
+              <a:t>‹#›</a:t>
             </a:fld>
             <a:endParaRPr lang="zh-CN" altLang="en-US"/>
           </a:p>
@@ -3997,7 +3983,7 @@
           </p:cNvSpPr>
           <p:nvPr>
             <p:custDataLst>
-              <p:tags r:id="rId2"/>
+              <p:tags r:id="rId1"/>
             </p:custDataLst>
           </p:nvPr>
         </p:nvSpPr>
@@ -4313,7 +4299,7 @@
           </p:cNvSpPr>
           <p:nvPr>
             <p:custDataLst>
-              <p:tags r:id="rId3"/>
+              <p:tags r:id="rId2"/>
             </p:custDataLst>
           </p:nvPr>
         </p:nvSpPr>
@@ -4824,7 +4810,7 @@
           </p:cNvSpPr>
           <p:nvPr>
             <p:custDataLst>
-              <p:tags r:id="rId4"/>
+              <p:tags r:id="rId3"/>
             </p:custDataLst>
           </p:nvPr>
         </p:nvSpPr>
@@ -5259,7 +5245,6 @@
               <a:rPr lang="zh-CN" altLang="en-US" noProof="1"/>
               <a:t>单击此处编辑母版标题样式</a:t>
             </a:r>
-            <a:endParaRPr lang="zh-CN" altLang="en-US" noProof="1"/>
           </a:p>
         </p:txBody>
       </p:sp>
@@ -5299,7 +5284,6 @@
               <a:rPr lang="zh-CN" altLang="en-US" noProof="1"/>
               <a:t>编辑母版文本样式</a:t>
             </a:r>
-            <a:endParaRPr lang="zh-CN" altLang="en-US" noProof="1"/>
           </a:p>
         </p:txBody>
       </p:sp>
@@ -5339,7 +5323,6 @@
               <a:rPr lang="zh-CN" altLang="en-US" noProof="1"/>
               <a:t>编辑母版文本样式</a:t>
             </a:r>
-            <a:endParaRPr lang="zh-CN" altLang="en-US" noProof="1"/>
           </a:p>
         </p:txBody>
       </p:sp>
@@ -5379,7 +5362,6 @@
               <a:rPr lang="zh-CN" altLang="en-US" noProof="1"/>
               <a:t>编辑母版文本样式</a:t>
             </a:r>
-            <a:endParaRPr lang="zh-CN" altLang="en-US" noProof="1"/>
           </a:p>
         </p:txBody>
       </p:sp>
@@ -5456,6 +5438,7 @@
           <a:p>
             <a:fld id="{0F348A63-0FF9-4676-A6F6-25347D1C8912}" type="slidenum">
               <a:rPr lang="zh-CN" altLang="en-US"/>
+              <a:t>‹#›</a:t>
             </a:fld>
             <a:endParaRPr lang="zh-CN" altLang="en-US"/>
           </a:p>
@@ -5470,7 +5453,7 @@
 </file>
 
 <file path=ppt/slideLayouts/slideLayout7.xml><?xml version="1.0" encoding="utf-8"?>
-<p:sldLayout xmlns:a="http://schemas.openxmlformats.org/drawingml/2006/main" xmlns:r="http://schemas.openxmlformats.org/officeDocument/2006/relationships" xmlns:p="http://schemas.openxmlformats.org/presentationml/2006/main" type="blank" preserve="1" showMasterSp="0">
+<p:sldLayout xmlns:a="http://schemas.openxmlformats.org/drawingml/2006/main" xmlns:r="http://schemas.openxmlformats.org/officeDocument/2006/relationships" xmlns:p="http://schemas.openxmlformats.org/presentationml/2006/main" showMasterSp="0" type="blank" preserve="1">
   <p:cSld name="空白">
     <p:spTree>
       <p:nvGrpSpPr>
@@ -5559,6 +5542,7 @@
           <a:p>
             <a:fld id="{42AC8585-EA9B-4B63-AFFA-C560F4FB125A}" type="slidenum">
               <a:rPr lang="zh-CN" altLang="en-US"/>
+              <a:t>‹#›</a:t>
             </a:fld>
             <a:endParaRPr lang="zh-CN" altLang="en-US"/>
           </a:p>
@@ -5754,6 +5738,7 @@
           <a:p>
             <a:fld id="{8C86B12B-D871-4904-BB93-FE226C54F70E}" type="slidenum">
               <a:rPr lang="zh-CN" altLang="en-US"/>
+              <a:t>‹#›</a:t>
             </a:fld>
             <a:endParaRPr lang="zh-CN" altLang="en-US"/>
           </a:p>
@@ -5768,7 +5753,7 @@
 </file>
 
 <file path=ppt/slideLayouts/slideLayout9.xml><?xml version="1.0" encoding="utf-8"?>
-<p:sldLayout xmlns:a="http://schemas.openxmlformats.org/drawingml/2006/main" xmlns:r="http://schemas.openxmlformats.org/officeDocument/2006/relationships" xmlns:p="http://schemas.openxmlformats.org/presentationml/2006/main" type="vertTitleAndTx" preserve="1" showMasterSp="0">
+<p:sldLayout xmlns:a="http://schemas.openxmlformats.org/drawingml/2006/main" xmlns:r="http://schemas.openxmlformats.org/officeDocument/2006/relationships" xmlns:p="http://schemas.openxmlformats.org/presentationml/2006/main" showMasterSp="0" type="vertTitleAndTx" preserve="1">
   <p:cSld name="垂直排列标题与&#10;文本">
     <p:spTree>
       <p:nvGrpSpPr>
@@ -5847,7 +5832,6 @@
               <a:rPr lang="zh-CN" altLang="en-US" noProof="1"/>
               <a:t>单击此处编辑母版文本样式</a:t>
             </a:r>
-            <a:endParaRPr lang="zh-CN" altLang="en-US" noProof="1"/>
           </a:p>
           <a:p>
             <a:pPr lvl="1"/>
@@ -5855,7 +5839,6 @@
               <a:rPr lang="zh-CN" altLang="en-US" noProof="1"/>
               <a:t>第二级</a:t>
             </a:r>
-            <a:endParaRPr lang="zh-CN" altLang="en-US" noProof="1"/>
           </a:p>
           <a:p>
             <a:pPr lvl="2"/>
@@ -5863,7 +5846,6 @@
               <a:rPr lang="zh-CN" altLang="en-US" noProof="1"/>
               <a:t>第三级</a:t>
             </a:r>
-            <a:endParaRPr lang="zh-CN" altLang="en-US" noProof="1"/>
           </a:p>
           <a:p>
             <a:pPr lvl="3"/>
@@ -5871,7 +5853,6 @@
               <a:rPr lang="zh-CN" altLang="en-US" noProof="1"/>
               <a:t>第四级</a:t>
             </a:r>
-            <a:endParaRPr lang="zh-CN" altLang="en-US" noProof="1"/>
           </a:p>
           <a:p>
             <a:pPr lvl="4"/>
@@ -5956,6 +5937,7 @@
           <a:p>
             <a:fld id="{0086335B-0834-4C49-A44B-1A390B150407}" type="slidenum">
               <a:rPr lang="zh-CN" altLang="en-US"/>
+              <a:t>‹#›</a:t>
             </a:fld>
             <a:endParaRPr lang="zh-CN" altLang="en-US"/>
           </a:p>
@@ -6059,7 +6041,7 @@
             <a:avLst/>
           </a:prstGeom>
           <a:blipFill dpi="0" rotWithShape="1">
-            <a:blip r:embed="rId14" cstate="print">
+            <a:blip r:embed="rId17" cstate="print">
               <a:extLst>
                 <a:ext uri="{28A0092B-C50C-407E-A947-70E740481C1C}">
                   <a14:useLocalDpi xmlns:a14="http://schemas.microsoft.com/office/drawing/2010/main" val="0"/>
@@ -6216,7 +6198,6 @@
               <a:rPr lang="zh-CN" altLang="en-US" noProof="1"/>
               <a:t>单击此处编辑母版文本样式</a:t>
             </a:r>
-            <a:endParaRPr lang="zh-CN" altLang="en-US" noProof="1"/>
           </a:p>
           <a:p>
             <a:pPr lvl="1"/>
@@ -6224,7 +6205,6 @@
               <a:rPr lang="zh-CN" altLang="en-US" noProof="1"/>
               <a:t>第二级</a:t>
             </a:r>
-            <a:endParaRPr lang="zh-CN" altLang="en-US" noProof="1"/>
           </a:p>
           <a:p>
             <a:pPr lvl="2"/>
@@ -6232,7 +6212,6 @@
               <a:rPr lang="zh-CN" altLang="en-US" noProof="1"/>
               <a:t>第三级</a:t>
             </a:r>
-            <a:endParaRPr lang="zh-CN" altLang="en-US" noProof="1"/>
           </a:p>
           <a:p>
             <a:pPr lvl="3"/>
@@ -6240,7 +6219,6 @@
               <a:rPr lang="zh-CN" altLang="en-US" noProof="1"/>
               <a:t>第四级</a:t>
             </a:r>
-            <a:endParaRPr lang="zh-CN" altLang="en-US" noProof="1"/>
           </a:p>
           <a:p>
             <a:pPr lvl="4"/>
@@ -6365,6 +6343,7 @@
           <a:p>
             <a:fld id="{37F7E787-05F0-49A3-A8D0-7EB791A82116}" type="slidenum">
               <a:rPr lang="zh-CN" altLang="en-US"/>
+              <a:t>‹#›</a:t>
             </a:fld>
             <a:endParaRPr lang="zh-CN" altLang="en-US"/>
           </a:p>
@@ -7363,14 +7342,6 @@
               </a:rPr>
               <a:t>第一个应用程序</a:t>
             </a:r>
-            <a:endParaRPr lang="zh-CN" altLang="en-US">
-              <a:solidFill>
-                <a:schemeClr val="bg1"/>
-              </a:solidFill>
-              <a:latin typeface="微软雅黑" panose="020B0503020204020204" pitchFamily="34" charset="-122"/>
-              <a:ea typeface="微软雅黑" panose="020B0503020204020204" pitchFamily="34" charset="-122"/>
-              <a:sym typeface="微软雅黑" panose="020B0503020204020204" pitchFamily="34" charset="-122"/>
-            </a:endParaRPr>
           </a:p>
         </p:txBody>
       </p:sp>
@@ -7668,7 +7639,7 @@
           <p:nvPr/>
         </p:nvPicPr>
         <p:blipFill>
-          <a:blip r:embed="rId1">
+          <a:blip r:embed="rId3">
             <a:extLst>
               <a:ext uri="{28A0092B-C50C-407E-A947-70E740481C1C}">
                 <a14:useLocalDpi xmlns:a14="http://schemas.microsoft.com/office/drawing/2010/main" val="0"/>
@@ -7722,7 +7693,7 @@
           <p:nvPr/>
         </p:nvPicPr>
         <p:blipFill>
-          <a:blip r:embed="rId2">
+          <a:blip r:embed="rId4">
             <a:extLst>
               <a:ext uri="{28A0092B-C50C-407E-A947-70E740481C1C}">
                 <a14:useLocalDpi xmlns:a14="http://schemas.microsoft.com/office/drawing/2010/main" val="0"/>
@@ -7769,7 +7740,7 @@
       </p:pic>
     </p:spTree>
     <p:custDataLst>
-      <p:tags r:id="rId3"/>
+      <p:tags r:id="rId1"/>
     </p:custDataLst>
   </p:cSld>
   <p:clrMapOvr>
@@ -8401,14 +8372,6 @@
               </a:rPr>
               <a:t>第一个应用程序</a:t>
             </a:r>
-            <a:endParaRPr lang="zh-CN" altLang="en-US">
-              <a:solidFill>
-                <a:schemeClr val="bg1"/>
-              </a:solidFill>
-              <a:latin typeface="微软雅黑" panose="020B0503020204020204" pitchFamily="34" charset="-122"/>
-              <a:ea typeface="微软雅黑" panose="020B0503020204020204" pitchFamily="34" charset="-122"/>
-              <a:sym typeface="微软雅黑" panose="020B0503020204020204" pitchFamily="34" charset="-122"/>
-            </a:endParaRPr>
           </a:p>
         </p:txBody>
       </p:sp>
@@ -8536,7 +8499,7 @@
           <p:nvPr/>
         </p:nvPicPr>
         <p:blipFill>
-          <a:blip r:embed="rId1">
+          <a:blip r:embed="rId3">
             <a:extLst>
               <a:ext uri="{28A0092B-C50C-407E-A947-70E740481C1C}">
                 <a14:useLocalDpi xmlns:a14="http://schemas.microsoft.com/office/drawing/2010/main" val="0"/>
@@ -8590,7 +8553,7 @@
           <p:nvPr/>
         </p:nvPicPr>
         <p:blipFill>
-          <a:blip r:embed="rId2">
+          <a:blip r:embed="rId4">
             <a:extLst>
               <a:ext uri="{28A0092B-C50C-407E-A947-70E740481C1C}">
                 <a14:useLocalDpi xmlns:a14="http://schemas.microsoft.com/office/drawing/2010/main" val="0"/>
@@ -8637,7 +8600,7 @@
       </p:pic>
     </p:spTree>
     <p:custDataLst>
-      <p:tags r:id="rId3"/>
+      <p:tags r:id="rId1"/>
     </p:custDataLst>
   </p:cSld>
   <p:clrMapOvr>
@@ -9067,14 +9030,6 @@
                 </a:rPr>
                 <a:t>       </a:t>
               </a:r>
-              <a:endParaRPr lang="en-US" altLang="zh-CN" sz="1400">
-                <a:solidFill>
-                  <a:srgbClr val="000000"/>
-                </a:solidFill>
-                <a:latin typeface="微软雅黑" panose="020B0503020204020204" pitchFamily="34" charset="-122"/>
-                <a:ea typeface="微软雅黑" panose="020B0503020204020204" pitchFamily="34" charset="-122"/>
-                <a:sym typeface="微软雅黑" panose="020B0503020204020204" pitchFamily="34" charset="-122"/>
-              </a:endParaRPr>
             </a:p>
             <a:p>
               <a:pPr>
@@ -9137,14 +9092,6 @@
                 </a:rPr>
                 <a:t>。</a:t>
               </a:r>
-              <a:endParaRPr lang="zh-CN" altLang="en-US" sz="1400">
-                <a:solidFill>
-                  <a:srgbClr val="000000"/>
-                </a:solidFill>
-                <a:latin typeface="微软雅黑" panose="020B0503020204020204" pitchFamily="34" charset="-122"/>
-                <a:ea typeface="微软雅黑" panose="020B0503020204020204" pitchFamily="34" charset="-122"/>
-                <a:sym typeface="微软雅黑" panose="020B0503020204020204" pitchFamily="34" charset="-122"/>
-              </a:endParaRPr>
             </a:p>
             <a:p>
               <a:pPr>
@@ -9222,14 +9169,6 @@
                 </a:rPr>
                 <a:t>。</a:t>
               </a:r>
-              <a:endParaRPr lang="zh-CN" altLang="en-US" sz="1400">
-                <a:solidFill>
-                  <a:srgbClr val="000000"/>
-                </a:solidFill>
-                <a:latin typeface="微软雅黑" panose="020B0503020204020204" pitchFamily="34" charset="-122"/>
-                <a:ea typeface="微软雅黑" panose="020B0503020204020204" pitchFamily="34" charset="-122"/>
-                <a:sym typeface="微软雅黑" panose="020B0503020204020204" pitchFamily="34" charset="-122"/>
-              </a:endParaRPr>
             </a:p>
             <a:p>
               <a:pPr>
@@ -9422,14 +9361,6 @@
               </a:rPr>
               <a:t>第一个应用程序</a:t>
             </a:r>
-            <a:endParaRPr lang="zh-CN" altLang="en-US">
-              <a:solidFill>
-                <a:schemeClr val="bg1"/>
-              </a:solidFill>
-              <a:latin typeface="微软雅黑" panose="020B0503020204020204" pitchFamily="34" charset="-122"/>
-              <a:ea typeface="微软雅黑" panose="020B0503020204020204" pitchFamily="34" charset="-122"/>
-              <a:sym typeface="微软雅黑" panose="020B0503020204020204" pitchFamily="34" charset="-122"/>
-            </a:endParaRPr>
           </a:p>
         </p:txBody>
       </p:sp>
@@ -9557,7 +9488,7 @@
           <p:nvPr/>
         </p:nvPicPr>
         <p:blipFill>
-          <a:blip r:embed="rId1">
+          <a:blip r:embed="rId3" cstate="print">
             <a:extLst>
               <a:ext uri="{28A0092B-C50C-407E-A947-70E740481C1C}">
                 <a14:useLocalDpi xmlns:a14="http://schemas.microsoft.com/office/drawing/2010/main" val="0"/>
@@ -9604,7 +9535,7 @@
       </p:pic>
     </p:spTree>
     <p:custDataLst>
-      <p:tags r:id="rId2"/>
+      <p:tags r:id="rId1"/>
     </p:custDataLst>
   </p:cSld>
   <p:clrMapOvr>
@@ -10213,14 +10144,6 @@
                 </a:rPr>
                 <a:t>综合实验</a:t>
               </a:r>
-              <a:endParaRPr lang="zh-CN" altLang="en-US" sz="2400" b="1">
-                <a:solidFill>
-                  <a:srgbClr val="3F3F3F"/>
-                </a:solidFill>
-                <a:latin typeface="微软雅黑" panose="020B0503020204020204" pitchFamily="34" charset="-122"/>
-                <a:ea typeface="微软雅黑" panose="020B0503020204020204" pitchFamily="34" charset="-122"/>
-                <a:sym typeface="微软雅黑" panose="020B0503020204020204" pitchFamily="34" charset="-122"/>
-              </a:endParaRPr>
             </a:p>
             <a:p>
               <a:endParaRPr lang="zh-CN" altLang="en-US" sz="2400" b="1">
@@ -10675,14 +10598,6 @@
               </a:rPr>
               <a:t>期末：综合实验</a:t>
             </a:r>
-            <a:endParaRPr lang="zh-CN" altLang="en-US">
-              <a:solidFill>
-                <a:schemeClr val="bg1"/>
-              </a:solidFill>
-              <a:latin typeface="微软雅黑" panose="020B0503020204020204" pitchFamily="34" charset="-122"/>
-              <a:ea typeface="微软雅黑" panose="020B0503020204020204" pitchFamily="34" charset="-122"/>
-              <a:sym typeface="微软雅黑" panose="020B0503020204020204" pitchFamily="34" charset="-122"/>
-            </a:endParaRPr>
           </a:p>
         </p:txBody>
       </p:sp>
@@ -10859,7 +10774,7 @@
           <p:nvPr/>
         </p:nvPicPr>
         <p:blipFill>
-          <a:blip r:embed="rId1">
+          <a:blip r:embed="rId3" cstate="print">
             <a:extLst>
               <a:ext uri="{28A0092B-C50C-407E-A947-70E740481C1C}">
                 <a14:useLocalDpi xmlns:a14="http://schemas.microsoft.com/office/drawing/2010/main" val="0"/>
@@ -10913,7 +10828,7 @@
           <p:nvPr/>
         </p:nvPicPr>
         <p:blipFill>
-          <a:blip r:embed="rId2">
+          <a:blip r:embed="rId4">
             <a:extLst>
               <a:ext uri="{28A0092B-C50C-407E-A947-70E740481C1C}">
                 <a14:useLocalDpi xmlns:a14="http://schemas.microsoft.com/office/drawing/2010/main" val="0"/>
@@ -10967,7 +10882,7 @@
           <p:nvPr/>
         </p:nvPicPr>
         <p:blipFill>
-          <a:blip r:embed="rId3">
+          <a:blip r:embed="rId5">
             <a:extLst>
               <a:ext uri="{28A0092B-C50C-407E-A947-70E740481C1C}">
                 <a14:useLocalDpi xmlns:a14="http://schemas.microsoft.com/office/drawing/2010/main" val="0"/>
@@ -11062,7 +10977,6 @@
               <a:rPr lang="zh-CN" altLang="en-US" sz="800"/>
               <a:t>https://github.com/HBU/AndroidTest/tree/master/MainGrid</a:t>
             </a:r>
-            <a:endParaRPr lang="zh-CN" altLang="en-US" sz="800"/>
           </a:p>
         </p:txBody>
       </p:sp>
@@ -11120,13 +11034,12 @@
               <a:rPr lang="zh-CN" altLang="en-US" sz="1200"/>
               <a:t>：</a:t>
             </a:r>
-            <a:endParaRPr lang="zh-CN" altLang="en-US" sz="1200"/>
           </a:p>
         </p:txBody>
       </p:sp>
     </p:spTree>
     <p:custDataLst>
-      <p:tags r:id="rId4"/>
+      <p:tags r:id="rId1"/>
     </p:custDataLst>
   </p:cSld>
   <p:clrMapOvr>
@@ -11428,7 +11341,14 @@
         <p:cNvGrpSpPr/>
         <p:nvPr/>
       </p:nvGrpSpPr>
-      <p:grpSpPr/>
+      <p:grpSpPr>
+        <a:xfrm>
+          <a:off x="0" y="0"/>
+          <a:ext cx="0" cy="0"/>
+          <a:chOff x="0" y="0"/>
+          <a:chExt cx="0" cy="0"/>
+        </a:xfrm>
+      </p:grpSpPr>
       <p:sp>
         <p:nvSpPr>
           <p:cNvPr id="6" name="标题 5"/>
@@ -11442,12 +11362,12 @@
         <p:spPr/>
         <p:txBody>
           <a:bodyPr/>
+          <a:lstStyle/>
           <a:p>
             <a:r>
-              <a:rPr lang="zh-CN" altLang="en-US"/>
-              <a:t>第二次实验课：制作一个简易计算器</a:t>
+              <a:rPr lang="zh-CN" altLang="en-US" dirty="0"/>
+              <a:t>实验课：简易计算器</a:t>
             </a:r>
-            <a:endParaRPr lang="zh-CN" altLang="en-US"/>
           </a:p>
         </p:txBody>
       </p:sp>
@@ -11455,17 +11375,17 @@
         <p:nvPicPr>
           <p:cNvPr id="7" name="内容占位符 6"/>
           <p:cNvPicPr>
-            <a:picLocks noChangeAspect="1"/>
+            <a:picLocks noGrp="1" noChangeAspect="1"/>
           </p:cNvPicPr>
           <p:nvPr>
             <p:ph sz="half" idx="2"/>
             <p:custDataLst>
-              <p:tags r:id="rId1"/>
+              <p:tags r:id="rId2"/>
             </p:custDataLst>
           </p:nvPr>
         </p:nvPicPr>
         <p:blipFill>
-          <a:blip r:embed="rId2"/>
+          <a:blip r:embed="rId4"/>
           <a:stretch>
             <a:fillRect/>
           </a:stretch>
@@ -11489,7 +11409,7 @@
           <p:nvPr/>
         </p:nvPicPr>
         <p:blipFill>
-          <a:blip r:embed="rId3"/>
+          <a:blip r:embed="rId5"/>
           <a:stretch>
             <a:fillRect/>
           </a:stretch>
@@ -11506,7 +11426,7 @@
       </p:pic>
     </p:spTree>
     <p:custDataLst>
-      <p:tags r:id="rId4"/>
+      <p:tags r:id="rId1"/>
     </p:custDataLst>
   </p:cSld>
   <p:clrMapOvr>
@@ -11541,7 +11461,7 @@
           <p:nvPr/>
         </p:nvPicPr>
         <p:blipFill>
-          <a:blip r:embed="rId1">
+          <a:blip r:embed="rId4">
             <a:extLst>
               <a:ext uri="{28A0092B-C50C-407E-A947-70E740481C1C}">
                 <a14:useLocalDpi xmlns:a14="http://schemas.microsoft.com/office/drawing/2010/main" val="0"/>
@@ -11664,7 +11584,7 @@
       </p:sp>
     </p:spTree>
     <p:custDataLst>
-      <p:tags r:id="rId2"/>
+      <p:tags r:id="rId1"/>
     </p:custDataLst>
   </p:cSld>
   <p:clrMapOvr>
@@ -12066,7 +11986,7 @@
             <a:r>
               <a:rPr lang="zh-CN" altLang="en-US" sz="3000" kern="10" noProof="1">
                 <a:blipFill dpi="0" rotWithShape="1">
-                  <a:blip r:embed="rId1"/>
+                  <a:blip r:embed="rId4"/>
                   <a:srcRect/>
                   <a:tile tx="0" ty="0" sx="100000" sy="100000" flip="none" algn="tl"/>
                 </a:blipFill>
@@ -12139,9 +12059,6 @@
               </a:rPr>
               <a:t>第一个应用程序</a:t>
             </a:r>
-            <a:endParaRPr lang="zh-CN" altLang="en-US" sz="1400" b="1" dirty="0">
-              <a:sym typeface="+mn-ea"/>
-            </a:endParaRPr>
           </a:p>
           <a:p>
             <a:pPr>
@@ -12319,9 +12236,6 @@
               </a:rPr>
               <a:t> </a:t>
             </a:r>
-            <a:endParaRPr lang="en-US" altLang="zh-CN" sz="1400" b="1" dirty="0">
-              <a:sym typeface="+mn-ea"/>
-            </a:endParaRPr>
           </a:p>
           <a:p>
             <a:pPr marL="285750" indent="-285750">
@@ -12513,7 +12427,7 @@
       </p:sp>
     </p:spTree>
     <p:custDataLst>
-      <p:tags r:id="rId2"/>
+      <p:tags r:id="rId1"/>
     </p:custDataLst>
   </p:cSld>
   <p:clrMapOvr>
@@ -13829,14 +13743,6 @@
               </a:rPr>
               <a:t>第一个应用程序</a:t>
             </a:r>
-            <a:endParaRPr lang="zh-CN" altLang="en-US">
-              <a:solidFill>
-                <a:schemeClr val="bg1"/>
-              </a:solidFill>
-              <a:latin typeface="微软雅黑" panose="020B0503020204020204" pitchFamily="34" charset="-122"/>
-              <a:ea typeface="微软雅黑" panose="020B0503020204020204" pitchFamily="34" charset="-122"/>
-              <a:sym typeface="微软雅黑" panose="020B0503020204020204" pitchFamily="34" charset="-122"/>
-            </a:endParaRPr>
           </a:p>
         </p:txBody>
       </p:sp>
@@ -14110,14 +14016,12 @@
               <a:rPr lang="zh-CN" altLang="en-US" sz="1200" dirty="0"/>
               <a:t> ，</a:t>
             </a:r>
-            <a:endParaRPr lang="zh-CN" altLang="en-US" sz="1200" dirty="0"/>
           </a:p>
           <a:p>
             <a:r>
               <a:rPr lang="zh-CN" altLang="en-US" sz="1200" dirty="0"/>
               <a:t>下载gradle，复制到相应文件夹也可以解决问题。</a:t>
             </a:r>
-            <a:endParaRPr lang="zh-CN" altLang="en-US" sz="1200" dirty="0"/>
           </a:p>
           <a:p>
             <a:r>
@@ -14136,7 +14040,6 @@
               <a:rPr lang="zh-CN" altLang="en-US" sz="1200" dirty="0"/>
               <a:t>为个人用户名，需相应修改为自己的用户名）</a:t>
             </a:r>
-            <a:endParaRPr lang="zh-CN" altLang="en-US" sz="1200" dirty="0"/>
           </a:p>
           <a:p>
             <a:endParaRPr lang="zh-CN" altLang="en-US" sz="1200" dirty="0"/>
@@ -14146,7 +14049,6 @@
               <a:rPr lang="zh-CN" altLang="en-US" sz="1200" dirty="0"/>
               <a:t>gradle 下载地址：http://services.gradle.org/distributions/</a:t>
             </a:r>
-            <a:endParaRPr lang="zh-CN" altLang="en-US" sz="1200" dirty="0"/>
           </a:p>
           <a:p>
             <a:endParaRPr lang="zh-CN" altLang="en-US" sz="1200" dirty="0"/>
@@ -14156,7 +14058,6 @@
               <a:rPr lang="zh-CN" altLang="en-US" sz="1200" dirty="0"/>
               <a:t>一定要注意版本号，必须要对应好。</a:t>
             </a:r>
-            <a:endParaRPr lang="zh-CN" altLang="en-US" sz="1200" dirty="0"/>
           </a:p>
         </p:txBody>
       </p:sp>
@@ -14169,7 +14070,7 @@
           <p:nvPr/>
         </p:nvPicPr>
         <p:blipFill>
-          <a:blip r:embed="rId1">
+          <a:blip r:embed="rId3" cstate="print">
             <a:extLst>
               <a:ext uri="{28A0092B-C50C-407E-A947-70E740481C1C}">
                 <a14:useLocalDpi xmlns:a14="http://schemas.microsoft.com/office/drawing/2010/main" val="0"/>
@@ -14216,7 +14117,7 @@
       </p:pic>
     </p:spTree>
     <p:custDataLst>
-      <p:tags r:id="rId2"/>
+      <p:tags r:id="rId1"/>
     </p:custDataLst>
   </p:cSld>
   <p:clrMapOvr>
@@ -14867,14 +14768,6 @@
               </a:rPr>
               <a:t>第一个应用程序</a:t>
             </a:r>
-            <a:endParaRPr lang="zh-CN" altLang="en-US">
-              <a:solidFill>
-                <a:schemeClr val="bg1"/>
-              </a:solidFill>
-              <a:latin typeface="微软雅黑" panose="020B0503020204020204" pitchFamily="34" charset="-122"/>
-              <a:ea typeface="微软雅黑" panose="020B0503020204020204" pitchFamily="34" charset="-122"/>
-              <a:sym typeface="微软雅黑" panose="020B0503020204020204" pitchFamily="34" charset="-122"/>
-            </a:endParaRPr>
           </a:p>
         </p:txBody>
       </p:sp>
@@ -15002,7 +14895,7 @@
           <p:nvPr/>
         </p:nvPicPr>
         <p:blipFill>
-          <a:blip r:embed="rId1">
+          <a:blip r:embed="rId3" cstate="print">
             <a:extLst>
               <a:ext uri="{28A0092B-C50C-407E-A947-70E740481C1C}">
                 <a14:useLocalDpi xmlns:a14="http://schemas.microsoft.com/office/drawing/2010/main" val="0"/>
@@ -15049,7 +14942,7 @@
       </p:pic>
     </p:spTree>
     <p:custDataLst>
-      <p:tags r:id="rId2"/>
+      <p:tags r:id="rId1"/>
     </p:custDataLst>
   </p:cSld>
   <p:clrMapOvr>
@@ -15653,14 +15546,6 @@
               </a:rPr>
               <a:t>第一个应用程序</a:t>
             </a:r>
-            <a:endParaRPr lang="zh-CN" altLang="en-US">
-              <a:solidFill>
-                <a:schemeClr val="bg1"/>
-              </a:solidFill>
-              <a:latin typeface="微软雅黑" panose="020B0503020204020204" pitchFamily="34" charset="-122"/>
-              <a:ea typeface="微软雅黑" panose="020B0503020204020204" pitchFamily="34" charset="-122"/>
-              <a:sym typeface="微软雅黑" panose="020B0503020204020204" pitchFamily="34" charset="-122"/>
-            </a:endParaRPr>
           </a:p>
         </p:txBody>
       </p:sp>
@@ -15788,7 +15673,7 @@
           <p:nvPr/>
         </p:nvPicPr>
         <p:blipFill>
-          <a:blip r:embed="rId1">
+          <a:blip r:embed="rId3" cstate="print">
             <a:extLst>
               <a:ext uri="{28A0092B-C50C-407E-A947-70E740481C1C}">
                 <a14:useLocalDpi xmlns:a14="http://schemas.microsoft.com/office/drawing/2010/main" val="0"/>
@@ -15835,7 +15720,7 @@
       </p:pic>
     </p:spTree>
     <p:custDataLst>
-      <p:tags r:id="rId2"/>
+      <p:tags r:id="rId1"/>
     </p:custDataLst>
   </p:cSld>
   <p:clrMapOvr>
@@ -16246,14 +16131,6 @@
               </a:rPr>
               <a:t>第一个应用程序</a:t>
             </a:r>
-            <a:endParaRPr lang="zh-CN" altLang="en-US">
-              <a:solidFill>
-                <a:schemeClr val="bg1"/>
-              </a:solidFill>
-              <a:latin typeface="微软雅黑" panose="020B0503020204020204" pitchFamily="34" charset="-122"/>
-              <a:ea typeface="微软雅黑" panose="020B0503020204020204" pitchFamily="34" charset="-122"/>
-              <a:sym typeface="微软雅黑" panose="020B0503020204020204" pitchFamily="34" charset="-122"/>
-            </a:endParaRPr>
           </a:p>
         </p:txBody>
       </p:sp>
@@ -16466,7 +16343,7 @@
           <p:nvPr/>
         </p:nvPicPr>
         <p:blipFill>
-          <a:blip r:embed="rId1">
+          <a:blip r:embed="rId3" cstate="print">
             <a:extLst>
               <a:ext uri="{28A0092B-C50C-407E-A947-70E740481C1C}">
                 <a14:useLocalDpi xmlns:a14="http://schemas.microsoft.com/office/drawing/2010/main" val="0"/>
@@ -16513,7 +16390,7 @@
       </p:pic>
     </p:spTree>
     <p:custDataLst>
-      <p:tags r:id="rId2"/>
+      <p:tags r:id="rId1"/>
     </p:custDataLst>
   </p:cSld>
   <p:clrMapOvr>
@@ -16937,14 +16814,6 @@
                 </a:rPr>
                 <a:t>项目：</a:t>
               </a:r>
-              <a:endParaRPr lang="zh-CN" altLang="en-US" sz="1400" noProof="1">
-                <a:solidFill>
-                  <a:srgbClr val="000000"/>
-                </a:solidFill>
-                <a:latin typeface="微软雅黑" panose="020B0503020204020204" pitchFamily="34" charset="-122"/>
-                <a:ea typeface="微软雅黑" panose="020B0503020204020204" pitchFamily="34" charset="-122"/>
-                <a:sym typeface="微软雅黑" panose="020B0503020204020204" pitchFamily="34" charset="-122"/>
-              </a:endParaRPr>
             </a:p>
             <a:p>
               <a:pPr marL="285750" indent="-285750">
@@ -16966,14 +16835,6 @@
                 </a:rPr>
                 <a:t>选择安卓设备</a:t>
               </a:r>
-              <a:endParaRPr lang="zh-CN" altLang="en-US" sz="1400" noProof="1">
-                <a:solidFill>
-                  <a:srgbClr val="000000"/>
-                </a:solidFill>
-                <a:latin typeface="微软雅黑" panose="020B0503020204020204" pitchFamily="34" charset="-122"/>
-                <a:ea typeface="微软雅黑" panose="020B0503020204020204" pitchFamily="34" charset="-122"/>
-                <a:sym typeface="微软雅黑" panose="020B0503020204020204" pitchFamily="34" charset="-122"/>
-              </a:endParaRPr>
             </a:p>
             <a:p>
               <a:pPr marL="285750" indent="-285750">
@@ -17158,14 +17019,6 @@
               </a:rPr>
               <a:t>第一个应用程序</a:t>
             </a:r>
-            <a:endParaRPr lang="zh-CN" altLang="en-US">
-              <a:solidFill>
-                <a:schemeClr val="bg1"/>
-              </a:solidFill>
-              <a:latin typeface="微软雅黑" panose="020B0503020204020204" pitchFamily="34" charset="-122"/>
-              <a:ea typeface="微软雅黑" panose="020B0503020204020204" pitchFamily="34" charset="-122"/>
-              <a:sym typeface="微软雅黑" panose="020B0503020204020204" pitchFamily="34" charset="-122"/>
-            </a:endParaRPr>
           </a:p>
         </p:txBody>
       </p:sp>
@@ -17293,7 +17146,7 @@
           <p:nvPr/>
         </p:nvPicPr>
         <p:blipFill>
-          <a:blip r:embed="rId1">
+          <a:blip r:embed="rId3">
             <a:extLst>
               <a:ext uri="{28A0092B-C50C-407E-A947-70E740481C1C}">
                 <a14:useLocalDpi xmlns:a14="http://schemas.microsoft.com/office/drawing/2010/main" val="0"/>
@@ -17340,7 +17193,7 @@
       </p:pic>
     </p:spTree>
     <p:custDataLst>
-      <p:tags r:id="rId2"/>
+      <p:tags r:id="rId1"/>
     </p:custDataLst>
   </p:cSld>
   <p:clrMapOvr>
@@ -17827,14 +17680,6 @@
                 </a:rPr>
                 <a:t>模拟器启动，显示界面如图所示。</a:t>
               </a:r>
-              <a:endParaRPr lang="zh-CN" altLang="en-US" sz="1600" dirty="0">
-                <a:solidFill>
-                  <a:srgbClr val="000000"/>
-                </a:solidFill>
-                <a:latin typeface="微软雅黑" panose="020B0503020204020204" pitchFamily="34" charset="-122"/>
-                <a:ea typeface="微软雅黑" panose="020B0503020204020204" pitchFamily="34" charset="-122"/>
-                <a:sym typeface="微软雅黑" panose="020B0503020204020204" pitchFamily="34" charset="-122"/>
-              </a:endParaRPr>
             </a:p>
             <a:p>
               <a:endParaRPr lang="zh-CN" altLang="en-US" sz="1600" dirty="0">
@@ -17880,14 +17725,6 @@
                 </a:rPr>
                 <a:t>！</a:t>
               </a:r>
-              <a:endParaRPr lang="zh-CN" altLang="en-US" sz="1600" dirty="0">
-                <a:solidFill>
-                  <a:srgbClr val="000000"/>
-                </a:solidFill>
-                <a:latin typeface="微软雅黑" panose="020B0503020204020204" pitchFamily="34" charset="-122"/>
-                <a:ea typeface="微软雅黑" panose="020B0503020204020204" pitchFamily="34" charset="-122"/>
-                <a:sym typeface="微软雅黑" panose="020B0503020204020204" pitchFamily="34" charset="-122"/>
-              </a:endParaRPr>
             </a:p>
             <a:p>
               <a:endParaRPr lang="zh-CN" altLang="en-US" dirty="0"/>
@@ -17952,14 +17789,6 @@
               </a:rPr>
               <a:t>第一个应用程序</a:t>
             </a:r>
-            <a:endParaRPr lang="zh-CN" altLang="en-US">
-              <a:solidFill>
-                <a:schemeClr val="bg1"/>
-              </a:solidFill>
-              <a:latin typeface="微软雅黑" panose="020B0503020204020204" pitchFamily="34" charset="-122"/>
-              <a:ea typeface="微软雅黑" panose="020B0503020204020204" pitchFamily="34" charset="-122"/>
-              <a:sym typeface="微软雅黑" panose="020B0503020204020204" pitchFamily="34" charset="-122"/>
-            </a:endParaRPr>
           </a:p>
         </p:txBody>
       </p:sp>
@@ -18131,11 +17960,6 @@
               </a:rPr>
               <a:t>【实验】</a:t>
             </a:r>
-            <a:endParaRPr lang="zh-CN" altLang="en-US" dirty="0">
-              <a:solidFill>
-                <a:srgbClr val="FF0000"/>
-              </a:solidFill>
-            </a:endParaRPr>
           </a:p>
           <a:p>
             <a:r>
@@ -18170,11 +17994,6 @@
               </a:rPr>
               <a:t>！</a:t>
             </a:r>
-            <a:endParaRPr lang="zh-CN" altLang="en-US" dirty="0">
-              <a:solidFill>
-                <a:srgbClr val="FF0000"/>
-              </a:solidFill>
-            </a:endParaRPr>
           </a:p>
           <a:p>
             <a:r>
@@ -18193,11 +18012,6 @@
               </a:rPr>
               <a:t>更改里面的文字。</a:t>
             </a:r>
-            <a:endParaRPr lang="zh-CN" altLang="en-US" dirty="0">
-              <a:solidFill>
-                <a:srgbClr val="FF0000"/>
-              </a:solidFill>
-            </a:endParaRPr>
           </a:p>
           <a:p>
             <a:r>
@@ -18216,11 +18030,6 @@
               </a:rPr>
               <a:t>手机连接计算机，在手机上测试。</a:t>
             </a:r>
-            <a:endParaRPr lang="zh-CN" altLang="en-US" dirty="0">
-              <a:solidFill>
-                <a:srgbClr val="FF0000"/>
-              </a:solidFill>
-            </a:endParaRPr>
           </a:p>
         </p:txBody>
       </p:sp>
@@ -18282,7 +18091,6 @@
               <a:rPr lang="zh-CN" altLang="en-US" sz="1200" dirty="0"/>
               <a:t>调试。）</a:t>
             </a:r>
-            <a:endParaRPr lang="zh-CN" altLang="en-US" sz="1200" dirty="0"/>
           </a:p>
         </p:txBody>
       </p:sp>
@@ -18295,7 +18103,7 @@
           <p:nvPr/>
         </p:nvPicPr>
         <p:blipFill>
-          <a:blip r:embed="rId1">
+          <a:blip r:embed="rId3">
             <a:extLst>
               <a:ext uri="{28A0092B-C50C-407E-A947-70E740481C1C}">
                 <a14:useLocalDpi xmlns:a14="http://schemas.microsoft.com/office/drawing/2010/main" val="0"/>
@@ -18342,7 +18150,7 @@
       </p:pic>
     </p:spTree>
     <p:custDataLst>
-      <p:tags r:id="rId2"/>
+      <p:tags r:id="rId1"/>
     </p:custDataLst>
   </p:cSld>
   <p:clrMapOvr>
@@ -18680,7 +18488,114 @@
 </file>
 
 <file path=ppt/tags/tag1.xml><?xml version="1.0" encoding="utf-8"?>
-<p:tagLst xmlns:p="http://schemas.openxmlformats.org/presentationml/2006/main">
+<p:tagLst xmlns:a="http://schemas.openxmlformats.org/drawingml/2006/main" xmlns:r="http://schemas.openxmlformats.org/officeDocument/2006/relationships" xmlns:p="http://schemas.openxmlformats.org/presentationml/2006/main">
+  <p:tag name="KSO_WM_TAG_VERSION" val="1.0"/>
+  <p:tag name="KSO_WM_TEMPLATE_CATEGORY" val="custom"/>
+  <p:tag name="KSO_WM_TEMPLATE_INDEX" val="160404"/>
+</p:tagLst>
+</file>
+
+<file path=ppt/tags/tag10.xml><?xml version="1.0" encoding="utf-8"?>
+<p:tagLst xmlns:a="http://schemas.openxmlformats.org/drawingml/2006/main" xmlns:r="http://schemas.openxmlformats.org/officeDocument/2006/relationships" xmlns:p="http://schemas.openxmlformats.org/presentationml/2006/main">
+  <p:tag name="KSO_WM_TEMPLATE_CATEGORY" val="custom"/>
+  <p:tag name="KSO_WM_TEMPLATE_INDEX" val="160404"/>
+</p:tagLst>
+</file>
+
+<file path=ppt/tags/tag11.xml><?xml version="1.0" encoding="utf-8"?>
+<p:tagLst xmlns:a="http://schemas.openxmlformats.org/drawingml/2006/main" xmlns:r="http://schemas.openxmlformats.org/officeDocument/2006/relationships" xmlns:p="http://schemas.openxmlformats.org/presentationml/2006/main">
+  <p:tag name="KSO_WM_TEMPLATE_CATEGORY" val="custom"/>
+  <p:tag name="KSO_WM_TEMPLATE_INDEX" val="160404"/>
+</p:tagLst>
+</file>
+
+<file path=ppt/tags/tag12.xml><?xml version="1.0" encoding="utf-8"?>
+<p:tagLst xmlns:a="http://schemas.openxmlformats.org/drawingml/2006/main" xmlns:r="http://schemas.openxmlformats.org/officeDocument/2006/relationships" xmlns:p="http://schemas.openxmlformats.org/presentationml/2006/main">
+  <p:tag name="KSO_WM_TEMPLATE_CATEGORY" val="custom"/>
+  <p:tag name="KSO_WM_TEMPLATE_INDEX" val="160404"/>
+</p:tagLst>
+</file>
+
+<file path=ppt/tags/tag13.xml><?xml version="1.0" encoding="utf-8"?>
+<p:tagLst xmlns:a="http://schemas.openxmlformats.org/drawingml/2006/main" xmlns:r="http://schemas.openxmlformats.org/officeDocument/2006/relationships" xmlns:p="http://schemas.openxmlformats.org/presentationml/2006/main">
+  <p:tag name="KSO_WM_TEMPLATE_CATEGORY" val="custom"/>
+  <p:tag name="KSO_WM_TEMPLATE_INDEX" val="160404"/>
+</p:tagLst>
+</file>
+
+<file path=ppt/tags/tag14.xml><?xml version="1.0" encoding="utf-8"?>
+<p:tagLst xmlns:a="http://schemas.openxmlformats.org/drawingml/2006/main" xmlns:r="http://schemas.openxmlformats.org/officeDocument/2006/relationships" xmlns:p="http://schemas.openxmlformats.org/presentationml/2006/main">
+  <p:tag name="KSO_WM_TEMPLATE_CATEGORY" val="custom"/>
+  <p:tag name="KSO_WM_TEMPLATE_INDEX" val="160404"/>
+</p:tagLst>
+</file>
+
+<file path=ppt/tags/tag15.xml><?xml version="1.0" encoding="utf-8"?>
+<p:tagLst xmlns:a="http://schemas.openxmlformats.org/drawingml/2006/main" xmlns:r="http://schemas.openxmlformats.org/officeDocument/2006/relationships" xmlns:p="http://schemas.openxmlformats.org/presentationml/2006/main">
+  <p:tag name="KSO_WM_TEMPLATE_CATEGORY" val="custom"/>
+  <p:tag name="KSO_WM_TEMPLATE_INDEX" val="160404"/>
+</p:tagLst>
+</file>
+
+<file path=ppt/tags/tag16.xml><?xml version="1.0" encoding="utf-8"?>
+<p:tagLst xmlns:a="http://schemas.openxmlformats.org/drawingml/2006/main" xmlns:r="http://schemas.openxmlformats.org/officeDocument/2006/relationships" xmlns:p="http://schemas.openxmlformats.org/presentationml/2006/main">
+  <p:tag name="KSO_WM_TEMPLATE_CATEGORY" val="custom"/>
+  <p:tag name="KSO_WM_TEMPLATE_INDEX" val="160404"/>
+</p:tagLst>
+</file>
+
+<file path=ppt/tags/tag17.xml><?xml version="1.0" encoding="utf-8"?>
+<p:tagLst xmlns:a="http://schemas.openxmlformats.org/drawingml/2006/main" xmlns:r="http://schemas.openxmlformats.org/officeDocument/2006/relationships" xmlns:p="http://schemas.openxmlformats.org/presentationml/2006/main">
+  <p:tag name="KSO_WM_TEMPLATE_CATEGORY" val="custom"/>
+  <p:tag name="KSO_WM_TEMPLATE_INDEX" val="160404"/>
+</p:tagLst>
+</file>
+
+<file path=ppt/tags/tag18.xml><?xml version="1.0" encoding="utf-8"?>
+<p:tagLst xmlns:a="http://schemas.openxmlformats.org/drawingml/2006/main" xmlns:r="http://schemas.openxmlformats.org/officeDocument/2006/relationships" xmlns:p="http://schemas.openxmlformats.org/presentationml/2006/main">
+  <p:tag name="KSO_WM_TEMPLATE_CATEGORY" val="custom"/>
+  <p:tag name="KSO_WM_TEMPLATE_INDEX" val="160404"/>
+</p:tagLst>
+</file>
+
+<file path=ppt/tags/tag19.xml><?xml version="1.0" encoding="utf-8"?>
+<p:tagLst xmlns:a="http://schemas.openxmlformats.org/drawingml/2006/main" xmlns:r="http://schemas.openxmlformats.org/officeDocument/2006/relationships" xmlns:p="http://schemas.openxmlformats.org/presentationml/2006/main">
+  <p:tag name="KSO_WM_TEMPLATE_CATEGORY" val="custom"/>
+  <p:tag name="KSO_WM_TEMPLATE_INDEX" val="160404"/>
+</p:tagLst>
+</file>
+
+<file path=ppt/tags/tag2.xml><?xml version="1.0" encoding="utf-8"?>
+<p:tagLst xmlns:a="http://schemas.openxmlformats.org/drawingml/2006/main" xmlns:r="http://schemas.openxmlformats.org/officeDocument/2006/relationships" xmlns:p="http://schemas.openxmlformats.org/presentationml/2006/main">
+  <p:tag name="KSO_WM_TAG_VERSION" val="1.0"/>
+  <p:tag name="KSO_WM_TEMPLATE_CATEGORY" val="custom"/>
+  <p:tag name="KSO_WM_TEMPLATE_INDEX" val="160404"/>
+</p:tagLst>
+</file>
+
+<file path=ppt/tags/tag20.xml><?xml version="1.0" encoding="utf-8"?>
+<p:tagLst xmlns:a="http://schemas.openxmlformats.org/drawingml/2006/main" xmlns:r="http://schemas.openxmlformats.org/officeDocument/2006/relationships" xmlns:p="http://schemas.openxmlformats.org/presentationml/2006/main">
+  <p:tag name="KSO_WM_BEAUTIFY_FLAG" val="#wm#"/>
+  <p:tag name="KSO_WM_TEMPLATE_CATEGORY" val="custom"/>
+  <p:tag name="KSO_WM_TEMPLATE_INDEX" val="160404"/>
+</p:tagLst>
+</file>
+
+<file path=ppt/tags/tag21.xml><?xml version="1.0" encoding="utf-8"?>
+<p:tagLst xmlns:a="http://schemas.openxmlformats.org/drawingml/2006/main" xmlns:r="http://schemas.openxmlformats.org/officeDocument/2006/relationships" xmlns:p="http://schemas.openxmlformats.org/presentationml/2006/main">
+  <p:tag name="KSO_WM_UNIT_PLACING_PICTURE_USER_VIEWPORT" val="{&quot;height&quot;:4624,&quot;width&quot;:2603}"/>
+</p:tagLst>
+</file>
+
+<file path=ppt/tags/tag22.xml><?xml version="1.0" encoding="utf-8"?>
+<p:tagLst xmlns:a="http://schemas.openxmlformats.org/drawingml/2006/main" xmlns:r="http://schemas.openxmlformats.org/officeDocument/2006/relationships" xmlns:p="http://schemas.openxmlformats.org/presentationml/2006/main">
+  <p:tag name="KSO_WM_TEMPLATE_CATEGORY" val="custom"/>
+  <p:tag name="KSO_WM_TEMPLATE_INDEX" val="160404"/>
+</p:tagLst>
+</file>
+
+<file path=ppt/tags/tag3.xml><?xml version="1.0" encoding="utf-8"?>
+<p:tagLst xmlns:a="http://schemas.openxmlformats.org/drawingml/2006/main" xmlns:r="http://schemas.openxmlformats.org/officeDocument/2006/relationships" xmlns:p="http://schemas.openxmlformats.org/presentationml/2006/main">
   <p:tag name="KSO_WM_TAG_VERSION" val="1.0"/>
   <p:tag name="KSO_WM_BEAUTIFY_FLAG" val="#wm#"/>
   <p:tag name="KSO_WM_UNIT_TYPE" val="i"/>
@@ -18690,78 +18605,8 @@
 </p:tagLst>
 </file>
 
-<file path=ppt/tags/tag10.xml><?xml version="1.0" encoding="utf-8"?>
-<p:tagLst xmlns:p="http://schemas.openxmlformats.org/presentationml/2006/main">
-  <p:tag name="KSO_WM_TEMPLATE_CATEGORY" val="custom"/>
-  <p:tag name="KSO_WM_TEMPLATE_INDEX" val="160404"/>
-</p:tagLst>
-</file>
-
-<file path=ppt/tags/tag11.xml><?xml version="1.0" encoding="utf-8"?>
-<p:tagLst xmlns:p="http://schemas.openxmlformats.org/presentationml/2006/main">
-  <p:tag name="KSO_WM_TEMPLATE_CATEGORY" val="custom"/>
-  <p:tag name="KSO_WM_TEMPLATE_INDEX" val="160404"/>
-</p:tagLst>
-</file>
-
-<file path=ppt/tags/tag12.xml><?xml version="1.0" encoding="utf-8"?>
-<p:tagLst xmlns:p="http://schemas.openxmlformats.org/presentationml/2006/main">
-  <p:tag name="KSO_WM_TEMPLATE_CATEGORY" val="custom"/>
-  <p:tag name="KSO_WM_TEMPLATE_INDEX" val="160404"/>
-</p:tagLst>
-</file>
-
-<file path=ppt/tags/tag13.xml><?xml version="1.0" encoding="utf-8"?>
-<p:tagLst xmlns:p="http://schemas.openxmlformats.org/presentationml/2006/main">
-  <p:tag name="KSO_WM_TEMPLATE_CATEGORY" val="custom"/>
-  <p:tag name="KSO_WM_TEMPLATE_INDEX" val="160404"/>
-</p:tagLst>
-</file>
-
-<file path=ppt/tags/tag14.xml><?xml version="1.0" encoding="utf-8"?>
-<p:tagLst xmlns:p="http://schemas.openxmlformats.org/presentationml/2006/main">
-  <p:tag name="KSO_WM_TEMPLATE_CATEGORY" val="custom"/>
-  <p:tag name="KSO_WM_TEMPLATE_INDEX" val="160404"/>
-</p:tagLst>
-</file>
-
-<file path=ppt/tags/tag15.xml><?xml version="1.0" encoding="utf-8"?>
-<p:tagLst xmlns:p="http://schemas.openxmlformats.org/presentationml/2006/main">
-  <p:tag name="KSO_WM_TEMPLATE_CATEGORY" val="custom"/>
-  <p:tag name="KSO_WM_TEMPLATE_INDEX" val="160404"/>
-</p:tagLst>
-</file>
-
-<file path=ppt/tags/tag16.xml><?xml version="1.0" encoding="utf-8"?>
-<p:tagLst xmlns:p="http://schemas.openxmlformats.org/presentationml/2006/main">
-  <p:tag name="KSO_WM_TEMPLATE_CATEGORY" val="custom"/>
-  <p:tag name="KSO_WM_TEMPLATE_INDEX" val="160404"/>
-</p:tagLst>
-</file>
-
-<file path=ppt/tags/tag17.xml><?xml version="1.0" encoding="utf-8"?>
-<p:tagLst xmlns:p="http://schemas.openxmlformats.org/presentationml/2006/main">
-  <p:tag name="KSO_WM_TEMPLATE_CATEGORY" val="custom"/>
-  <p:tag name="KSO_WM_TEMPLATE_INDEX" val="160404"/>
-</p:tagLst>
-</file>
-
-<file path=ppt/tags/tag18.xml><?xml version="1.0" encoding="utf-8"?>
-<p:tagLst xmlns:p="http://schemas.openxmlformats.org/presentationml/2006/main">
-  <p:tag name="KSO_WM_TEMPLATE_CATEGORY" val="custom"/>
-  <p:tag name="KSO_WM_TEMPLATE_INDEX" val="160404"/>
-</p:tagLst>
-</file>
-
-<file path=ppt/tags/tag19.xml><?xml version="1.0" encoding="utf-8"?>
-<p:tagLst xmlns:p="http://schemas.openxmlformats.org/presentationml/2006/main">
-  <p:tag name="KSO_WM_TEMPLATE_CATEGORY" val="custom"/>
-  <p:tag name="KSO_WM_TEMPLATE_INDEX" val="160404"/>
-</p:tagLst>
-</file>
-
-<file path=ppt/tags/tag2.xml><?xml version="1.0" encoding="utf-8"?>
-<p:tagLst xmlns:p="http://schemas.openxmlformats.org/presentationml/2006/main">
+<file path=ppt/tags/tag4.xml><?xml version="1.0" encoding="utf-8"?>
+<p:tagLst xmlns:a="http://schemas.openxmlformats.org/drawingml/2006/main" xmlns:r="http://schemas.openxmlformats.org/officeDocument/2006/relationships" xmlns:p="http://schemas.openxmlformats.org/presentationml/2006/main">
   <p:tag name="KSO_WM_TAG_VERSION" val="1.0"/>
   <p:tag name="KSO_WM_BEAUTIFY_FLAG" val="#wm#"/>
   <p:tag name="KSO_WM_UNIT_TYPE" val="i"/>
@@ -18771,29 +18616,8 @@
 </p:tagLst>
 </file>
 
-<file path=ppt/tags/tag20.xml><?xml version="1.0" encoding="utf-8"?>
-<p:tagLst xmlns:p="http://schemas.openxmlformats.org/presentationml/2006/main">
-  <p:tag name="KSO_WM_UNIT_PLACING_PICTURE_USER_VIEWPORT" val="{&quot;height&quot;:4624,&quot;width&quot;:2603}"/>
-</p:tagLst>
-</file>
-
-<file path=ppt/tags/tag21.xml><?xml version="1.0" encoding="utf-8"?>
-<p:tagLst xmlns:p="http://schemas.openxmlformats.org/presentationml/2006/main">
-  <p:tag name="KSO_WM_BEAUTIFY_FLAG" val="#wm#"/>
-  <p:tag name="KSO_WM_TEMPLATE_CATEGORY" val="custom"/>
-  <p:tag name="KSO_WM_TEMPLATE_INDEX" val="160404"/>
-</p:tagLst>
-</file>
-
-<file path=ppt/tags/tag22.xml><?xml version="1.0" encoding="utf-8"?>
-<p:tagLst xmlns:p="http://schemas.openxmlformats.org/presentationml/2006/main">
-  <p:tag name="KSO_WM_TEMPLATE_CATEGORY" val="custom"/>
-  <p:tag name="KSO_WM_TEMPLATE_INDEX" val="160404"/>
-</p:tagLst>
-</file>
-
-<file path=ppt/tags/tag3.xml><?xml version="1.0" encoding="utf-8"?>
-<p:tagLst xmlns:p="http://schemas.openxmlformats.org/presentationml/2006/main">
+<file path=ppt/tags/tag5.xml><?xml version="1.0" encoding="utf-8"?>
+<p:tagLst xmlns:a="http://schemas.openxmlformats.org/drawingml/2006/main" xmlns:r="http://schemas.openxmlformats.org/officeDocument/2006/relationships" xmlns:p="http://schemas.openxmlformats.org/presentationml/2006/main">
   <p:tag name="KSO_WM_TAG_VERSION" val="1.0"/>
   <p:tag name="KSO_WM_BEAUTIFY_FLAG" val="#wm#"/>
   <p:tag name="KSO_WM_UNIT_TYPE" val="i"/>
@@ -18803,45 +18627,29 @@
 </p:tagLst>
 </file>
 
-<file path=ppt/tags/tag4.xml><?xml version="1.0" encoding="utf-8"?>
-<p:tagLst xmlns:p="http://schemas.openxmlformats.org/presentationml/2006/main">
-  <p:tag name="KSO_WM_TAG_VERSION" val="1.0"/>
-  <p:tag name="KSO_WM_TEMPLATE_CATEGORY" val="custom"/>
-  <p:tag name="KSO_WM_TEMPLATE_INDEX" val="160404"/>
-</p:tagLst>
-</file>
-
-<file path=ppt/tags/tag5.xml><?xml version="1.0" encoding="utf-8"?>
-<p:tagLst xmlns:p="http://schemas.openxmlformats.org/presentationml/2006/main">
-  <p:tag name="KSO_WM_TAG_VERSION" val="1.0"/>
-  <p:tag name="KSO_WM_TEMPLATE_CATEGORY" val="custom"/>
-  <p:tag name="KSO_WM_TEMPLATE_INDEX" val="160404"/>
-</p:tagLst>
-</file>
-
 <file path=ppt/tags/tag6.xml><?xml version="1.0" encoding="utf-8"?>
-<p:tagLst xmlns:p="http://schemas.openxmlformats.org/presentationml/2006/main">
+<p:tagLst xmlns:a="http://schemas.openxmlformats.org/drawingml/2006/main" xmlns:r="http://schemas.openxmlformats.org/officeDocument/2006/relationships" xmlns:p="http://schemas.openxmlformats.org/presentationml/2006/main">
   <p:tag name="KSO_WM_TEMPLATE_CATEGORY" val="custom"/>
   <p:tag name="KSO_WM_TEMPLATE_INDEX" val="160404"/>
 </p:tagLst>
 </file>
 
 <file path=ppt/tags/tag7.xml><?xml version="1.0" encoding="utf-8"?>
-<p:tagLst xmlns:p="http://schemas.openxmlformats.org/presentationml/2006/main">
+<p:tagLst xmlns:a="http://schemas.openxmlformats.org/drawingml/2006/main" xmlns:r="http://schemas.openxmlformats.org/officeDocument/2006/relationships" xmlns:p="http://schemas.openxmlformats.org/presentationml/2006/main">
   <p:tag name="KSO_WM_TEMPLATE_CATEGORY" val="custom"/>
   <p:tag name="KSO_WM_TEMPLATE_INDEX" val="160404"/>
 </p:tagLst>
 </file>
 
 <file path=ppt/tags/tag8.xml><?xml version="1.0" encoding="utf-8"?>
-<p:tagLst xmlns:p="http://schemas.openxmlformats.org/presentationml/2006/main">
+<p:tagLst xmlns:a="http://schemas.openxmlformats.org/drawingml/2006/main" xmlns:r="http://schemas.openxmlformats.org/officeDocument/2006/relationships" xmlns:p="http://schemas.openxmlformats.org/presentationml/2006/main">
   <p:tag name="KSO_WM_TEMPLATE_CATEGORY" val="custom"/>
   <p:tag name="KSO_WM_TEMPLATE_INDEX" val="160404"/>
 </p:tagLst>
 </file>
 
 <file path=ppt/tags/tag9.xml><?xml version="1.0" encoding="utf-8"?>
-<p:tagLst xmlns:p="http://schemas.openxmlformats.org/presentationml/2006/main">
+<p:tagLst xmlns:a="http://schemas.openxmlformats.org/drawingml/2006/main" xmlns:r="http://schemas.openxmlformats.org/officeDocument/2006/relationships" xmlns:p="http://schemas.openxmlformats.org/presentationml/2006/main">
   <p:tag name="KSO_WM_TEMPLATE_CATEGORY" val="custom"/>
   <p:tag name="KSO_WM_TEMPLATE_INDEX" val="160404"/>
 </p:tagLst>
@@ -19098,6 +18906,8 @@
       </a:bgFillStyleLst>
     </a:fmtScheme>
   </a:themeElements>
+  <a:objectDefaults/>
+  <a:extraClrSchemeLst/>
   <a:extLst>
     <a:ext uri="{05A4C25C-085E-4340-85A3-A5531E510DB2}">
       <thm15:themeFamily xmlns:thm15="http://schemas.microsoft.com/office/thememl/2012/main" name="Office Theme" id="{62F939B6-93AF-4DB8-9C6B-D6C7DFDC589F}" vid="{4A3C46E8-61CC-4603-A589-7422A47A8E4A}"/>
@@ -19386,6 +19196,8 @@
       </a:bgFillStyleLst>
     </a:fmtScheme>
   </a:themeElements>
+  <a:objectDefaults/>
+  <a:extraClrSchemeLst/>
   <a:extLst>
     <a:ext uri="{05A4C25C-085E-4340-85A3-A5531E510DB2}">
       <thm15:themeFamily xmlns:thm15="http://schemas.microsoft.com/office/thememl/2012/main" name="Office Theme" id="{62F939B6-93AF-4DB8-9C6B-D6C7DFDC589F}" vid="{4A3C46E8-61CC-4603-A589-7422A47A8E4A}"/>
